--- a/poster/H1B_Poster.pptx
+++ b/poster/H1B_Poster.pptx
@@ -322,7 +322,7 @@
             <a:fld id="{1E44E51C-57D0-6B4C-9C03-A3E12CE0FF75}" type="datetime1">
               <a:rPr lang="en-US" altLang="en-US"/>
               <a:pPr/>
-              <a:t>12/4/22</a:t>
+              <a:t>12/4/2022</a:t>
             </a:fld>
             <a:endParaRPr lang="en-US" altLang="en-US"/>
           </a:p>
@@ -5911,14 +5911,14 @@
           </a:ln>
           <a:extLst>
             <a:ext uri="{909E8E84-426E-40dd-AFC4-6F175D3DCCD1}">
-              <a14:hiddenFill xmlns="" xmlns:a14="http://schemas.microsoft.com/office/drawing/2010/main">
+              <a14:hiddenFill xmlns:a14="http://schemas.microsoft.com/office/drawing/2010/main" xmlns="">
                 <a:solidFill>
                   <a:srgbClr val="FFFFFF"/>
                 </a:solidFill>
               </a14:hiddenFill>
             </a:ext>
             <a:ext uri="{91240B29-F687-4f45-9708-019B960494DF}">
-              <a14:hiddenLine xmlns="" xmlns:a14="http://schemas.microsoft.com/office/drawing/2010/main" w="9525">
+              <a14:hiddenLine xmlns:a14="http://schemas.microsoft.com/office/drawing/2010/main" xmlns="" w="9525">
                 <a:solidFill>
                   <a:srgbClr val="000000"/>
                 </a:solidFill>
@@ -6849,7 +6849,7 @@
                 <a:latin typeface="Calibri" panose="020F0502020204030204" pitchFamily="34" charset="0"/>
                 <a:cs typeface="Calibri" panose="020F0502020204030204" pitchFamily="34" charset="0"/>
               </a:rPr>
-              <a:t>Too many variables with widespread of NAs</a:t>
+              <a:t>Too many variables with widespread use NAs</a:t>
             </a:r>
           </a:p>
           <a:p>
@@ -6881,7 +6881,23 @@
                 <a:latin typeface="Calibri" panose="020F0502020204030204" pitchFamily="34" charset="0"/>
                 <a:cs typeface="Calibri" panose="020F0502020204030204" pitchFamily="34" charset="0"/>
               </a:rPr>
-              <a:t>Variables that we created : Year since graduation and waiting period, education in us or not </a:t>
+              <a:t>Variables that we created : Year since graduation and waiting period, education in US or not </a:t>
+            </a:r>
+          </a:p>
+          <a:p>
+            <a:pPr marL="457200" indent="-457200" eaLnBrk="1" hangingPunct="1">
+              <a:spcBef>
+                <a:spcPct val="10000"/>
+              </a:spcBef>
+              <a:buFont typeface="Arial" panose="020B0604020202020204" pitchFamily="34" charset="0"/>
+              <a:buChar char="•"/>
+            </a:pPr>
+            <a:r>
+              <a:rPr lang="en-US" altLang="en-US" dirty="0">
+                <a:latin typeface="Calibri" panose="020F0502020204030204" pitchFamily="34" charset="0"/>
+                <a:cs typeface="Calibri" panose="020F0502020204030204" pitchFamily="34" charset="0"/>
+              </a:rPr>
+              <a:t>Use of categorical vs. numeric was introducing coercion of NAs within the data</a:t>
             </a:r>
           </a:p>
           <a:p>
@@ -6914,14 +6930,14 @@
           <p:nvPr>
             <p:extLst>
               <p:ext uri="{D42A27DB-BD31-4B8C-83A1-F6EECF244321}">
-                <p14:modId xmlns:p14="http://schemas.microsoft.com/office/powerpoint/2010/main" val="3075863595"/>
+                <p14:modId xmlns:p14="http://schemas.microsoft.com/office/powerpoint/2010/main" val="1068699678"/>
               </p:ext>
             </p:extLst>
           </p:nvPr>
         </p:nvGraphicFramePr>
         <p:xfrm>
           <a:off x="9437563" y="5258172"/>
-          <a:ext cx="14217446" cy="7116900"/>
+          <a:ext cx="14217447" cy="11134308"/>
         </p:xfrm>
         <a:graphic>
           <a:graphicData uri="http://schemas.openxmlformats.org/drawingml/2006/table">
@@ -6930,17 +6946,24 @@
                 <a:tableStyleId>{5C22544A-7EE6-4342-B048-85BDC9FD1C3A}</a:tableStyleId>
               </a:tblPr>
               <a:tblGrid>
-                <a:gridCol w="7108723">
+                <a:gridCol w="4739149">
                   <a:extLst>
                     <a:ext uri="{9D8B030D-6E8A-4147-A177-3AD203B41FA5}">
                       <a16:colId xmlns:a16="http://schemas.microsoft.com/office/drawing/2014/main" val="2250863526"/>
                     </a:ext>
                   </a:extLst>
                 </a:gridCol>
-                <a:gridCol w="7108723">
+                <a:gridCol w="4739149">
                   <a:extLst>
                     <a:ext uri="{9D8B030D-6E8A-4147-A177-3AD203B41FA5}">
                       <a16:colId xmlns:a16="http://schemas.microsoft.com/office/drawing/2014/main" val="328836238"/>
+                    </a:ext>
+                  </a:extLst>
+                </a:gridCol>
+                <a:gridCol w="4739149">
+                  <a:extLst>
+                    <a:ext uri="{9D8B030D-6E8A-4147-A177-3AD203B41FA5}">
+                      <a16:colId xmlns:a16="http://schemas.microsoft.com/office/drawing/2014/main" val="2427766494"/>
                     </a:ext>
                   </a:extLst>
                 </a:gridCol>
@@ -6952,7 +6975,7 @@
                     <a:lstStyle/>
                     <a:p>
                       <a:r>
-                        <a:rPr lang="en-US" sz="5400" dirty="0">
+                        <a:rPr lang="en-US" sz="4800" dirty="0">
                           <a:solidFill>
                             <a:schemeClr val="tx1"/>
                           </a:solidFill>
@@ -6961,7 +6984,44 @@
                       </a:r>
                     </a:p>
                   </a:txBody>
-                  <a:tcPr/>
+                  <a:tcPr>
+                    <a:lnL w="12700" cap="flat" cmpd="sng" algn="ctr">
+                      <a:solidFill>
+                        <a:schemeClr val="tx1"/>
+                      </a:solidFill>
+                      <a:prstDash val="solid"/>
+                      <a:round/>
+                      <a:headEnd type="none" w="med" len="med"/>
+                      <a:tailEnd type="none" w="med" len="med"/>
+                    </a:lnL>
+                    <a:lnR w="12700" cap="flat" cmpd="sng" algn="ctr">
+                      <a:solidFill>
+                        <a:schemeClr val="tx1"/>
+                      </a:solidFill>
+                      <a:prstDash val="solid"/>
+                      <a:round/>
+                      <a:headEnd type="none" w="med" len="med"/>
+                      <a:tailEnd type="none" w="med" len="med"/>
+                    </a:lnR>
+                    <a:lnT w="12700" cap="flat" cmpd="sng" algn="ctr">
+                      <a:solidFill>
+                        <a:schemeClr val="tx1"/>
+                      </a:solidFill>
+                      <a:prstDash val="solid"/>
+                      <a:round/>
+                      <a:headEnd type="none" w="med" len="med"/>
+                      <a:tailEnd type="none" w="med" len="med"/>
+                    </a:lnT>
+                    <a:lnB w="12700" cap="flat" cmpd="sng" algn="ctr">
+                      <a:solidFill>
+                        <a:schemeClr val="tx1"/>
+                      </a:solidFill>
+                      <a:prstDash val="solid"/>
+                      <a:round/>
+                      <a:headEnd type="none" w="med" len="med"/>
+                      <a:tailEnd type="none" w="med" len="med"/>
+                    </a:lnB>
+                  </a:tcPr>
                 </a:tc>
                 <a:tc>
                   <a:txBody>
@@ -6969,7 +7029,7 @@
                     <a:lstStyle/>
                     <a:p>
                       <a:r>
-                        <a:rPr lang="en-US" sz="5400" dirty="0">
+                        <a:rPr lang="en-US" sz="4800" dirty="0">
                           <a:solidFill>
                             <a:schemeClr val="tx1"/>
                           </a:solidFill>
@@ -6978,7 +7038,98 @@
                       </a:r>
                     </a:p>
                   </a:txBody>
-                  <a:tcPr/>
+                  <a:tcPr>
+                    <a:lnL w="12700" cap="flat" cmpd="sng" algn="ctr">
+                      <a:solidFill>
+                        <a:schemeClr val="tx1"/>
+                      </a:solidFill>
+                      <a:prstDash val="solid"/>
+                      <a:round/>
+                      <a:headEnd type="none" w="med" len="med"/>
+                      <a:tailEnd type="none" w="med" len="med"/>
+                    </a:lnL>
+                    <a:lnR w="12700" cap="flat" cmpd="sng" algn="ctr">
+                      <a:solidFill>
+                        <a:schemeClr val="tx1"/>
+                      </a:solidFill>
+                      <a:prstDash val="solid"/>
+                      <a:round/>
+                      <a:headEnd type="none" w="med" len="med"/>
+                      <a:tailEnd type="none" w="med" len="med"/>
+                    </a:lnR>
+                    <a:lnT w="12700" cap="flat" cmpd="sng" algn="ctr">
+                      <a:solidFill>
+                        <a:schemeClr val="tx1"/>
+                      </a:solidFill>
+                      <a:prstDash val="solid"/>
+                      <a:round/>
+                      <a:headEnd type="none" w="med" len="med"/>
+                      <a:tailEnd type="none" w="med" len="med"/>
+                    </a:lnT>
+                    <a:lnB w="12700" cap="flat" cmpd="sng" algn="ctr">
+                      <a:solidFill>
+                        <a:schemeClr val="tx1"/>
+                      </a:solidFill>
+                      <a:prstDash val="solid"/>
+                      <a:round/>
+                      <a:headEnd type="none" w="med" len="med"/>
+                      <a:tailEnd type="none" w="med" len="med"/>
+                    </a:lnB>
+                  </a:tcPr>
+                </a:tc>
+                <a:tc>
+                  <a:txBody>
+                    <a:bodyPr/>
+                    <a:lstStyle/>
+                    <a:p>
+                      <a:r>
+                        <a:rPr lang="en-US" sz="4800" dirty="0">
+                          <a:solidFill>
+                            <a:schemeClr val="tx1"/>
+                          </a:solidFill>
+                        </a:rPr>
+                        <a:t>Parameters Used</a:t>
+                      </a:r>
+                    </a:p>
+                  </a:txBody>
+                  <a:tcPr>
+                    <a:lnL w="12700" cap="flat" cmpd="sng" algn="ctr">
+                      <a:solidFill>
+                        <a:schemeClr val="tx1"/>
+                      </a:solidFill>
+                      <a:prstDash val="solid"/>
+                      <a:round/>
+                      <a:headEnd type="none" w="med" len="med"/>
+                      <a:tailEnd type="none" w="med" len="med"/>
+                    </a:lnL>
+                    <a:lnR w="12700" cap="flat" cmpd="sng" algn="ctr">
+                      <a:solidFill>
+                        <a:schemeClr val="tx1"/>
+                      </a:solidFill>
+                      <a:prstDash val="solid"/>
+                      <a:round/>
+                      <a:headEnd type="none" w="med" len="med"/>
+                      <a:tailEnd type="none" w="med" len="med"/>
+                    </a:lnR>
+                    <a:lnT w="12700" cap="flat" cmpd="sng" algn="ctr">
+                      <a:solidFill>
+                        <a:schemeClr val="tx1"/>
+                      </a:solidFill>
+                      <a:prstDash val="solid"/>
+                      <a:round/>
+                      <a:headEnd type="none" w="med" len="med"/>
+                      <a:tailEnd type="none" w="med" len="med"/>
+                    </a:lnT>
+                    <a:lnB w="12700" cap="flat" cmpd="sng" algn="ctr">
+                      <a:solidFill>
+                        <a:schemeClr val="tx1"/>
+                      </a:solidFill>
+                      <a:prstDash val="solid"/>
+                      <a:round/>
+                      <a:headEnd type="none" w="med" len="med"/>
+                      <a:tailEnd type="none" w="med" len="med"/>
+                    </a:lnB>
+                  </a:tcPr>
                 </a:tc>
                 <a:extLst>
                   <a:ext uri="{0D108BD9-81ED-4DB2-BD59-A6C34878D82A}">
@@ -6993,12 +7144,49 @@
                     <a:lstStyle/>
                     <a:p>
                       <a:r>
-                        <a:rPr lang="en-US" sz="5400" dirty="0"/>
+                        <a:rPr lang="en-US" sz="4800" dirty="0"/>
                         <a:t>K-Nearest Neighbor</a:t>
                       </a:r>
                     </a:p>
                   </a:txBody>
-                  <a:tcPr/>
+                  <a:tcPr>
+                    <a:lnL w="12700" cap="flat" cmpd="sng" algn="ctr">
+                      <a:solidFill>
+                        <a:schemeClr val="tx1"/>
+                      </a:solidFill>
+                      <a:prstDash val="solid"/>
+                      <a:round/>
+                      <a:headEnd type="none" w="med" len="med"/>
+                      <a:tailEnd type="none" w="med" len="med"/>
+                    </a:lnL>
+                    <a:lnR w="12700" cap="flat" cmpd="sng" algn="ctr">
+                      <a:solidFill>
+                        <a:schemeClr val="tx1"/>
+                      </a:solidFill>
+                      <a:prstDash val="solid"/>
+                      <a:round/>
+                      <a:headEnd type="none" w="med" len="med"/>
+                      <a:tailEnd type="none" w="med" len="med"/>
+                    </a:lnR>
+                    <a:lnT w="12700" cap="flat" cmpd="sng" algn="ctr">
+                      <a:solidFill>
+                        <a:schemeClr val="tx1"/>
+                      </a:solidFill>
+                      <a:prstDash val="solid"/>
+                      <a:round/>
+                      <a:headEnd type="none" w="med" len="med"/>
+                      <a:tailEnd type="none" w="med" len="med"/>
+                    </a:lnT>
+                    <a:lnB w="12700" cap="flat" cmpd="sng" algn="ctr">
+                      <a:solidFill>
+                        <a:schemeClr val="tx1"/>
+                      </a:solidFill>
+                      <a:prstDash val="solid"/>
+                      <a:round/>
+                      <a:headEnd type="none" w="med" len="med"/>
+                      <a:tailEnd type="none" w="med" len="med"/>
+                    </a:lnB>
+                  </a:tcPr>
                 </a:tc>
                 <a:tc>
                   <a:txBody>
@@ -7006,12 +7194,105 @@
                     <a:lstStyle/>
                     <a:p>
                       <a:r>
-                        <a:rPr lang="en-US" sz="5400" dirty="0"/>
+                        <a:rPr lang="en-US" sz="4800" dirty="0"/>
                         <a:t>K = 7 , 97.9%</a:t>
                       </a:r>
                     </a:p>
+                    <a:p>
+                      <a:r>
+                        <a:rPr lang="en-US" sz="4800" dirty="0"/>
+                        <a:t>MCR = 2.1%</a:t>
+                      </a:r>
+                    </a:p>
                   </a:txBody>
-                  <a:tcPr/>
+                  <a:tcPr>
+                    <a:lnL w="12700" cap="flat" cmpd="sng" algn="ctr">
+                      <a:solidFill>
+                        <a:schemeClr val="tx1"/>
+                      </a:solidFill>
+                      <a:prstDash val="solid"/>
+                      <a:round/>
+                      <a:headEnd type="none" w="med" len="med"/>
+                      <a:tailEnd type="none" w="med" len="med"/>
+                    </a:lnL>
+                    <a:lnR w="12700" cap="flat" cmpd="sng" algn="ctr">
+                      <a:solidFill>
+                        <a:schemeClr val="tx1"/>
+                      </a:solidFill>
+                      <a:prstDash val="solid"/>
+                      <a:round/>
+                      <a:headEnd type="none" w="med" len="med"/>
+                      <a:tailEnd type="none" w="med" len="med"/>
+                    </a:lnR>
+                    <a:lnT w="12700" cap="flat" cmpd="sng" algn="ctr">
+                      <a:solidFill>
+                        <a:schemeClr val="tx1"/>
+                      </a:solidFill>
+                      <a:prstDash val="solid"/>
+                      <a:round/>
+                      <a:headEnd type="none" w="med" len="med"/>
+                      <a:tailEnd type="none" w="med" len="med"/>
+                    </a:lnT>
+                    <a:lnB w="12700" cap="flat" cmpd="sng" algn="ctr">
+                      <a:solidFill>
+                        <a:schemeClr val="tx1"/>
+                      </a:solidFill>
+                      <a:prstDash val="solid"/>
+                      <a:round/>
+                      <a:headEnd type="none" w="med" len="med"/>
+                      <a:tailEnd type="none" w="med" len="med"/>
+                    </a:lnB>
+                  </a:tcPr>
+                </a:tc>
+                <a:tc>
+                  <a:txBody>
+                    <a:bodyPr/>
+                    <a:lstStyle/>
+                    <a:p>
+                      <a:r>
+                        <a:rPr lang="en-US" sz="4800" dirty="0"/>
+                        <a:t>25</a:t>
+                      </a:r>
+                    </a:p>
+                  </a:txBody>
+                  <a:tcPr>
+                    <a:lnL w="12700" cap="flat" cmpd="sng" algn="ctr">
+                      <a:solidFill>
+                        <a:schemeClr val="tx1"/>
+                      </a:solidFill>
+                      <a:prstDash val="solid"/>
+                      <a:round/>
+                      <a:headEnd type="none" w="med" len="med"/>
+                      <a:tailEnd type="none" w="med" len="med"/>
+                    </a:lnL>
+                    <a:lnR w="12700" cap="flat" cmpd="sng" algn="ctr">
+                      <a:solidFill>
+                        <a:schemeClr val="tx1"/>
+                      </a:solidFill>
+                      <a:prstDash val="solid"/>
+                      <a:round/>
+                      <a:headEnd type="none" w="med" len="med"/>
+                      <a:tailEnd type="none" w="med" len="med"/>
+                    </a:lnR>
+                    <a:lnT w="12700" cap="flat" cmpd="sng" algn="ctr">
+                      <a:solidFill>
+                        <a:schemeClr val="tx1"/>
+                      </a:solidFill>
+                      <a:prstDash val="solid"/>
+                      <a:round/>
+                      <a:headEnd type="none" w="med" len="med"/>
+                      <a:tailEnd type="none" w="med" len="med"/>
+                    </a:lnT>
+                    <a:lnB w="12700" cap="flat" cmpd="sng" algn="ctr">
+                      <a:solidFill>
+                        <a:schemeClr val="tx1"/>
+                      </a:solidFill>
+                      <a:prstDash val="solid"/>
+                      <a:round/>
+                      <a:headEnd type="none" w="med" len="med"/>
+                      <a:tailEnd type="none" w="med" len="med"/>
+                    </a:lnB>
+                  </a:tcPr>
                 </a:tc>
                 <a:extLst>
                   <a:ext uri="{0D108BD9-81ED-4DB2-BD59-A6C34878D82A}">
@@ -7026,22 +7307,150 @@
                     <a:lstStyle/>
                     <a:p>
                       <a:r>
-                        <a:rPr lang="en-US" sz="5400" dirty="0"/>
+                        <a:rPr lang="en-US" sz="4800" dirty="0"/>
                         <a:t>Logistic Regression</a:t>
                       </a:r>
                     </a:p>
                   </a:txBody>
-                  <a:tcPr/>
+                  <a:tcPr>
+                    <a:lnL w="12700" cap="flat" cmpd="sng" algn="ctr">
+                      <a:solidFill>
+                        <a:schemeClr val="tx1"/>
+                      </a:solidFill>
+                      <a:prstDash val="solid"/>
+                      <a:round/>
+                      <a:headEnd type="none" w="med" len="med"/>
+                      <a:tailEnd type="none" w="med" len="med"/>
+                    </a:lnL>
+                    <a:lnR w="12700" cap="flat" cmpd="sng" algn="ctr">
+                      <a:solidFill>
+                        <a:schemeClr val="tx1"/>
+                      </a:solidFill>
+                      <a:prstDash val="solid"/>
+                      <a:round/>
+                      <a:headEnd type="none" w="med" len="med"/>
+                      <a:tailEnd type="none" w="med" len="med"/>
+                    </a:lnR>
+                    <a:lnT w="12700" cap="flat" cmpd="sng" algn="ctr">
+                      <a:solidFill>
+                        <a:schemeClr val="tx1"/>
+                      </a:solidFill>
+                      <a:prstDash val="solid"/>
+                      <a:round/>
+                      <a:headEnd type="none" w="med" len="med"/>
+                      <a:tailEnd type="none" w="med" len="med"/>
+                    </a:lnT>
+                    <a:lnB w="12700" cap="flat" cmpd="sng" algn="ctr">
+                      <a:solidFill>
+                        <a:schemeClr val="tx1"/>
+                      </a:solidFill>
+                      <a:prstDash val="solid"/>
+                      <a:round/>
+                      <a:headEnd type="none" w="med" len="med"/>
+                      <a:tailEnd type="none" w="med" len="med"/>
+                    </a:lnB>
+                  </a:tcPr>
                 </a:tc>
                 <a:tc>
                   <a:txBody>
                     <a:bodyPr/>
                     <a:lstStyle/>
                     <a:p>
-                      <a:endParaRPr lang="en-US" sz="5400" dirty="0"/>
+                      <a:r>
+                        <a:rPr lang="en-US" sz="4800"/>
+                        <a:t>MCR = 2.3%</a:t>
+                      </a:r>
+                      <a:endParaRPr lang="en-US" sz="4800" dirty="0"/>
                     </a:p>
                   </a:txBody>
-                  <a:tcPr/>
+                  <a:tcPr>
+                    <a:lnL w="12700" cap="flat" cmpd="sng" algn="ctr">
+                      <a:solidFill>
+                        <a:schemeClr val="tx1"/>
+                      </a:solidFill>
+                      <a:prstDash val="solid"/>
+                      <a:round/>
+                      <a:headEnd type="none" w="med" len="med"/>
+                      <a:tailEnd type="none" w="med" len="med"/>
+                    </a:lnL>
+                    <a:lnR w="12700" cap="flat" cmpd="sng" algn="ctr">
+                      <a:solidFill>
+                        <a:schemeClr val="tx1"/>
+                      </a:solidFill>
+                      <a:prstDash val="solid"/>
+                      <a:round/>
+                      <a:headEnd type="none" w="med" len="med"/>
+                      <a:tailEnd type="none" w="med" len="med"/>
+                    </a:lnR>
+                    <a:lnT w="12700" cap="flat" cmpd="sng" algn="ctr">
+                      <a:solidFill>
+                        <a:schemeClr val="tx1"/>
+                      </a:solidFill>
+                      <a:prstDash val="solid"/>
+                      <a:round/>
+                      <a:headEnd type="none" w="med" len="med"/>
+                      <a:tailEnd type="none" w="med" len="med"/>
+                    </a:lnT>
+                    <a:lnB w="12700" cap="flat" cmpd="sng" algn="ctr">
+                      <a:solidFill>
+                        <a:schemeClr val="tx1"/>
+                      </a:solidFill>
+                      <a:prstDash val="solid"/>
+                      <a:round/>
+                      <a:headEnd type="none" w="med" len="med"/>
+                      <a:tailEnd type="none" w="med" len="med"/>
+                    </a:lnB>
+                  </a:tcPr>
+                </a:tc>
+                <a:tc>
+                  <a:txBody>
+                    <a:bodyPr/>
+                    <a:lstStyle/>
+                    <a:p>
+                      <a:r>
+                        <a:rPr lang="en-US" sz="4800" dirty="0"/>
+                        <a:t>8</a:t>
+                      </a:r>
+                    </a:p>
+                  </a:txBody>
+                  <a:tcPr>
+                    <a:lnL w="12700" cap="flat" cmpd="sng" algn="ctr">
+                      <a:solidFill>
+                        <a:schemeClr val="tx1"/>
+                      </a:solidFill>
+                      <a:prstDash val="solid"/>
+                      <a:round/>
+                      <a:headEnd type="none" w="med" len="med"/>
+                      <a:tailEnd type="none" w="med" len="med"/>
+                    </a:lnL>
+                    <a:lnR w="12700" cap="flat" cmpd="sng" algn="ctr">
+                      <a:solidFill>
+                        <a:schemeClr val="tx1"/>
+                      </a:solidFill>
+                      <a:prstDash val="solid"/>
+                      <a:round/>
+                      <a:headEnd type="none" w="med" len="med"/>
+                      <a:tailEnd type="none" w="med" len="med"/>
+                    </a:lnR>
+                    <a:lnT w="12700" cap="flat" cmpd="sng" algn="ctr">
+                      <a:solidFill>
+                        <a:schemeClr val="tx1"/>
+                      </a:solidFill>
+                      <a:prstDash val="solid"/>
+                      <a:round/>
+                      <a:headEnd type="none" w="med" len="med"/>
+                      <a:tailEnd type="none" w="med" len="med"/>
+                    </a:lnT>
+                    <a:lnB w="12700" cap="flat" cmpd="sng" algn="ctr">
+                      <a:solidFill>
+                        <a:schemeClr val="tx1"/>
+                      </a:solidFill>
+                      <a:prstDash val="solid"/>
+                      <a:round/>
+                      <a:headEnd type="none" w="med" len="med"/>
+                      <a:tailEnd type="none" w="med" len="med"/>
+                    </a:lnB>
+                  </a:tcPr>
                 </a:tc>
                 <a:extLst>
                   <a:ext uri="{0D108BD9-81ED-4DB2-BD59-A6C34878D82A}">
@@ -7056,22 +7465,149 @@
                     <a:lstStyle/>
                     <a:p>
                       <a:r>
-                        <a:rPr lang="en-US" sz="5400" dirty="0"/>
+                        <a:rPr lang="en-US" sz="4800" dirty="0"/>
                         <a:t>Ridge Regression</a:t>
                       </a:r>
                     </a:p>
                   </a:txBody>
-                  <a:tcPr/>
+                  <a:tcPr>
+                    <a:lnL w="12700" cap="flat" cmpd="sng" algn="ctr">
+                      <a:solidFill>
+                        <a:schemeClr val="tx1"/>
+                      </a:solidFill>
+                      <a:prstDash val="solid"/>
+                      <a:round/>
+                      <a:headEnd type="none" w="med" len="med"/>
+                      <a:tailEnd type="none" w="med" len="med"/>
+                    </a:lnL>
+                    <a:lnR w="12700" cap="flat" cmpd="sng" algn="ctr">
+                      <a:solidFill>
+                        <a:schemeClr val="tx1"/>
+                      </a:solidFill>
+                      <a:prstDash val="solid"/>
+                      <a:round/>
+                      <a:headEnd type="none" w="med" len="med"/>
+                      <a:tailEnd type="none" w="med" len="med"/>
+                    </a:lnR>
+                    <a:lnT w="12700" cap="flat" cmpd="sng" algn="ctr">
+                      <a:solidFill>
+                        <a:schemeClr val="tx1"/>
+                      </a:solidFill>
+                      <a:prstDash val="solid"/>
+                      <a:round/>
+                      <a:headEnd type="none" w="med" len="med"/>
+                      <a:tailEnd type="none" w="med" len="med"/>
+                    </a:lnT>
+                    <a:lnB w="12700" cap="flat" cmpd="sng" algn="ctr">
+                      <a:solidFill>
+                        <a:schemeClr val="tx1"/>
+                      </a:solidFill>
+                      <a:prstDash val="solid"/>
+                      <a:round/>
+                      <a:headEnd type="none" w="med" len="med"/>
+                      <a:tailEnd type="none" w="med" len="med"/>
+                    </a:lnB>
+                  </a:tcPr>
                 </a:tc>
                 <a:tc>
                   <a:txBody>
                     <a:bodyPr/>
                     <a:lstStyle/>
                     <a:p>
-                      <a:endParaRPr lang="en-US" sz="5400" dirty="0"/>
+                      <a:r>
+                        <a:rPr lang="en-US" sz="4800" dirty="0"/>
+                        <a:t>RMSE = 4.54</a:t>
+                      </a:r>
                     </a:p>
                   </a:txBody>
-                  <a:tcPr/>
+                  <a:tcPr>
+                    <a:lnL w="12700" cap="flat" cmpd="sng" algn="ctr">
+                      <a:solidFill>
+                        <a:schemeClr val="tx1"/>
+                      </a:solidFill>
+                      <a:prstDash val="solid"/>
+                      <a:round/>
+                      <a:headEnd type="none" w="med" len="med"/>
+                      <a:tailEnd type="none" w="med" len="med"/>
+                    </a:lnL>
+                    <a:lnR w="12700" cap="flat" cmpd="sng" algn="ctr">
+                      <a:solidFill>
+                        <a:schemeClr val="tx1"/>
+                      </a:solidFill>
+                      <a:prstDash val="solid"/>
+                      <a:round/>
+                      <a:headEnd type="none" w="med" len="med"/>
+                      <a:tailEnd type="none" w="med" len="med"/>
+                    </a:lnR>
+                    <a:lnT w="12700" cap="flat" cmpd="sng" algn="ctr">
+                      <a:solidFill>
+                        <a:schemeClr val="tx1"/>
+                      </a:solidFill>
+                      <a:prstDash val="solid"/>
+                      <a:round/>
+                      <a:headEnd type="none" w="med" len="med"/>
+                      <a:tailEnd type="none" w="med" len="med"/>
+                    </a:lnT>
+                    <a:lnB w="12700" cap="flat" cmpd="sng" algn="ctr">
+                      <a:solidFill>
+                        <a:schemeClr val="tx1"/>
+                      </a:solidFill>
+                      <a:prstDash val="solid"/>
+                      <a:round/>
+                      <a:headEnd type="none" w="med" len="med"/>
+                      <a:tailEnd type="none" w="med" len="med"/>
+                    </a:lnB>
+                  </a:tcPr>
+                </a:tc>
+                <a:tc>
+                  <a:txBody>
+                    <a:bodyPr/>
+                    <a:lstStyle/>
+                    <a:p>
+                      <a:r>
+                        <a:rPr lang="en-US" sz="4800" dirty="0"/>
+                        <a:t>25</a:t>
+                      </a:r>
+                    </a:p>
+                  </a:txBody>
+                  <a:tcPr>
+                    <a:lnL w="12700" cap="flat" cmpd="sng" algn="ctr">
+                      <a:solidFill>
+                        <a:schemeClr val="tx1"/>
+                      </a:solidFill>
+                      <a:prstDash val="solid"/>
+                      <a:round/>
+                      <a:headEnd type="none" w="med" len="med"/>
+                      <a:tailEnd type="none" w="med" len="med"/>
+                    </a:lnL>
+                    <a:lnR w="12700" cap="flat" cmpd="sng" algn="ctr">
+                      <a:solidFill>
+                        <a:schemeClr val="tx1"/>
+                      </a:solidFill>
+                      <a:prstDash val="solid"/>
+                      <a:round/>
+                      <a:headEnd type="none" w="med" len="med"/>
+                      <a:tailEnd type="none" w="med" len="med"/>
+                    </a:lnR>
+                    <a:lnT w="12700" cap="flat" cmpd="sng" algn="ctr">
+                      <a:solidFill>
+                        <a:schemeClr val="tx1"/>
+                      </a:solidFill>
+                      <a:prstDash val="solid"/>
+                      <a:round/>
+                      <a:headEnd type="none" w="med" len="med"/>
+                      <a:tailEnd type="none" w="med" len="med"/>
+                    </a:lnT>
+                    <a:lnB w="12700" cap="flat" cmpd="sng" algn="ctr">
+                      <a:solidFill>
+                        <a:schemeClr val="tx1"/>
+                      </a:solidFill>
+                      <a:prstDash val="solid"/>
+                      <a:round/>
+                      <a:headEnd type="none" w="med" len="med"/>
+                      <a:tailEnd type="none" w="med" len="med"/>
+                    </a:lnB>
+                  </a:tcPr>
                 </a:tc>
                 <a:extLst>
                   <a:ext uri="{0D108BD9-81ED-4DB2-BD59-A6C34878D82A}">
@@ -7086,22 +7622,166 @@
                     <a:lstStyle/>
                     <a:p>
                       <a:r>
-                        <a:rPr lang="en-US" sz="5400" dirty="0"/>
+                        <a:rPr lang="en-US" sz="4800" dirty="0"/>
                         <a:t>LASSO Regression</a:t>
                       </a:r>
                     </a:p>
                   </a:txBody>
-                  <a:tcPr/>
+                  <a:tcPr>
+                    <a:lnL w="12700" cap="flat" cmpd="sng" algn="ctr">
+                      <a:solidFill>
+                        <a:schemeClr val="tx1"/>
+                      </a:solidFill>
+                      <a:prstDash val="solid"/>
+                      <a:round/>
+                      <a:headEnd type="none" w="med" len="med"/>
+                      <a:tailEnd type="none" w="med" len="med"/>
+                    </a:lnL>
+                    <a:lnR w="12700" cap="flat" cmpd="sng" algn="ctr">
+                      <a:solidFill>
+                        <a:schemeClr val="tx1"/>
+                      </a:solidFill>
+                      <a:prstDash val="solid"/>
+                      <a:round/>
+                      <a:headEnd type="none" w="med" len="med"/>
+                      <a:tailEnd type="none" w="med" len="med"/>
+                    </a:lnR>
+                    <a:lnT w="12700" cap="flat" cmpd="sng" algn="ctr">
+                      <a:solidFill>
+                        <a:schemeClr val="tx1"/>
+                      </a:solidFill>
+                      <a:prstDash val="solid"/>
+                      <a:round/>
+                      <a:headEnd type="none" w="med" len="med"/>
+                      <a:tailEnd type="none" w="med" len="med"/>
+                    </a:lnT>
+                    <a:lnB w="12700" cap="flat" cmpd="sng" algn="ctr">
+                      <a:solidFill>
+                        <a:schemeClr val="tx1"/>
+                      </a:solidFill>
+                      <a:prstDash val="solid"/>
+                      <a:round/>
+                      <a:headEnd type="none" w="med" len="med"/>
+                      <a:tailEnd type="none" w="med" len="med"/>
+                    </a:lnB>
+                  </a:tcPr>
                 </a:tc>
                 <a:tc>
                   <a:txBody>
                     <a:bodyPr/>
                     <a:lstStyle/>
                     <a:p>
-                      <a:endParaRPr lang="en-US" sz="5400"/>
+                      <a:pPr marL="0" marR="0" lvl="0" indent="0" algn="l" defTabSz="293934" rtl="0" eaLnBrk="1" fontAlgn="auto" latinLnBrk="0" hangingPunct="1">
+                        <a:lnSpc>
+                          <a:spcPct val="100000"/>
+                        </a:lnSpc>
+                        <a:spcBef>
+                          <a:spcPts val="0"/>
+                        </a:spcBef>
+                        <a:spcAft>
+                          <a:spcPts val="0"/>
+                        </a:spcAft>
+                        <a:buClrTx/>
+                        <a:buSzTx/>
+                        <a:buFontTx/>
+                        <a:buNone/>
+                        <a:tabLst/>
+                        <a:defRPr/>
+                      </a:pPr>
+                      <a:r>
+                        <a:rPr lang="en-US" sz="4800" dirty="0"/>
+                        <a:t>RMSE = 4.93</a:t>
+                      </a:r>
                     </a:p>
                   </a:txBody>
-                  <a:tcPr/>
+                  <a:tcPr>
+                    <a:lnL w="12700" cap="flat" cmpd="sng" algn="ctr">
+                      <a:solidFill>
+                        <a:schemeClr val="tx1"/>
+                      </a:solidFill>
+                      <a:prstDash val="solid"/>
+                      <a:round/>
+                      <a:headEnd type="none" w="med" len="med"/>
+                      <a:tailEnd type="none" w="med" len="med"/>
+                    </a:lnL>
+                    <a:lnR w="12700" cap="flat" cmpd="sng" algn="ctr">
+                      <a:solidFill>
+                        <a:schemeClr val="tx1"/>
+                      </a:solidFill>
+                      <a:prstDash val="solid"/>
+                      <a:round/>
+                      <a:headEnd type="none" w="med" len="med"/>
+                      <a:tailEnd type="none" w="med" len="med"/>
+                    </a:lnR>
+                    <a:lnT w="12700" cap="flat" cmpd="sng" algn="ctr">
+                      <a:solidFill>
+                        <a:schemeClr val="tx1"/>
+                      </a:solidFill>
+                      <a:prstDash val="solid"/>
+                      <a:round/>
+                      <a:headEnd type="none" w="med" len="med"/>
+                      <a:tailEnd type="none" w="med" len="med"/>
+                    </a:lnT>
+                    <a:lnB w="12700" cap="flat" cmpd="sng" algn="ctr">
+                      <a:solidFill>
+                        <a:schemeClr val="tx1"/>
+                      </a:solidFill>
+                      <a:prstDash val="solid"/>
+                      <a:round/>
+                      <a:headEnd type="none" w="med" len="med"/>
+                      <a:tailEnd type="none" w="med" len="med"/>
+                    </a:lnB>
+                  </a:tcPr>
+                </a:tc>
+                <a:tc>
+                  <a:txBody>
+                    <a:bodyPr/>
+                    <a:lstStyle/>
+                    <a:p>
+                      <a:r>
+                        <a:rPr lang="en-US" sz="4800" dirty="0"/>
+                        <a:t>18</a:t>
+                      </a:r>
+                    </a:p>
+                  </a:txBody>
+                  <a:tcPr>
+                    <a:lnL w="12700" cap="flat" cmpd="sng" algn="ctr">
+                      <a:solidFill>
+                        <a:schemeClr val="tx1"/>
+                      </a:solidFill>
+                      <a:prstDash val="solid"/>
+                      <a:round/>
+                      <a:headEnd type="none" w="med" len="med"/>
+                      <a:tailEnd type="none" w="med" len="med"/>
+                    </a:lnL>
+                    <a:lnR w="12700" cap="flat" cmpd="sng" algn="ctr">
+                      <a:solidFill>
+                        <a:schemeClr val="tx1"/>
+                      </a:solidFill>
+                      <a:prstDash val="solid"/>
+                      <a:round/>
+                      <a:headEnd type="none" w="med" len="med"/>
+                      <a:tailEnd type="none" w="med" len="med"/>
+                    </a:lnR>
+                    <a:lnT w="12700" cap="flat" cmpd="sng" algn="ctr">
+                      <a:solidFill>
+                        <a:schemeClr val="tx1"/>
+                      </a:solidFill>
+                      <a:prstDash val="solid"/>
+                      <a:round/>
+                      <a:headEnd type="none" w="med" len="med"/>
+                      <a:tailEnd type="none" w="med" len="med"/>
+                    </a:lnT>
+                    <a:lnB w="12700" cap="flat" cmpd="sng" algn="ctr">
+                      <a:solidFill>
+                        <a:schemeClr val="tx1"/>
+                      </a:solidFill>
+                      <a:prstDash val="solid"/>
+                      <a:round/>
+                      <a:headEnd type="none" w="med" len="med"/>
+                      <a:tailEnd type="none" w="med" len="med"/>
+                    </a:lnB>
+                  </a:tcPr>
                 </a:tc>
                 <a:extLst>
                   <a:ext uri="{0D108BD9-81ED-4DB2-BD59-A6C34878D82A}">
@@ -7116,26 +7796,310 @@
                     <a:lstStyle/>
                     <a:p>
                       <a:r>
-                        <a:rPr lang="en-US" sz="5400" dirty="0"/>
-                        <a:t>PLS</a:t>
+                        <a:rPr lang="en-US" sz="4800" dirty="0"/>
+                        <a:t>Partial Least Squares</a:t>
                       </a:r>
                     </a:p>
                   </a:txBody>
-                  <a:tcPr/>
+                  <a:tcPr>
+                    <a:lnL w="12700" cap="flat" cmpd="sng" algn="ctr">
+                      <a:solidFill>
+                        <a:schemeClr val="tx1"/>
+                      </a:solidFill>
+                      <a:prstDash val="solid"/>
+                      <a:round/>
+                      <a:headEnd type="none" w="med" len="med"/>
+                      <a:tailEnd type="none" w="med" len="med"/>
+                    </a:lnL>
+                    <a:lnR w="12700" cap="flat" cmpd="sng" algn="ctr">
+                      <a:solidFill>
+                        <a:schemeClr val="tx1"/>
+                      </a:solidFill>
+                      <a:prstDash val="solid"/>
+                      <a:round/>
+                      <a:headEnd type="none" w="med" len="med"/>
+                      <a:tailEnd type="none" w="med" len="med"/>
+                    </a:lnR>
+                    <a:lnT w="12700" cap="flat" cmpd="sng" algn="ctr">
+                      <a:solidFill>
+                        <a:schemeClr val="tx1"/>
+                      </a:solidFill>
+                      <a:prstDash val="solid"/>
+                      <a:round/>
+                      <a:headEnd type="none" w="med" len="med"/>
+                      <a:tailEnd type="none" w="med" len="med"/>
+                    </a:lnT>
+                    <a:lnB w="12700" cap="flat" cmpd="sng" algn="ctr">
+                      <a:solidFill>
+                        <a:schemeClr val="tx1"/>
+                      </a:solidFill>
+                      <a:prstDash val="solid"/>
+                      <a:round/>
+                      <a:headEnd type="none" w="med" len="med"/>
+                      <a:tailEnd type="none" w="med" len="med"/>
+                    </a:lnB>
+                  </a:tcPr>
                 </a:tc>
                 <a:tc>
                   <a:txBody>
                     <a:bodyPr/>
                     <a:lstStyle/>
                     <a:p>
-                      <a:endParaRPr lang="en-US" sz="5400" dirty="0"/>
+                      <a:r>
+                        <a:rPr lang="en-US" sz="4800" dirty="0"/>
+                        <a:t>RMSE = 0.022</a:t>
+                      </a:r>
                     </a:p>
                   </a:txBody>
-                  <a:tcPr/>
+                  <a:tcPr>
+                    <a:lnL w="12700" cap="flat" cmpd="sng" algn="ctr">
+                      <a:solidFill>
+                        <a:schemeClr val="tx1"/>
+                      </a:solidFill>
+                      <a:prstDash val="solid"/>
+                      <a:round/>
+                      <a:headEnd type="none" w="med" len="med"/>
+                      <a:tailEnd type="none" w="med" len="med"/>
+                    </a:lnL>
+                    <a:lnR w="12700" cap="flat" cmpd="sng" algn="ctr">
+                      <a:solidFill>
+                        <a:schemeClr val="tx1"/>
+                      </a:solidFill>
+                      <a:prstDash val="solid"/>
+                      <a:round/>
+                      <a:headEnd type="none" w="med" len="med"/>
+                      <a:tailEnd type="none" w="med" len="med"/>
+                    </a:lnR>
+                    <a:lnT w="12700" cap="flat" cmpd="sng" algn="ctr">
+                      <a:solidFill>
+                        <a:schemeClr val="tx1"/>
+                      </a:solidFill>
+                      <a:prstDash val="solid"/>
+                      <a:round/>
+                      <a:headEnd type="none" w="med" len="med"/>
+                      <a:tailEnd type="none" w="med" len="med"/>
+                    </a:lnT>
+                    <a:lnB w="12700" cap="flat" cmpd="sng" algn="ctr">
+                      <a:solidFill>
+                        <a:schemeClr val="tx1"/>
+                      </a:solidFill>
+                      <a:prstDash val="solid"/>
+                      <a:round/>
+                      <a:headEnd type="none" w="med" len="med"/>
+                      <a:tailEnd type="none" w="med" len="med"/>
+                    </a:lnB>
+                  </a:tcPr>
+                </a:tc>
+                <a:tc>
+                  <a:txBody>
+                    <a:bodyPr/>
+                    <a:lstStyle/>
+                    <a:p>
+                      <a:r>
+                        <a:rPr lang="en-US" sz="4800" dirty="0"/>
+                        <a:t>8 Components</a:t>
+                      </a:r>
+                    </a:p>
+                  </a:txBody>
+                  <a:tcPr>
+                    <a:lnL w="12700" cap="flat" cmpd="sng" algn="ctr">
+                      <a:solidFill>
+                        <a:schemeClr val="tx1"/>
+                      </a:solidFill>
+                      <a:prstDash val="solid"/>
+                      <a:round/>
+                      <a:headEnd type="none" w="med" len="med"/>
+                      <a:tailEnd type="none" w="med" len="med"/>
+                    </a:lnL>
+                    <a:lnR w="12700" cap="flat" cmpd="sng" algn="ctr">
+                      <a:solidFill>
+                        <a:schemeClr val="tx1"/>
+                      </a:solidFill>
+                      <a:prstDash val="solid"/>
+                      <a:round/>
+                      <a:headEnd type="none" w="med" len="med"/>
+                      <a:tailEnd type="none" w="med" len="med"/>
+                    </a:lnR>
+                    <a:lnT w="12700" cap="flat" cmpd="sng" algn="ctr">
+                      <a:solidFill>
+                        <a:schemeClr val="tx1"/>
+                      </a:solidFill>
+                      <a:prstDash val="solid"/>
+                      <a:round/>
+                      <a:headEnd type="none" w="med" len="med"/>
+                      <a:tailEnd type="none" w="med" len="med"/>
+                    </a:lnT>
+                    <a:lnB w="12700" cap="flat" cmpd="sng" algn="ctr">
+                      <a:solidFill>
+                        <a:schemeClr val="tx1"/>
+                      </a:solidFill>
+                      <a:prstDash val="solid"/>
+                      <a:round/>
+                      <a:headEnd type="none" w="med" len="med"/>
+                      <a:tailEnd type="none" w="med" len="med"/>
+                    </a:lnB>
+                  </a:tcPr>
                 </a:tc>
                 <a:extLst>
                   <a:ext uri="{0D108BD9-81ED-4DB2-BD59-A6C34878D82A}">
                     <a16:rowId xmlns:a16="http://schemas.microsoft.com/office/drawing/2014/main" val="793407517"/>
+                  </a:ext>
+                </a:extLst>
+              </a:tr>
+              <a:tr h="1075908">
+                <a:tc>
+                  <a:txBody>
+                    <a:bodyPr/>
+                    <a:lstStyle/>
+                    <a:p>
+                      <a:r>
+                        <a:rPr lang="en-US" sz="4800" dirty="0"/>
+                        <a:t>Principal Component Regression</a:t>
+                      </a:r>
+                    </a:p>
+                  </a:txBody>
+                  <a:tcPr>
+                    <a:lnL w="12700" cap="flat" cmpd="sng" algn="ctr">
+                      <a:solidFill>
+                        <a:schemeClr val="tx1"/>
+                      </a:solidFill>
+                      <a:prstDash val="solid"/>
+                      <a:round/>
+                      <a:headEnd type="none" w="med" len="med"/>
+                      <a:tailEnd type="none" w="med" len="med"/>
+                    </a:lnL>
+                    <a:lnR w="12700" cap="flat" cmpd="sng" algn="ctr">
+                      <a:solidFill>
+                        <a:schemeClr val="tx1"/>
+                      </a:solidFill>
+                      <a:prstDash val="solid"/>
+                      <a:round/>
+                      <a:headEnd type="none" w="med" len="med"/>
+                      <a:tailEnd type="none" w="med" len="med"/>
+                    </a:lnR>
+                    <a:lnT w="12700" cap="flat" cmpd="sng" algn="ctr">
+                      <a:solidFill>
+                        <a:schemeClr val="tx1"/>
+                      </a:solidFill>
+                      <a:prstDash val="solid"/>
+                      <a:round/>
+                      <a:headEnd type="none" w="med" len="med"/>
+                      <a:tailEnd type="none" w="med" len="med"/>
+                    </a:lnT>
+                    <a:lnB w="12700" cap="flat" cmpd="sng" algn="ctr">
+                      <a:solidFill>
+                        <a:schemeClr val="tx1"/>
+                      </a:solidFill>
+                      <a:prstDash val="solid"/>
+                      <a:round/>
+                      <a:headEnd type="none" w="med" len="med"/>
+                      <a:tailEnd type="none" w="med" len="med"/>
+                    </a:lnB>
+                  </a:tcPr>
+                </a:tc>
+                <a:tc>
+                  <a:txBody>
+                    <a:bodyPr/>
+                    <a:lstStyle/>
+                    <a:p>
+                      <a:r>
+                        <a:rPr lang="en-US" sz="4800" dirty="0"/>
+                        <a:t>RMSE = 0.022</a:t>
+                      </a:r>
+                    </a:p>
+                  </a:txBody>
+                  <a:tcPr>
+                    <a:lnL w="12700" cap="flat" cmpd="sng" algn="ctr">
+                      <a:solidFill>
+                        <a:schemeClr val="tx1"/>
+                      </a:solidFill>
+                      <a:prstDash val="solid"/>
+                      <a:round/>
+                      <a:headEnd type="none" w="med" len="med"/>
+                      <a:tailEnd type="none" w="med" len="med"/>
+                    </a:lnL>
+                    <a:lnR w="12700" cap="flat" cmpd="sng" algn="ctr">
+                      <a:solidFill>
+                        <a:schemeClr val="tx1"/>
+                      </a:solidFill>
+                      <a:prstDash val="solid"/>
+                      <a:round/>
+                      <a:headEnd type="none" w="med" len="med"/>
+                      <a:tailEnd type="none" w="med" len="med"/>
+                    </a:lnR>
+                    <a:lnT w="12700" cap="flat" cmpd="sng" algn="ctr">
+                      <a:solidFill>
+                        <a:schemeClr val="tx1"/>
+                      </a:solidFill>
+                      <a:prstDash val="solid"/>
+                      <a:round/>
+                      <a:headEnd type="none" w="med" len="med"/>
+                      <a:tailEnd type="none" w="med" len="med"/>
+                    </a:lnT>
+                    <a:lnB w="12700" cap="flat" cmpd="sng" algn="ctr">
+                      <a:solidFill>
+                        <a:schemeClr val="tx1"/>
+                      </a:solidFill>
+                      <a:prstDash val="solid"/>
+                      <a:round/>
+                      <a:headEnd type="none" w="med" len="med"/>
+                      <a:tailEnd type="none" w="med" len="med"/>
+                    </a:lnB>
+                  </a:tcPr>
+                </a:tc>
+                <a:tc>
+                  <a:txBody>
+                    <a:bodyPr/>
+                    <a:lstStyle/>
+                    <a:p>
+                      <a:r>
+                        <a:rPr lang="en-US" sz="4800" dirty="0"/>
+                        <a:t>24 Components</a:t>
+                      </a:r>
+                    </a:p>
+                  </a:txBody>
+                  <a:tcPr>
+                    <a:lnL w="12700" cap="flat" cmpd="sng" algn="ctr">
+                      <a:solidFill>
+                        <a:schemeClr val="tx1"/>
+                      </a:solidFill>
+                      <a:prstDash val="solid"/>
+                      <a:round/>
+                      <a:headEnd type="none" w="med" len="med"/>
+                      <a:tailEnd type="none" w="med" len="med"/>
+                    </a:lnL>
+                    <a:lnR w="12700" cap="flat" cmpd="sng" algn="ctr">
+                      <a:solidFill>
+                        <a:schemeClr val="tx1"/>
+                      </a:solidFill>
+                      <a:prstDash val="solid"/>
+                      <a:round/>
+                      <a:headEnd type="none" w="med" len="med"/>
+                      <a:tailEnd type="none" w="med" len="med"/>
+                    </a:lnR>
+                    <a:lnT w="12700" cap="flat" cmpd="sng" algn="ctr">
+                      <a:solidFill>
+                        <a:schemeClr val="tx1"/>
+                      </a:solidFill>
+                      <a:prstDash val="solid"/>
+                      <a:round/>
+                      <a:headEnd type="none" w="med" len="med"/>
+                      <a:tailEnd type="none" w="med" len="med"/>
+                    </a:lnT>
+                    <a:lnB w="12700" cap="flat" cmpd="sng" algn="ctr">
+                      <a:solidFill>
+                        <a:schemeClr val="tx1"/>
+                      </a:solidFill>
+                      <a:prstDash val="solid"/>
+                      <a:round/>
+                      <a:headEnd type="none" w="med" len="med"/>
+                      <a:tailEnd type="none" w="med" len="med"/>
+                    </a:lnB>
+                  </a:tcPr>
+                </a:tc>
+                <a:extLst>
+                  <a:ext uri="{0D108BD9-81ED-4DB2-BD59-A6C34878D82A}">
+                    <a16:rowId xmlns:a16="http://schemas.microsoft.com/office/drawing/2014/main" val="2419430426"/>
                   </a:ext>
                 </a:extLst>
               </a:tr>
@@ -8490,14 +9454,14 @@
           </a:ln>
           <a:extLst>
             <a:ext uri="{909E8E84-426E-40dd-AFC4-6F175D3DCCD1}">
-              <a14:hiddenFill xmlns:a14="http://schemas.microsoft.com/office/drawing/2010/main" xmlns="">
+              <a14:hiddenFill xmlns="" xmlns:a14="http://schemas.microsoft.com/office/drawing/2010/main">
                 <a:solidFill>
                   <a:srgbClr val="FFFFFF"/>
                 </a:solidFill>
               </a14:hiddenFill>
             </a:ext>
             <a:ext uri="{91240B29-F687-4f45-9708-019B960494DF}">
-              <a14:hiddenLine xmlns:a14="http://schemas.microsoft.com/office/drawing/2010/main" xmlns="" w="9525">
+              <a14:hiddenLine xmlns="" xmlns:a14="http://schemas.microsoft.com/office/drawing/2010/main" w="9525">
                 <a:solidFill>
                   <a:srgbClr val="000000"/>
                 </a:solidFill>

--- a/poster/H1B_Poster.pptx
+++ b/poster/H1B_Poster.pptx
@@ -5911,14 +5911,14 @@
           </a:ln>
           <a:extLst>
             <a:ext uri="{909E8E84-426E-40dd-AFC4-6F175D3DCCD1}">
-              <a14:hiddenFill xmlns:a14="http://schemas.microsoft.com/office/drawing/2010/main" xmlns="">
+              <a14:hiddenFill xmlns="" xmlns:a14="http://schemas.microsoft.com/office/drawing/2010/main">
                 <a:solidFill>
                   <a:srgbClr val="FFFFFF"/>
                 </a:solidFill>
               </a14:hiddenFill>
             </a:ext>
             <a:ext uri="{91240B29-F687-4f45-9708-019B960494DF}">
-              <a14:hiddenLine xmlns:a14="http://schemas.microsoft.com/office/drawing/2010/main" xmlns="" w="9525">
+              <a14:hiddenLine xmlns="" xmlns:a14="http://schemas.microsoft.com/office/drawing/2010/main" w="9525">
                 <a:solidFill>
                   <a:srgbClr val="000000"/>
                 </a:solidFill>
@@ -6930,7 +6930,7 @@
           <p:nvPr>
             <p:extLst>
               <p:ext uri="{D42A27DB-BD31-4B8C-83A1-F6EECF244321}">
-                <p14:modId xmlns:p14="http://schemas.microsoft.com/office/powerpoint/2010/main" val="1068699678"/>
+                <p14:modId xmlns:p14="http://schemas.microsoft.com/office/powerpoint/2010/main" val="3245728112"/>
               </p:ext>
             </p:extLst>
           </p:nvPr>
@@ -6953,14 +6953,14 @@
                     </a:ext>
                   </a:extLst>
                 </a:gridCol>
-                <a:gridCol w="4739149">
+                <a:gridCol w="5406688">
                   <a:extLst>
                     <a:ext uri="{9D8B030D-6E8A-4147-A177-3AD203B41FA5}">
                       <a16:colId xmlns:a16="http://schemas.microsoft.com/office/drawing/2014/main" val="328836238"/>
                     </a:ext>
                   </a:extLst>
                 </a:gridCol>
-                <a:gridCol w="4739149">
+                <a:gridCol w="4071610">
                   <a:extLst>
                     <a:ext uri="{9D8B030D-6E8A-4147-A177-3AD203B41FA5}">
                       <a16:colId xmlns:a16="http://schemas.microsoft.com/office/drawing/2014/main" val="2427766494"/>
@@ -7201,8 +7201,13 @@
                     <a:p>
                       <a:r>
                         <a:rPr lang="en-US" sz="4800" dirty="0"/>
-                        <a:t>MCR = 2.1%</a:t>
+                        <a:t>MCR </a:t>
                       </a:r>
+                      <a:r>
+                        <a:rPr lang="en-US" sz="4800"/>
+                        <a:t>= 2.2%</a:t>
+                      </a:r>
+                      <a:endParaRPr lang="en-US" sz="4800" dirty="0"/>
                     </a:p>
                   </a:txBody>
                   <a:tcPr>
@@ -9454,14 +9459,14 @@
           </a:ln>
           <a:extLst>
             <a:ext uri="{909E8E84-426E-40dd-AFC4-6F175D3DCCD1}">
-              <a14:hiddenFill xmlns="" xmlns:a14="http://schemas.microsoft.com/office/drawing/2010/main">
+              <a14:hiddenFill xmlns:a14="http://schemas.microsoft.com/office/drawing/2010/main" xmlns="">
                 <a:solidFill>
                   <a:srgbClr val="FFFFFF"/>
                 </a:solidFill>
               </a14:hiddenFill>
             </a:ext>
             <a:ext uri="{91240B29-F687-4f45-9708-019B960494DF}">
-              <a14:hiddenLine xmlns="" xmlns:a14="http://schemas.microsoft.com/office/drawing/2010/main" w="9525">
+              <a14:hiddenLine xmlns:a14="http://schemas.microsoft.com/office/drawing/2010/main" xmlns="" w="9525">
                 <a:solidFill>
                   <a:srgbClr val="000000"/>
                 </a:solidFill>

--- a/poster/H1B_Poster.pptx
+++ b/poster/H1B_Poster.pptx
@@ -322,7 +322,7 @@
             <a:fld id="{1E44E51C-57D0-6B4C-9C03-A3E12CE0FF75}" type="datetime1">
               <a:rPr lang="en-US" altLang="en-US"/>
               <a:pPr/>
-              <a:t>12/4/2022</a:t>
+              <a:t>12/7/2022</a:t>
             </a:fld>
             <a:endParaRPr lang="en-US" altLang="en-US"/>
           </a:p>
@@ -5243,7 +5243,7 @@
                 <a:latin typeface="Calibri" panose="020F0502020204030204" pitchFamily="34" charset="0"/>
                 <a:cs typeface="Calibri" panose="020F0502020204030204" pitchFamily="34" charset="0"/>
               </a:rPr>
-              <a:t>Raw Data Set had 43 variables, reduced to 27 for final training/testing split</a:t>
+              <a:t>Raw Data Set had 43 variables, reduced to 20 for final training/testing split</a:t>
             </a:r>
           </a:p>
           <a:p>
@@ -5261,6 +5261,33 @@
               </a:rPr>
               <a:t>Used five different methods for classification listed in middle graphic</a:t>
             </a:r>
+          </a:p>
+          <a:p>
+            <a:pPr marL="457200" indent="-457200" eaLnBrk="1" hangingPunct="1">
+              <a:spcBef>
+                <a:spcPct val="10000"/>
+              </a:spcBef>
+              <a:buFont typeface="Arial" panose="020B0604020202020204" pitchFamily="34" charset="0"/>
+              <a:buChar char="•"/>
+            </a:pPr>
+            <a:r>
+              <a:rPr lang="en-US" altLang="en-US" dirty="0">
+                <a:latin typeface="Calibri" panose="020F0502020204030204" pitchFamily="34" charset="0"/>
+                <a:cs typeface="Calibri" panose="020F0502020204030204" pitchFamily="34" charset="0"/>
+              </a:rPr>
+              <a:t>Overwhelming rate of Accepted Visa numbers lead to poor prediction power representation.  Reduced for </a:t>
+            </a:r>
+            <a:r>
+              <a:rPr lang="en-US" altLang="en-US">
+                <a:latin typeface="Calibri" panose="020F0502020204030204" pitchFamily="34" charset="0"/>
+                <a:cs typeface="Calibri" panose="020F0502020204030204" pitchFamily="34" charset="0"/>
+              </a:rPr>
+              <a:t>50/50 split</a:t>
+            </a:r>
+            <a:endParaRPr lang="en-US" altLang="en-US" dirty="0">
+              <a:latin typeface="Calibri" panose="020F0502020204030204" pitchFamily="34" charset="0"/>
+              <a:cs typeface="Calibri" panose="020F0502020204030204" pitchFamily="34" charset="0"/>
+            </a:endParaRPr>
           </a:p>
           <a:p>
             <a:pPr marL="457200" indent="-457200" eaLnBrk="1" hangingPunct="1">
@@ -5911,14 +5938,14 @@
           </a:ln>
           <a:extLst>
             <a:ext uri="{909E8E84-426E-40dd-AFC4-6F175D3DCCD1}">
-              <a14:hiddenFill xmlns="" xmlns:a14="http://schemas.microsoft.com/office/drawing/2010/main">
+              <a14:hiddenFill xmlns:a14="http://schemas.microsoft.com/office/drawing/2010/main" xmlns="">
                 <a:solidFill>
                   <a:srgbClr val="FFFFFF"/>
                 </a:solidFill>
               </a14:hiddenFill>
             </a:ext>
             <a:ext uri="{91240B29-F687-4f45-9708-019B960494DF}">
-              <a14:hiddenLine xmlns="" xmlns:a14="http://schemas.microsoft.com/office/drawing/2010/main" w="9525">
+              <a14:hiddenLine xmlns:a14="http://schemas.microsoft.com/office/drawing/2010/main" xmlns="" w="9525">
                 <a:solidFill>
                   <a:srgbClr val="000000"/>
                 </a:solidFill>
@@ -6930,7 +6957,7 @@
           <p:nvPr>
             <p:extLst>
               <p:ext uri="{D42A27DB-BD31-4B8C-83A1-F6EECF244321}">
-                <p14:modId xmlns:p14="http://schemas.microsoft.com/office/powerpoint/2010/main" val="3245728112"/>
+                <p14:modId xmlns:p14="http://schemas.microsoft.com/office/powerpoint/2010/main" val="272937457"/>
               </p:ext>
             </p:extLst>
           </p:nvPr>
@@ -7195,19 +7222,14 @@
                     <a:p>
                       <a:r>
                         <a:rPr lang="en-US" sz="4800" dirty="0"/>
-                        <a:t>K = 7 , 97.9%</a:t>
+                        <a:t>K = 8 , 85.8%</a:t>
                       </a:r>
                     </a:p>
                     <a:p>
                       <a:r>
                         <a:rPr lang="en-US" sz="4800" dirty="0"/>
-                        <a:t>MCR </a:t>
+                        <a:t>MCR = 14.1%</a:t>
                       </a:r>
-                      <a:r>
-                        <a:rPr lang="en-US" sz="4800"/>
-                        <a:t>= 2.2%</a:t>
-                      </a:r>
-                      <a:endParaRPr lang="en-US" sz="4800" dirty="0"/>
                     </a:p>
                   </a:txBody>
                   <a:tcPr>
@@ -7256,7 +7278,7 @@
                     <a:p>
                       <a:r>
                         <a:rPr lang="en-US" sz="4800" dirty="0"/>
-                        <a:t>25</a:t>
+                        <a:t>20</a:t>
                       </a:r>
                     </a:p>
                   </a:txBody>
@@ -7521,7 +7543,7 @@
                     <a:p>
                       <a:r>
                         <a:rPr lang="en-US" sz="4800" dirty="0"/>
-                        <a:t>RMSE = 4.54</a:t>
+                        <a:t>RMSE = 0.14</a:t>
                       </a:r>
                     </a:p>
                   </a:txBody>
@@ -7571,7 +7593,7 @@
                     <a:p>
                       <a:r>
                         <a:rPr lang="en-US" sz="4800" dirty="0"/>
-                        <a:t>25</a:t>
+                        <a:t>156</a:t>
                       </a:r>
                     </a:p>
                   </a:txBody>
@@ -7695,7 +7717,7 @@
                       </a:pPr>
                       <a:r>
                         <a:rPr lang="en-US" sz="4800" dirty="0"/>
-                        <a:t>RMSE = 4.93</a:t>
+                        <a:t>RMSE = 0.11</a:t>
                       </a:r>
                     </a:p>
                   </a:txBody>
@@ -9459,14 +9481,14 @@
           </a:ln>
           <a:extLst>
             <a:ext uri="{909E8E84-426E-40dd-AFC4-6F175D3DCCD1}">
-              <a14:hiddenFill xmlns:a14="http://schemas.microsoft.com/office/drawing/2010/main" xmlns="">
+              <a14:hiddenFill xmlns="" xmlns:a14="http://schemas.microsoft.com/office/drawing/2010/main">
                 <a:solidFill>
                   <a:srgbClr val="FFFFFF"/>
                 </a:solidFill>
               </a14:hiddenFill>
             </a:ext>
             <a:ext uri="{91240B29-F687-4f45-9708-019B960494DF}">
-              <a14:hiddenLine xmlns:a14="http://schemas.microsoft.com/office/drawing/2010/main" xmlns="" w="9525">
+              <a14:hiddenLine xmlns="" xmlns:a14="http://schemas.microsoft.com/office/drawing/2010/main" w="9525">
                 <a:solidFill>
                   <a:srgbClr val="000000"/>
                 </a:solidFill>

--- a/poster/H1B_Poster.pptx
+++ b/poster/H1B_Poster.pptx
@@ -5,11 +5,10 @@
     <p:sldMasterId id="2147483648" r:id="rId1"/>
   </p:sldMasterIdLst>
   <p:notesMasterIdLst>
-    <p:notesMasterId r:id="rId4"/>
+    <p:notesMasterId r:id="rId3"/>
   </p:notesMasterIdLst>
   <p:sldIdLst>
     <p:sldId id="256" r:id="rId2"/>
-    <p:sldId id="257" r:id="rId3"/>
   </p:sldIdLst>
   <p:sldSz cx="32918400" cy="21945600"/>
   <p:notesSz cx="32918400" cy="51206400"/>
@@ -943,295 +942,6 @@
         </p:txBody>
       </p:sp>
     </p:spTree>
-  </p:cSld>
-  <p:clrMapOvr>
-    <a:masterClrMapping/>
-  </p:clrMapOvr>
-</p:notes>
-</file>
-
-<file path=ppt/notesSlides/notesSlide2.xml><?xml version="1.0" encoding="utf-8"?>
-<p:notes xmlns:a="http://schemas.openxmlformats.org/drawingml/2006/main" xmlns:r="http://schemas.openxmlformats.org/officeDocument/2006/relationships" xmlns:p="http://schemas.openxmlformats.org/presentationml/2006/main">
-  <p:cSld>
-    <p:spTree>
-      <p:nvGrpSpPr>
-        <p:cNvPr id="1" name=""/>
-        <p:cNvGrpSpPr/>
-        <p:nvPr/>
-      </p:nvGrpSpPr>
-      <p:grpSpPr>
-        <a:xfrm>
-          <a:off x="0" y="0"/>
-          <a:ext cx="0" cy="0"/>
-          <a:chOff x="0" y="0"/>
-          <a:chExt cx="0" cy="0"/>
-        </a:xfrm>
-      </p:grpSpPr>
-      <p:sp>
-        <p:nvSpPr>
-          <p:cNvPr id="15361" name="Slide Image Placeholder 1">
-            <a:extLst>
-              <a:ext uri="{FF2B5EF4-FFF2-40B4-BE49-F238E27FC236}">
-                <a16:creationId xmlns:a16="http://schemas.microsoft.com/office/drawing/2014/main" id="{2276B0C5-E122-407D-5090-5D4FC1A43ED2}"/>
-              </a:ext>
-            </a:extLst>
-          </p:cNvPr>
-          <p:cNvSpPr>
-            <a:spLocks noGrp="1" noRot="1" noChangeAspect="1"/>
-          </p:cNvSpPr>
-          <p:nvPr>
-            <p:ph type="sldImg"/>
-          </p:nvPr>
-        </p:nvSpPr>
-        <p:spPr bwMode="auto">
-          <a:xfrm>
-            <a:off x="2057400" y="3840163"/>
-            <a:ext cx="28803600" cy="19202400"/>
-          </a:xfrm>
-          <a:noFill/>
-          <a:ln>
-            <a:solidFill>
-              <a:srgbClr val="000000"/>
-            </a:solidFill>
-            <a:miter lim="800000"/>
-            <a:headEnd/>
-            <a:tailEnd/>
-          </a:ln>
-          <a:extLst>
-            <a:ext uri="{909E8E84-426E-40DD-AFC4-6F175D3DCCD1}">
-              <a14:hiddenFill xmlns:a14="http://schemas.microsoft.com/office/drawing/2010/main">
-                <a:solidFill>
-                  <a:srgbClr val="FFFFFF"/>
-                </a:solidFill>
-              </a14:hiddenFill>
-            </a:ext>
-          </a:extLst>
-        </p:spPr>
-      </p:sp>
-      <p:sp>
-        <p:nvSpPr>
-          <p:cNvPr id="15362" name="Notes Placeholder 2">
-            <a:extLst>
-              <a:ext uri="{FF2B5EF4-FFF2-40B4-BE49-F238E27FC236}">
-                <a16:creationId xmlns:a16="http://schemas.microsoft.com/office/drawing/2014/main" id="{44785E33-31FE-B25F-ECB2-00876BA84CE3}"/>
-              </a:ext>
-            </a:extLst>
-          </p:cNvPr>
-          <p:cNvSpPr>
-            <a:spLocks noGrp="1"/>
-          </p:cNvSpPr>
-          <p:nvPr>
-            <p:ph type="body" idx="1"/>
-          </p:nvPr>
-        </p:nvSpPr>
-        <p:spPr bwMode="auto">
-          <a:noFill/>
-          <a:extLst>
-            <a:ext uri="{909E8E84-426E-40DD-AFC4-6F175D3DCCD1}">
-              <a14:hiddenFill xmlns:a14="http://schemas.microsoft.com/office/drawing/2010/main">
-                <a:solidFill>
-                  <a:srgbClr val="FFFFFF"/>
-                </a:solidFill>
-              </a14:hiddenFill>
-            </a:ext>
-            <a:ext uri="{91240B29-F687-4F45-9708-019B960494DF}">
-              <a14:hiddenLine xmlns:a14="http://schemas.microsoft.com/office/drawing/2010/main" w="9525">
-                <a:solidFill>
-                  <a:srgbClr val="000000"/>
-                </a:solidFill>
-                <a:miter lim="800000"/>
-                <a:headEnd/>
-                <a:tailEnd/>
-              </a14:hiddenLine>
-            </a:ext>
-          </a:extLst>
-        </p:spPr>
-        <p:txBody>
-          <a:bodyPr/>
-          <a:lstStyle/>
-          <a:p>
-            <a:pPr eaLnBrk="1" hangingPunct="1">
-              <a:spcBef>
-                <a:spcPct val="0"/>
-              </a:spcBef>
-            </a:pPr>
-            <a:endParaRPr lang="en-US" altLang="en-US" sz="9600">
-              <a:solidFill>
-                <a:srgbClr val="000000"/>
-              </a:solidFill>
-              <a:ea typeface="ＭＳ Ｐゴシック" panose="020B0600070205080204" pitchFamily="34" charset="-128"/>
-            </a:endParaRPr>
-          </a:p>
-        </p:txBody>
-      </p:sp>
-      <p:sp>
-        <p:nvSpPr>
-          <p:cNvPr id="15363" name="Slide Number Placeholder 3">
-            <a:extLst>
-              <a:ext uri="{FF2B5EF4-FFF2-40B4-BE49-F238E27FC236}">
-                <a16:creationId xmlns:a16="http://schemas.microsoft.com/office/drawing/2014/main" id="{552CEC5E-10BE-D74B-F32E-E02E82E310BC}"/>
-              </a:ext>
-            </a:extLst>
-          </p:cNvPr>
-          <p:cNvSpPr>
-            <a:spLocks noGrp="1"/>
-          </p:cNvSpPr>
-          <p:nvPr>
-            <p:ph type="sldNum" sz="quarter" idx="5"/>
-          </p:nvPr>
-        </p:nvSpPr>
-        <p:spPr bwMode="auto">
-          <a:noFill/>
-          <a:extLst>
-            <a:ext uri="{909E8E84-426E-40DD-AFC4-6F175D3DCCD1}">
-              <a14:hiddenFill xmlns:a14="http://schemas.microsoft.com/office/drawing/2010/main">
-                <a:solidFill>
-                  <a:srgbClr val="FFFFFF"/>
-                </a:solidFill>
-              </a14:hiddenFill>
-            </a:ext>
-            <a:ext uri="{91240B29-F687-4F45-9708-019B960494DF}">
-              <a14:hiddenLine xmlns:a14="http://schemas.microsoft.com/office/drawing/2010/main" w="9525">
-                <a:solidFill>
-                  <a:srgbClr val="000000"/>
-                </a:solidFill>
-                <a:miter lim="800000"/>
-                <a:headEnd/>
-                <a:tailEnd/>
-              </a14:hiddenLine>
-            </a:ext>
-          </a:extLst>
-        </p:spPr>
-        <p:txBody>
-          <a:bodyPr/>
-          <a:lstStyle>
-            <a:lvl1pPr eaLnBrk="0" hangingPunct="0">
-              <a:defRPr sz="3200">
-                <a:solidFill>
-                  <a:schemeClr val="tx1"/>
-                </a:solidFill>
-                <a:latin typeface="Helvetica" pitchFamily="2" charset="0"/>
-                <a:ea typeface="ＭＳ Ｐゴシック" panose="020B0600070205080204" pitchFamily="34" charset="-128"/>
-              </a:defRPr>
-            </a:lvl1pPr>
-            <a:lvl2pPr marL="742950" indent="-285750" eaLnBrk="0" hangingPunct="0">
-              <a:defRPr sz="3200">
-                <a:solidFill>
-                  <a:schemeClr val="tx1"/>
-                </a:solidFill>
-                <a:latin typeface="Helvetica" pitchFamily="2" charset="0"/>
-                <a:ea typeface="ＭＳ Ｐゴシック" panose="020B0600070205080204" pitchFamily="34" charset="-128"/>
-              </a:defRPr>
-            </a:lvl2pPr>
-            <a:lvl3pPr marL="1143000" indent="-228600" eaLnBrk="0" hangingPunct="0">
-              <a:defRPr sz="3200">
-                <a:solidFill>
-                  <a:schemeClr val="tx1"/>
-                </a:solidFill>
-                <a:latin typeface="Helvetica" pitchFamily="2" charset="0"/>
-                <a:ea typeface="ＭＳ Ｐゴシック" panose="020B0600070205080204" pitchFamily="34" charset="-128"/>
-              </a:defRPr>
-            </a:lvl3pPr>
-            <a:lvl4pPr marL="1600200" indent="-228600" eaLnBrk="0" hangingPunct="0">
-              <a:defRPr sz="3200">
-                <a:solidFill>
-                  <a:schemeClr val="tx1"/>
-                </a:solidFill>
-                <a:latin typeface="Helvetica" pitchFamily="2" charset="0"/>
-                <a:ea typeface="ＭＳ Ｐゴシック" panose="020B0600070205080204" pitchFamily="34" charset="-128"/>
-              </a:defRPr>
-            </a:lvl4pPr>
-            <a:lvl5pPr marL="2057400" indent="-228600" eaLnBrk="0" hangingPunct="0">
-              <a:defRPr sz="3200">
-                <a:solidFill>
-                  <a:schemeClr val="tx1"/>
-                </a:solidFill>
-                <a:latin typeface="Helvetica" pitchFamily="2" charset="0"/>
-                <a:ea typeface="ＭＳ Ｐゴシック" panose="020B0600070205080204" pitchFamily="34" charset="-128"/>
-              </a:defRPr>
-            </a:lvl5pPr>
-            <a:lvl6pPr marL="2514600" indent="-228600" eaLnBrk="0" fontAlgn="base" hangingPunct="0">
-              <a:spcBef>
-                <a:spcPct val="0"/>
-              </a:spcBef>
-              <a:spcAft>
-                <a:spcPct val="0"/>
-              </a:spcAft>
-              <a:defRPr sz="3200">
-                <a:solidFill>
-                  <a:schemeClr val="tx1"/>
-                </a:solidFill>
-                <a:latin typeface="Helvetica" pitchFamily="2" charset="0"/>
-                <a:ea typeface="ＭＳ Ｐゴシック" panose="020B0600070205080204" pitchFamily="34" charset="-128"/>
-              </a:defRPr>
-            </a:lvl6pPr>
-            <a:lvl7pPr marL="2971800" indent="-228600" eaLnBrk="0" fontAlgn="base" hangingPunct="0">
-              <a:spcBef>
-                <a:spcPct val="0"/>
-              </a:spcBef>
-              <a:spcAft>
-                <a:spcPct val="0"/>
-              </a:spcAft>
-              <a:defRPr sz="3200">
-                <a:solidFill>
-                  <a:schemeClr val="tx1"/>
-                </a:solidFill>
-                <a:latin typeface="Helvetica" pitchFamily="2" charset="0"/>
-                <a:ea typeface="ＭＳ Ｐゴシック" panose="020B0600070205080204" pitchFamily="34" charset="-128"/>
-              </a:defRPr>
-            </a:lvl7pPr>
-            <a:lvl8pPr marL="3429000" indent="-228600" eaLnBrk="0" fontAlgn="base" hangingPunct="0">
-              <a:spcBef>
-                <a:spcPct val="0"/>
-              </a:spcBef>
-              <a:spcAft>
-                <a:spcPct val="0"/>
-              </a:spcAft>
-              <a:defRPr sz="3200">
-                <a:solidFill>
-                  <a:schemeClr val="tx1"/>
-                </a:solidFill>
-                <a:latin typeface="Helvetica" pitchFamily="2" charset="0"/>
-                <a:ea typeface="ＭＳ Ｐゴシック" panose="020B0600070205080204" pitchFamily="34" charset="-128"/>
-              </a:defRPr>
-            </a:lvl8pPr>
-            <a:lvl9pPr marL="3886200" indent="-228600" eaLnBrk="0" fontAlgn="base" hangingPunct="0">
-              <a:spcBef>
-                <a:spcPct val="0"/>
-              </a:spcBef>
-              <a:spcAft>
-                <a:spcPct val="0"/>
-              </a:spcAft>
-              <a:defRPr sz="3200">
-                <a:solidFill>
-                  <a:schemeClr val="tx1"/>
-                </a:solidFill>
-                <a:latin typeface="Helvetica" pitchFamily="2" charset="0"/>
-                <a:ea typeface="ＭＳ Ｐゴシック" panose="020B0600070205080204" pitchFamily="34" charset="-128"/>
-              </a:defRPr>
-            </a:lvl9pPr>
-          </a:lstStyle>
-          <a:p>
-            <a:pPr eaLnBrk="1" hangingPunct="1"/>
-            <a:fld id="{7A8A6230-83C6-AC43-B95D-81EF4E8DD8F0}" type="slidenum">
-              <a:rPr lang="en-US" altLang="en-US" sz="1200">
-                <a:latin typeface="Calibri" panose="020F0502020204030204" pitchFamily="34" charset="0"/>
-              </a:rPr>
-              <a:pPr eaLnBrk="1" hangingPunct="1"/>
-              <a:t>2</a:t>
-            </a:fld>
-            <a:endParaRPr lang="en-US" altLang="en-US" sz="1200">
-              <a:latin typeface="Calibri" panose="020F0502020204030204" pitchFamily="34" charset="0"/>
-            </a:endParaRPr>
-          </a:p>
-        </p:txBody>
-      </p:sp>
-    </p:spTree>
-    <p:extLst>
-      <p:ext uri="{BB962C8B-B14F-4D97-AF65-F5344CB8AC3E}">
-        <p14:creationId xmlns:p14="http://schemas.microsoft.com/office/powerpoint/2010/main" val="2529447812"/>
-      </p:ext>
-    </p:extLst>
   </p:cSld>
   <p:clrMapOvr>
     <a:masterClrMapping/>
@@ -5938,14 +5648,14 @@
           </a:ln>
           <a:extLst>
             <a:ext uri="{909E8E84-426E-40dd-AFC4-6F175D3DCCD1}">
-              <a14:hiddenFill xmlns:a14="http://schemas.microsoft.com/office/drawing/2010/main" xmlns="">
+              <a14:hiddenFill xmlns="" xmlns:a14="http://schemas.microsoft.com/office/drawing/2010/main">
                 <a:solidFill>
                   <a:srgbClr val="FFFFFF"/>
                 </a:solidFill>
               </a14:hiddenFill>
             </a:ext>
             <a:ext uri="{91240B29-F687-4f45-9708-019B960494DF}">
-              <a14:hiddenLine xmlns:a14="http://schemas.microsoft.com/office/drawing/2010/main" xmlns="" w="9525">
+              <a14:hiddenLine xmlns="" xmlns:a14="http://schemas.microsoft.com/office/drawing/2010/main" w="9525">
                 <a:solidFill>
                   <a:srgbClr val="000000"/>
                 </a:solidFill>
@@ -6387,22 +6097,19 @@
                   <a:latin typeface="Calibri" panose="020F0502020204030204" pitchFamily="34" charset="0"/>
                   <a:cs typeface="Calibri" panose="020F0502020204030204" pitchFamily="34" charset="0"/>
                 </a:rPr>
-                <a:t>Author, J. 2012. Article title. </a:t>
+                <a:t>US Department of Labor</a:t>
               </a:r>
-              <a:r>
-                <a:rPr lang="en-US" altLang="en-US" sz="2400" i="1" dirty="0">
-                  <a:latin typeface="Calibri" panose="020F0502020204030204" pitchFamily="34" charset="0"/>
-                  <a:cs typeface="Calibri" panose="020F0502020204030204" pitchFamily="34" charset="0"/>
-                </a:rPr>
-                <a:t>Journal of Something</a:t>
-              </a:r>
-              <a:r>
-                <a:rPr lang="en-US" altLang="en-US" sz="2400" dirty="0">
-                  <a:latin typeface="Calibri" panose="020F0502020204030204" pitchFamily="34" charset="0"/>
-                  <a:cs typeface="Calibri" panose="020F0502020204030204" pitchFamily="34" charset="0"/>
-                </a:rPr>
-                <a:t> 1:1-2.</a:t>
-              </a:r>
+            </a:p>
+            <a:p>
+              <a:pPr eaLnBrk="1" hangingPunct="1">
+                <a:spcBef>
+                  <a:spcPts val="771"/>
+                </a:spcBef>
+              </a:pPr>
+              <a:endParaRPr lang="en-US" altLang="en-US" sz="2400" dirty="0">
+                <a:latin typeface="Calibri" panose="020F0502020204030204" pitchFamily="34" charset="0"/>
+                <a:cs typeface="Calibri" panose="020F0502020204030204" pitchFamily="34" charset="0"/>
+              </a:endParaRPr>
             </a:p>
             <a:p>
               <a:pPr eaLnBrk="1" hangingPunct="1"/>
@@ -6957,7 +6664,7 @@
           <p:nvPr>
             <p:extLst>
               <p:ext uri="{D42A27DB-BD31-4B8C-83A1-F6EECF244321}">
-                <p14:modId xmlns:p14="http://schemas.microsoft.com/office/powerpoint/2010/main" val="272937457"/>
+                <p14:modId xmlns:p14="http://schemas.microsoft.com/office/powerpoint/2010/main" val="2739245028"/>
               </p:ext>
             </p:extLst>
           </p:nvPr>
@@ -7277,9 +6984,10 @@
                     <a:lstStyle/>
                     <a:p>
                       <a:r>
-                        <a:rPr lang="en-US" sz="4800" dirty="0"/>
-                        <a:t>20</a:t>
+                        <a:rPr lang="en-US" sz="4800"/>
+                        <a:t>18</a:t>
                       </a:r>
+                      <a:endParaRPr lang="en-US" sz="4800" dirty="0"/>
                     </a:p>
                   </a:txBody>
                   <a:tcPr>
@@ -7767,7 +7475,7 @@
                     <a:p>
                       <a:r>
                         <a:rPr lang="en-US" sz="4800" dirty="0"/>
-                        <a:t>18</a:t>
+                        <a:t>34</a:t>
                       </a:r>
                     </a:p>
                   </a:txBody>
@@ -7874,7 +7582,7 @@
                     <a:p>
                       <a:r>
                         <a:rPr lang="en-US" sz="4800" dirty="0"/>
-                        <a:t>RMSE = 0.022</a:t>
+                        <a:t>MSE = 0.153</a:t>
                       </a:r>
                     </a:p>
                   </a:txBody>
@@ -7924,7 +7632,7 @@
                     <a:p>
                       <a:r>
                         <a:rPr lang="en-US" sz="4800" dirty="0"/>
-                        <a:t>8 Components</a:t>
+                        <a:t>11 Components</a:t>
                       </a:r>
                     </a:p>
                   </a:txBody>
@@ -8031,7 +7739,7 @@
                     <a:p>
                       <a:r>
                         <a:rPr lang="en-US" sz="4800" dirty="0"/>
-                        <a:t>RMSE = 0.022</a:t>
+                        <a:t>MSEP = 0.152</a:t>
                       </a:r>
                     </a:p>
                   </a:txBody>
@@ -8081,7 +7789,7 @@
                     <a:p>
                       <a:r>
                         <a:rPr lang="en-US" sz="4800" dirty="0"/>
-                        <a:t>24 Components</a:t>
+                        <a:t>68 Components</a:t>
                       </a:r>
                     </a:p>
                   </a:txBody>
@@ -8135,2318 +7843,6 @@
         </a:graphic>
       </p:graphicFrame>
     </p:spTree>
-  </p:cSld>
-  <p:clrMapOvr>
-    <a:overrideClrMapping bg1="lt1" tx1="dk1" bg2="lt2" tx2="dk2" accent1="accent1" accent2="accent2" accent3="accent3" accent4="accent4" accent5="accent5" accent6="accent6" hlink="hlink" folHlink="folHlink"/>
-  </p:clrMapOvr>
-</p:sld>
-</file>
-
-<file path=ppt/slides/slide2.xml><?xml version="1.0" encoding="utf-8"?>
-<p:sld xmlns:a="http://schemas.openxmlformats.org/drawingml/2006/main" xmlns:r="http://schemas.openxmlformats.org/officeDocument/2006/relationships" xmlns:p="http://schemas.openxmlformats.org/presentationml/2006/main">
-  <p:cSld>
-    <p:bg>
-      <p:bgPr>
-        <a:solidFill>
-          <a:srgbClr val="004FA2">
-            <a:alpha val="4706"/>
-          </a:srgbClr>
-        </a:solidFill>
-        <a:effectLst/>
-      </p:bgPr>
-    </p:bg>
-    <p:spTree>
-      <p:nvGrpSpPr>
-        <p:cNvPr id="1" name=""/>
-        <p:cNvGrpSpPr/>
-        <p:nvPr/>
-      </p:nvGrpSpPr>
-      <p:grpSpPr>
-        <a:xfrm>
-          <a:off x="0" y="0"/>
-          <a:ext cx="0" cy="0"/>
-          <a:chOff x="0" y="0"/>
-          <a:chExt cx="0" cy="0"/>
-        </a:xfrm>
-      </p:grpSpPr>
-      <p:sp>
-        <p:nvSpPr>
-          <p:cNvPr id="14339" name="Text Box 7">
-            <a:extLst>
-              <a:ext uri="{FF2B5EF4-FFF2-40B4-BE49-F238E27FC236}">
-                <a16:creationId xmlns:a16="http://schemas.microsoft.com/office/drawing/2014/main" id="{02FDD79B-94A2-B63D-D186-B26CC1FD6F44}"/>
-              </a:ext>
-            </a:extLst>
-          </p:cNvPr>
-          <p:cNvSpPr txBox="1">
-            <a:spLocks noChangeArrowheads="1"/>
-          </p:cNvSpPr>
-          <p:nvPr/>
-        </p:nvSpPr>
-        <p:spPr bwMode="auto">
-          <a:xfrm>
-            <a:off x="1282814" y="5140438"/>
-            <a:ext cx="6766560" cy="5212080"/>
-          </a:xfrm>
-          <a:prstGeom prst="rect">
-            <a:avLst/>
-          </a:prstGeom>
-          <a:solidFill>
-            <a:schemeClr val="bg1"/>
-          </a:solidFill>
-          <a:ln w="38100">
-            <a:solidFill>
-              <a:srgbClr val="004BA3"/>
-            </a:solidFill>
-            <a:round/>
-            <a:headEnd/>
-            <a:tailEnd/>
-          </a:ln>
-        </p:spPr>
-        <p:txBody>
-          <a:bodyPr lIns="587829" tIns="293914" rIns="587829" bIns="587829"/>
-          <a:lstStyle>
-            <a:lvl1pPr eaLnBrk="0" hangingPunct="0">
-              <a:tabLst>
-                <a:tab pos="500063" algn="l"/>
-              </a:tabLst>
-              <a:defRPr sz="3200">
-                <a:solidFill>
-                  <a:schemeClr val="tx1"/>
-                </a:solidFill>
-                <a:latin typeface="Helvetica" pitchFamily="2" charset="0"/>
-                <a:ea typeface="ＭＳ Ｐゴシック" panose="020B0600070205080204" pitchFamily="34" charset="-128"/>
-              </a:defRPr>
-            </a:lvl1pPr>
-            <a:lvl2pPr marL="742950" indent="-285750" eaLnBrk="0" hangingPunct="0">
-              <a:tabLst>
-                <a:tab pos="500063" algn="l"/>
-              </a:tabLst>
-              <a:defRPr sz="3200">
-                <a:solidFill>
-                  <a:schemeClr val="tx1"/>
-                </a:solidFill>
-                <a:latin typeface="Helvetica" pitchFamily="2" charset="0"/>
-                <a:ea typeface="ＭＳ Ｐゴシック" panose="020B0600070205080204" pitchFamily="34" charset="-128"/>
-              </a:defRPr>
-            </a:lvl2pPr>
-            <a:lvl3pPr marL="1143000" indent="-228600" eaLnBrk="0" hangingPunct="0">
-              <a:tabLst>
-                <a:tab pos="500063" algn="l"/>
-              </a:tabLst>
-              <a:defRPr sz="3200">
-                <a:solidFill>
-                  <a:schemeClr val="tx1"/>
-                </a:solidFill>
-                <a:latin typeface="Helvetica" pitchFamily="2" charset="0"/>
-                <a:ea typeface="ＭＳ Ｐゴシック" panose="020B0600070205080204" pitchFamily="34" charset="-128"/>
-              </a:defRPr>
-            </a:lvl3pPr>
-            <a:lvl4pPr marL="1600200" indent="-228600" eaLnBrk="0" hangingPunct="0">
-              <a:tabLst>
-                <a:tab pos="500063" algn="l"/>
-              </a:tabLst>
-              <a:defRPr sz="3200">
-                <a:solidFill>
-                  <a:schemeClr val="tx1"/>
-                </a:solidFill>
-                <a:latin typeface="Helvetica" pitchFamily="2" charset="0"/>
-                <a:ea typeface="ＭＳ Ｐゴシック" panose="020B0600070205080204" pitchFamily="34" charset="-128"/>
-              </a:defRPr>
-            </a:lvl4pPr>
-            <a:lvl5pPr marL="2057400" indent="-228600" eaLnBrk="0" hangingPunct="0">
-              <a:tabLst>
-                <a:tab pos="500063" algn="l"/>
-              </a:tabLst>
-              <a:defRPr sz="3200">
-                <a:solidFill>
-                  <a:schemeClr val="tx1"/>
-                </a:solidFill>
-                <a:latin typeface="Helvetica" pitchFamily="2" charset="0"/>
-                <a:ea typeface="ＭＳ Ｐゴシック" panose="020B0600070205080204" pitchFamily="34" charset="-128"/>
-              </a:defRPr>
-            </a:lvl5pPr>
-            <a:lvl6pPr marL="2514600" indent="-228600" eaLnBrk="0" fontAlgn="base" hangingPunct="0">
-              <a:spcBef>
-                <a:spcPct val="0"/>
-              </a:spcBef>
-              <a:spcAft>
-                <a:spcPct val="0"/>
-              </a:spcAft>
-              <a:tabLst>
-                <a:tab pos="500063" algn="l"/>
-              </a:tabLst>
-              <a:defRPr sz="3200">
-                <a:solidFill>
-                  <a:schemeClr val="tx1"/>
-                </a:solidFill>
-                <a:latin typeface="Helvetica" pitchFamily="2" charset="0"/>
-                <a:ea typeface="ＭＳ Ｐゴシック" panose="020B0600070205080204" pitchFamily="34" charset="-128"/>
-              </a:defRPr>
-            </a:lvl6pPr>
-            <a:lvl7pPr marL="2971800" indent="-228600" eaLnBrk="0" fontAlgn="base" hangingPunct="0">
-              <a:spcBef>
-                <a:spcPct val="0"/>
-              </a:spcBef>
-              <a:spcAft>
-                <a:spcPct val="0"/>
-              </a:spcAft>
-              <a:tabLst>
-                <a:tab pos="500063" algn="l"/>
-              </a:tabLst>
-              <a:defRPr sz="3200">
-                <a:solidFill>
-                  <a:schemeClr val="tx1"/>
-                </a:solidFill>
-                <a:latin typeface="Helvetica" pitchFamily="2" charset="0"/>
-                <a:ea typeface="ＭＳ Ｐゴシック" panose="020B0600070205080204" pitchFamily="34" charset="-128"/>
-              </a:defRPr>
-            </a:lvl7pPr>
-            <a:lvl8pPr marL="3429000" indent="-228600" eaLnBrk="0" fontAlgn="base" hangingPunct="0">
-              <a:spcBef>
-                <a:spcPct val="0"/>
-              </a:spcBef>
-              <a:spcAft>
-                <a:spcPct val="0"/>
-              </a:spcAft>
-              <a:tabLst>
-                <a:tab pos="500063" algn="l"/>
-              </a:tabLst>
-              <a:defRPr sz="3200">
-                <a:solidFill>
-                  <a:schemeClr val="tx1"/>
-                </a:solidFill>
-                <a:latin typeface="Helvetica" pitchFamily="2" charset="0"/>
-                <a:ea typeface="ＭＳ Ｐゴシック" panose="020B0600070205080204" pitchFamily="34" charset="-128"/>
-              </a:defRPr>
-            </a:lvl8pPr>
-            <a:lvl9pPr marL="3886200" indent="-228600" eaLnBrk="0" fontAlgn="base" hangingPunct="0">
-              <a:spcBef>
-                <a:spcPct val="0"/>
-              </a:spcBef>
-              <a:spcAft>
-                <a:spcPct val="0"/>
-              </a:spcAft>
-              <a:tabLst>
-                <a:tab pos="500063" algn="l"/>
-              </a:tabLst>
-              <a:defRPr sz="3200">
-                <a:solidFill>
-                  <a:schemeClr val="tx1"/>
-                </a:solidFill>
-                <a:latin typeface="Helvetica" pitchFamily="2" charset="0"/>
-                <a:ea typeface="ＭＳ Ｐゴシック" panose="020B0600070205080204" pitchFamily="34" charset="-128"/>
-              </a:defRPr>
-            </a:lvl9pPr>
-          </a:lstStyle>
-          <a:p>
-            <a:pPr algn="just" eaLnBrk="1" hangingPunct="1">
-              <a:spcBef>
-                <a:spcPct val="50000"/>
-              </a:spcBef>
-            </a:pPr>
-            <a:r>
-              <a:rPr lang="en-US" altLang="en-US" b="1" dirty="0">
-                <a:latin typeface="Calibri" panose="020F0502020204030204" pitchFamily="34" charset="0"/>
-                <a:cs typeface="Calibri" panose="020F0502020204030204" pitchFamily="34" charset="0"/>
-              </a:rPr>
-              <a:t>Introduction/Context</a:t>
-            </a:r>
-            <a:endParaRPr lang="en-US" altLang="ja-JP" dirty="0">
-              <a:latin typeface="Calibri" panose="020F0502020204030204" pitchFamily="34" charset="0"/>
-              <a:cs typeface="Calibri" panose="020F0502020204030204" pitchFamily="34" charset="0"/>
-            </a:endParaRPr>
-          </a:p>
-          <a:p>
-            <a:pPr marL="457200" indent="-457200" eaLnBrk="1" hangingPunct="1">
-              <a:spcBef>
-                <a:spcPct val="10000"/>
-              </a:spcBef>
-              <a:buFont typeface="Arial" panose="020B0604020202020204" pitchFamily="34" charset="0"/>
-              <a:buChar char="•"/>
-            </a:pPr>
-            <a:r>
-              <a:rPr lang="en-US" altLang="ja-JP" dirty="0">
-                <a:latin typeface="Calibri" panose="020F0502020204030204" pitchFamily="34" charset="0"/>
-                <a:cs typeface="Calibri" panose="020F0502020204030204" pitchFamily="34" charset="0"/>
-              </a:rPr>
-              <a:t>H1B Visa Applications are processed and awarded on a “random lottery” basis</a:t>
-            </a:r>
-          </a:p>
-          <a:p>
-            <a:pPr marL="457200" indent="-457200" eaLnBrk="1" hangingPunct="1">
-              <a:spcBef>
-                <a:spcPct val="10000"/>
-              </a:spcBef>
-              <a:buFont typeface="Arial" panose="020B0604020202020204" pitchFamily="34" charset="0"/>
-              <a:buChar char="•"/>
-            </a:pPr>
-            <a:r>
-              <a:rPr lang="en-US" altLang="ja-JP" dirty="0">
-                <a:latin typeface="Calibri" panose="020F0502020204030204" pitchFamily="34" charset="0"/>
-                <a:cs typeface="Calibri" panose="020F0502020204030204" pitchFamily="34" charset="0"/>
-              </a:rPr>
-              <a:t>Is the outcome actually random or do some variables predict a higher likelihood of an </a:t>
-            </a:r>
-            <a:r>
-              <a:rPr lang="en-US" altLang="ja-JP">
-                <a:latin typeface="Calibri" panose="020F0502020204030204" pitchFamily="34" charset="0"/>
-                <a:cs typeface="Calibri" panose="020F0502020204030204" pitchFamily="34" charset="0"/>
-              </a:rPr>
-              <a:t>approved application?</a:t>
-            </a:r>
-            <a:endParaRPr lang="en-US" altLang="ja-JP" dirty="0">
-              <a:latin typeface="Calibri" panose="020F0502020204030204" pitchFamily="34" charset="0"/>
-              <a:cs typeface="Calibri" panose="020F0502020204030204" pitchFamily="34" charset="0"/>
-            </a:endParaRPr>
-          </a:p>
-          <a:p>
-            <a:pPr eaLnBrk="1" hangingPunct="1">
-              <a:spcBef>
-                <a:spcPct val="10000"/>
-              </a:spcBef>
-            </a:pPr>
-            <a:r>
-              <a:rPr lang="en-US" altLang="ja-JP" dirty="0">
-                <a:latin typeface="Calibri" panose="020F0502020204030204" pitchFamily="34" charset="0"/>
-                <a:cs typeface="Calibri" panose="020F0502020204030204" pitchFamily="34" charset="0"/>
-              </a:rPr>
-              <a:t> </a:t>
-            </a:r>
-            <a:endParaRPr lang="en-US" altLang="en-US" dirty="0">
-              <a:latin typeface="Calibri" panose="020F0502020204030204" pitchFamily="34" charset="0"/>
-              <a:cs typeface="Calibri" panose="020F0502020204030204" pitchFamily="34" charset="0"/>
-            </a:endParaRPr>
-          </a:p>
-        </p:txBody>
-      </p:sp>
-      <p:sp>
-        <p:nvSpPr>
-          <p:cNvPr id="14340" name="Text Box 11">
-            <a:extLst>
-              <a:ext uri="{FF2B5EF4-FFF2-40B4-BE49-F238E27FC236}">
-                <a16:creationId xmlns:a16="http://schemas.microsoft.com/office/drawing/2014/main" id="{FCE9199F-B05F-45C0-323F-3C715DAADE76}"/>
-              </a:ext>
-            </a:extLst>
-          </p:cNvPr>
-          <p:cNvSpPr txBox="1">
-            <a:spLocks noChangeArrowheads="1"/>
-          </p:cNvSpPr>
-          <p:nvPr/>
-        </p:nvSpPr>
-        <p:spPr bwMode="auto">
-          <a:xfrm>
-            <a:off x="1369900" y="10892516"/>
-            <a:ext cx="6766560" cy="6858000"/>
-          </a:xfrm>
-          <a:prstGeom prst="rect">
-            <a:avLst/>
-          </a:prstGeom>
-          <a:solidFill>
-            <a:schemeClr val="bg1"/>
-          </a:solidFill>
-          <a:ln w="38100">
-            <a:solidFill>
-              <a:srgbClr val="004FA2"/>
-            </a:solidFill>
-            <a:round/>
-            <a:headEnd/>
-            <a:tailEnd/>
-          </a:ln>
-        </p:spPr>
-        <p:txBody>
-          <a:bodyPr lIns="587829" tIns="293914" rIns="587829" bIns="587829"/>
-          <a:lstStyle>
-            <a:lvl1pPr eaLnBrk="0" hangingPunct="0">
-              <a:tabLst>
-                <a:tab pos="508000" algn="l"/>
-              </a:tabLst>
-              <a:defRPr sz="3200">
-                <a:solidFill>
-                  <a:schemeClr val="tx1"/>
-                </a:solidFill>
-                <a:latin typeface="Helvetica" pitchFamily="2" charset="0"/>
-                <a:ea typeface="ＭＳ Ｐゴシック" panose="020B0600070205080204" pitchFamily="34" charset="-128"/>
-              </a:defRPr>
-            </a:lvl1pPr>
-            <a:lvl2pPr marL="742950" indent="-285750" eaLnBrk="0" hangingPunct="0">
-              <a:tabLst>
-                <a:tab pos="508000" algn="l"/>
-              </a:tabLst>
-              <a:defRPr sz="3200">
-                <a:solidFill>
-                  <a:schemeClr val="tx1"/>
-                </a:solidFill>
-                <a:latin typeface="Helvetica" pitchFamily="2" charset="0"/>
-                <a:ea typeface="ＭＳ Ｐゴシック" panose="020B0600070205080204" pitchFamily="34" charset="-128"/>
-              </a:defRPr>
-            </a:lvl2pPr>
-            <a:lvl3pPr marL="1143000" indent="-228600" eaLnBrk="0" hangingPunct="0">
-              <a:tabLst>
-                <a:tab pos="508000" algn="l"/>
-              </a:tabLst>
-              <a:defRPr sz="3200">
-                <a:solidFill>
-                  <a:schemeClr val="tx1"/>
-                </a:solidFill>
-                <a:latin typeface="Helvetica" pitchFamily="2" charset="0"/>
-                <a:ea typeface="ＭＳ Ｐゴシック" panose="020B0600070205080204" pitchFamily="34" charset="-128"/>
-              </a:defRPr>
-            </a:lvl3pPr>
-            <a:lvl4pPr marL="1600200" indent="-228600" eaLnBrk="0" hangingPunct="0">
-              <a:tabLst>
-                <a:tab pos="508000" algn="l"/>
-              </a:tabLst>
-              <a:defRPr sz="3200">
-                <a:solidFill>
-                  <a:schemeClr val="tx1"/>
-                </a:solidFill>
-                <a:latin typeface="Helvetica" pitchFamily="2" charset="0"/>
-                <a:ea typeface="ＭＳ Ｐゴシック" panose="020B0600070205080204" pitchFamily="34" charset="-128"/>
-              </a:defRPr>
-            </a:lvl4pPr>
-            <a:lvl5pPr marL="2057400" indent="-228600" eaLnBrk="0" hangingPunct="0">
-              <a:tabLst>
-                <a:tab pos="508000" algn="l"/>
-              </a:tabLst>
-              <a:defRPr sz="3200">
-                <a:solidFill>
-                  <a:schemeClr val="tx1"/>
-                </a:solidFill>
-                <a:latin typeface="Helvetica" pitchFamily="2" charset="0"/>
-                <a:ea typeface="ＭＳ Ｐゴシック" panose="020B0600070205080204" pitchFamily="34" charset="-128"/>
-              </a:defRPr>
-            </a:lvl5pPr>
-            <a:lvl6pPr marL="2514600" indent="-228600" eaLnBrk="0" fontAlgn="base" hangingPunct="0">
-              <a:spcBef>
-                <a:spcPct val="0"/>
-              </a:spcBef>
-              <a:spcAft>
-                <a:spcPct val="0"/>
-              </a:spcAft>
-              <a:tabLst>
-                <a:tab pos="508000" algn="l"/>
-              </a:tabLst>
-              <a:defRPr sz="3200">
-                <a:solidFill>
-                  <a:schemeClr val="tx1"/>
-                </a:solidFill>
-                <a:latin typeface="Helvetica" pitchFamily="2" charset="0"/>
-                <a:ea typeface="ＭＳ Ｐゴシック" panose="020B0600070205080204" pitchFamily="34" charset="-128"/>
-              </a:defRPr>
-            </a:lvl6pPr>
-            <a:lvl7pPr marL="2971800" indent="-228600" eaLnBrk="0" fontAlgn="base" hangingPunct="0">
-              <a:spcBef>
-                <a:spcPct val="0"/>
-              </a:spcBef>
-              <a:spcAft>
-                <a:spcPct val="0"/>
-              </a:spcAft>
-              <a:tabLst>
-                <a:tab pos="508000" algn="l"/>
-              </a:tabLst>
-              <a:defRPr sz="3200">
-                <a:solidFill>
-                  <a:schemeClr val="tx1"/>
-                </a:solidFill>
-                <a:latin typeface="Helvetica" pitchFamily="2" charset="0"/>
-                <a:ea typeface="ＭＳ Ｐゴシック" panose="020B0600070205080204" pitchFamily="34" charset="-128"/>
-              </a:defRPr>
-            </a:lvl7pPr>
-            <a:lvl8pPr marL="3429000" indent="-228600" eaLnBrk="0" fontAlgn="base" hangingPunct="0">
-              <a:spcBef>
-                <a:spcPct val="0"/>
-              </a:spcBef>
-              <a:spcAft>
-                <a:spcPct val="0"/>
-              </a:spcAft>
-              <a:tabLst>
-                <a:tab pos="508000" algn="l"/>
-              </a:tabLst>
-              <a:defRPr sz="3200">
-                <a:solidFill>
-                  <a:schemeClr val="tx1"/>
-                </a:solidFill>
-                <a:latin typeface="Helvetica" pitchFamily="2" charset="0"/>
-                <a:ea typeface="ＭＳ Ｐゴシック" panose="020B0600070205080204" pitchFamily="34" charset="-128"/>
-              </a:defRPr>
-            </a:lvl8pPr>
-            <a:lvl9pPr marL="3886200" indent="-228600" eaLnBrk="0" fontAlgn="base" hangingPunct="0">
-              <a:spcBef>
-                <a:spcPct val="0"/>
-              </a:spcBef>
-              <a:spcAft>
-                <a:spcPct val="0"/>
-              </a:spcAft>
-              <a:tabLst>
-                <a:tab pos="508000" algn="l"/>
-              </a:tabLst>
-              <a:defRPr sz="3200">
-                <a:solidFill>
-                  <a:schemeClr val="tx1"/>
-                </a:solidFill>
-                <a:latin typeface="Helvetica" pitchFamily="2" charset="0"/>
-                <a:ea typeface="ＭＳ Ｐゴシック" panose="020B0600070205080204" pitchFamily="34" charset="-128"/>
-              </a:defRPr>
-            </a:lvl9pPr>
-          </a:lstStyle>
-          <a:p>
-            <a:pPr algn="just" eaLnBrk="1" hangingPunct="1">
-              <a:spcBef>
-                <a:spcPct val="50000"/>
-              </a:spcBef>
-            </a:pPr>
-            <a:r>
-              <a:rPr lang="en-US" altLang="en-US" b="1" dirty="0">
-                <a:solidFill>
-                  <a:srgbClr val="000000"/>
-                </a:solidFill>
-                <a:latin typeface="Calibri" panose="020F0502020204030204" pitchFamily="34" charset="0"/>
-                <a:cs typeface="Calibri" panose="020F0502020204030204" pitchFamily="34" charset="0"/>
-              </a:rPr>
-              <a:t>Approach</a:t>
-            </a:r>
-            <a:r>
-              <a:rPr lang="en-US" altLang="en-US" dirty="0">
-                <a:solidFill>
-                  <a:srgbClr val="FF8000"/>
-                </a:solidFill>
-                <a:latin typeface="Calibri" panose="020F0502020204030204" pitchFamily="34" charset="0"/>
-                <a:cs typeface="Calibri" panose="020F0502020204030204" pitchFamily="34" charset="0"/>
-              </a:rPr>
-              <a:t>	</a:t>
-            </a:r>
-            <a:endParaRPr lang="en-US" altLang="en-US" dirty="0">
-              <a:latin typeface="Calibri" panose="020F0502020204030204" pitchFamily="34" charset="0"/>
-              <a:cs typeface="Calibri" panose="020F0502020204030204" pitchFamily="34" charset="0"/>
-            </a:endParaRPr>
-          </a:p>
-          <a:p>
-            <a:pPr marL="457200" indent="-457200" eaLnBrk="1" hangingPunct="1">
-              <a:spcBef>
-                <a:spcPct val="10000"/>
-              </a:spcBef>
-              <a:buFont typeface="Arial" panose="020B0604020202020204" pitchFamily="34" charset="0"/>
-              <a:buChar char="•"/>
-            </a:pPr>
-            <a:r>
-              <a:rPr lang="en-US" altLang="en-US" dirty="0">
-                <a:latin typeface="Calibri" panose="020F0502020204030204" pitchFamily="34" charset="0"/>
-                <a:cs typeface="Calibri" panose="020F0502020204030204" pitchFamily="34" charset="0"/>
-              </a:rPr>
-              <a:t>Three bullets max. </a:t>
-            </a:r>
-          </a:p>
-          <a:p>
-            <a:pPr marL="457200" indent="-457200" eaLnBrk="1" hangingPunct="1">
-              <a:spcBef>
-                <a:spcPct val="10000"/>
-              </a:spcBef>
-              <a:buFont typeface="Arial" panose="020B0604020202020204" pitchFamily="34" charset="0"/>
-              <a:buChar char="•"/>
-            </a:pPr>
-            <a:endParaRPr lang="en-US" altLang="en-US" dirty="0">
-              <a:latin typeface="Calibri" panose="020F0502020204030204" pitchFamily="34" charset="0"/>
-              <a:cs typeface="Calibri" panose="020F0502020204030204" pitchFamily="34" charset="0"/>
-            </a:endParaRPr>
-          </a:p>
-          <a:p>
-            <a:pPr marL="457200" indent="-457200" eaLnBrk="1" hangingPunct="1">
-              <a:spcBef>
-                <a:spcPct val="10000"/>
-              </a:spcBef>
-              <a:buFont typeface="Arial" panose="020B0604020202020204" pitchFamily="34" charset="0"/>
-              <a:buChar char="•"/>
-            </a:pPr>
-            <a:r>
-              <a:rPr lang="en-US" altLang="en-US" dirty="0">
-                <a:latin typeface="Calibri" panose="020F0502020204030204" pitchFamily="34" charset="0"/>
-                <a:cs typeface="Calibri" panose="020F0502020204030204" pitchFamily="34" charset="0"/>
-              </a:rPr>
-              <a:t>If viewer truly wants to know gruesome details, they’ll ask or email you</a:t>
-            </a:r>
-            <a:endParaRPr lang="en-US" altLang="en-US" sz="3086" dirty="0">
-              <a:latin typeface="Calibri" panose="020F0502020204030204" pitchFamily="34" charset="0"/>
-              <a:cs typeface="Calibri" panose="020F0502020204030204" pitchFamily="34" charset="0"/>
-            </a:endParaRPr>
-          </a:p>
-        </p:txBody>
-      </p:sp>
-      <p:sp>
-        <p:nvSpPr>
-          <p:cNvPr id="14341" name="Text Box 12">
-            <a:extLst>
-              <a:ext uri="{FF2B5EF4-FFF2-40B4-BE49-F238E27FC236}">
-                <a16:creationId xmlns:a16="http://schemas.microsoft.com/office/drawing/2014/main" id="{0189F9A8-B16B-A1B4-E526-53A3D4C500BD}"/>
-              </a:ext>
-            </a:extLst>
-          </p:cNvPr>
-          <p:cNvSpPr txBox="1">
-            <a:spLocks noChangeArrowheads="1"/>
-          </p:cNvSpPr>
-          <p:nvPr/>
-        </p:nvSpPr>
-        <p:spPr bwMode="auto">
-          <a:xfrm>
-            <a:off x="8885805" y="5127172"/>
-            <a:ext cx="15009018" cy="12633623"/>
-          </a:xfrm>
-          <a:prstGeom prst="rect">
-            <a:avLst/>
-          </a:prstGeom>
-          <a:solidFill>
-            <a:schemeClr val="bg1"/>
-          </a:solidFill>
-          <a:ln w="38100">
-            <a:solidFill>
-              <a:srgbClr val="004FA2"/>
-            </a:solidFill>
-            <a:round/>
-            <a:headEnd/>
-            <a:tailEnd/>
-          </a:ln>
-        </p:spPr>
-        <p:txBody>
-          <a:bodyPr lIns="587829" tIns="293914" rIns="587829" bIns="587829" anchor="ctr" anchorCtr="0"/>
-          <a:lstStyle>
-            <a:lvl1pPr eaLnBrk="0" hangingPunct="0">
-              <a:tabLst>
-                <a:tab pos="500063" algn="l"/>
-              </a:tabLst>
-              <a:defRPr sz="3200">
-                <a:solidFill>
-                  <a:schemeClr val="tx1"/>
-                </a:solidFill>
-                <a:latin typeface="Helvetica" pitchFamily="2" charset="0"/>
-                <a:ea typeface="ＭＳ Ｐゴシック" panose="020B0600070205080204" pitchFamily="34" charset="-128"/>
-              </a:defRPr>
-            </a:lvl1pPr>
-            <a:lvl2pPr marL="742950" indent="-285750" eaLnBrk="0" hangingPunct="0">
-              <a:tabLst>
-                <a:tab pos="500063" algn="l"/>
-              </a:tabLst>
-              <a:defRPr sz="3200">
-                <a:solidFill>
-                  <a:schemeClr val="tx1"/>
-                </a:solidFill>
-                <a:latin typeface="Helvetica" pitchFamily="2" charset="0"/>
-                <a:ea typeface="ＭＳ Ｐゴシック" panose="020B0600070205080204" pitchFamily="34" charset="-128"/>
-              </a:defRPr>
-            </a:lvl2pPr>
-            <a:lvl3pPr marL="1143000" indent="-228600" eaLnBrk="0" hangingPunct="0">
-              <a:tabLst>
-                <a:tab pos="500063" algn="l"/>
-              </a:tabLst>
-              <a:defRPr sz="3200">
-                <a:solidFill>
-                  <a:schemeClr val="tx1"/>
-                </a:solidFill>
-                <a:latin typeface="Helvetica" pitchFamily="2" charset="0"/>
-                <a:ea typeface="ＭＳ Ｐゴシック" panose="020B0600070205080204" pitchFamily="34" charset="-128"/>
-              </a:defRPr>
-            </a:lvl3pPr>
-            <a:lvl4pPr marL="1600200" indent="-228600" eaLnBrk="0" hangingPunct="0">
-              <a:tabLst>
-                <a:tab pos="500063" algn="l"/>
-              </a:tabLst>
-              <a:defRPr sz="3200">
-                <a:solidFill>
-                  <a:schemeClr val="tx1"/>
-                </a:solidFill>
-                <a:latin typeface="Helvetica" pitchFamily="2" charset="0"/>
-                <a:ea typeface="ＭＳ Ｐゴシック" panose="020B0600070205080204" pitchFamily="34" charset="-128"/>
-              </a:defRPr>
-            </a:lvl4pPr>
-            <a:lvl5pPr marL="2057400" indent="-228600" eaLnBrk="0" hangingPunct="0">
-              <a:tabLst>
-                <a:tab pos="500063" algn="l"/>
-              </a:tabLst>
-              <a:defRPr sz="3200">
-                <a:solidFill>
-                  <a:schemeClr val="tx1"/>
-                </a:solidFill>
-                <a:latin typeface="Helvetica" pitchFamily="2" charset="0"/>
-                <a:ea typeface="ＭＳ Ｐゴシック" panose="020B0600070205080204" pitchFamily="34" charset="-128"/>
-              </a:defRPr>
-            </a:lvl5pPr>
-            <a:lvl6pPr marL="2514600" indent="-228600" eaLnBrk="0" fontAlgn="base" hangingPunct="0">
-              <a:spcBef>
-                <a:spcPct val="0"/>
-              </a:spcBef>
-              <a:spcAft>
-                <a:spcPct val="0"/>
-              </a:spcAft>
-              <a:tabLst>
-                <a:tab pos="500063" algn="l"/>
-              </a:tabLst>
-              <a:defRPr sz="3200">
-                <a:solidFill>
-                  <a:schemeClr val="tx1"/>
-                </a:solidFill>
-                <a:latin typeface="Helvetica" pitchFamily="2" charset="0"/>
-                <a:ea typeface="ＭＳ Ｐゴシック" panose="020B0600070205080204" pitchFamily="34" charset="-128"/>
-              </a:defRPr>
-            </a:lvl6pPr>
-            <a:lvl7pPr marL="2971800" indent="-228600" eaLnBrk="0" fontAlgn="base" hangingPunct="0">
-              <a:spcBef>
-                <a:spcPct val="0"/>
-              </a:spcBef>
-              <a:spcAft>
-                <a:spcPct val="0"/>
-              </a:spcAft>
-              <a:tabLst>
-                <a:tab pos="500063" algn="l"/>
-              </a:tabLst>
-              <a:defRPr sz="3200">
-                <a:solidFill>
-                  <a:schemeClr val="tx1"/>
-                </a:solidFill>
-                <a:latin typeface="Helvetica" pitchFamily="2" charset="0"/>
-                <a:ea typeface="ＭＳ Ｐゴシック" panose="020B0600070205080204" pitchFamily="34" charset="-128"/>
-              </a:defRPr>
-            </a:lvl7pPr>
-            <a:lvl8pPr marL="3429000" indent="-228600" eaLnBrk="0" fontAlgn="base" hangingPunct="0">
-              <a:spcBef>
-                <a:spcPct val="0"/>
-              </a:spcBef>
-              <a:spcAft>
-                <a:spcPct val="0"/>
-              </a:spcAft>
-              <a:tabLst>
-                <a:tab pos="500063" algn="l"/>
-              </a:tabLst>
-              <a:defRPr sz="3200">
-                <a:solidFill>
-                  <a:schemeClr val="tx1"/>
-                </a:solidFill>
-                <a:latin typeface="Helvetica" pitchFamily="2" charset="0"/>
-                <a:ea typeface="ＭＳ Ｐゴシック" panose="020B0600070205080204" pitchFamily="34" charset="-128"/>
-              </a:defRPr>
-            </a:lvl8pPr>
-            <a:lvl9pPr marL="3886200" indent="-228600" eaLnBrk="0" fontAlgn="base" hangingPunct="0">
-              <a:spcBef>
-                <a:spcPct val="0"/>
-              </a:spcBef>
-              <a:spcAft>
-                <a:spcPct val="0"/>
-              </a:spcAft>
-              <a:tabLst>
-                <a:tab pos="500063" algn="l"/>
-              </a:tabLst>
-              <a:defRPr sz="3200">
-                <a:solidFill>
-                  <a:schemeClr val="tx1"/>
-                </a:solidFill>
-                <a:latin typeface="Helvetica" pitchFamily="2" charset="0"/>
-                <a:ea typeface="ＭＳ Ｐゴシック" panose="020B0600070205080204" pitchFamily="34" charset="-128"/>
-              </a:defRPr>
-            </a:lvl9pPr>
-          </a:lstStyle>
-          <a:p>
-            <a:pPr algn="ctr" eaLnBrk="1" hangingPunct="1">
-              <a:spcBef>
-                <a:spcPts val="321"/>
-              </a:spcBef>
-            </a:pPr>
-            <a:r>
-              <a:rPr lang="en-US" altLang="ja-JP" sz="8000" b="1" dirty="0">
-                <a:latin typeface="Calibri" panose="020F0502020204030204" pitchFamily="34" charset="0"/>
-                <a:cs typeface="Calibri" panose="020F0502020204030204" pitchFamily="34" charset="0"/>
-              </a:rPr>
-              <a:t>Show the most important images of results here. </a:t>
-            </a:r>
-          </a:p>
-          <a:p>
-            <a:pPr eaLnBrk="1" hangingPunct="1">
-              <a:spcBef>
-                <a:spcPts val="321"/>
-              </a:spcBef>
-            </a:pPr>
-            <a:endParaRPr lang="en-US" altLang="ja-JP" dirty="0">
-              <a:latin typeface="Calibri" panose="020F0502020204030204" pitchFamily="34" charset="0"/>
-              <a:cs typeface="Calibri" panose="020F0502020204030204" pitchFamily="34" charset="0"/>
-            </a:endParaRPr>
-          </a:p>
-          <a:p>
-            <a:pPr marL="457200" indent="-457200" eaLnBrk="1" hangingPunct="1">
-              <a:spcBef>
-                <a:spcPts val="321"/>
-              </a:spcBef>
-              <a:buFont typeface="Arial" panose="020B0604020202020204" pitchFamily="34" charset="0"/>
-              <a:buChar char="•"/>
-            </a:pPr>
-            <a:r>
-              <a:rPr lang="en-US" altLang="ja-JP" dirty="0">
-                <a:latin typeface="Calibri" panose="020F0502020204030204" pitchFamily="34" charset="0"/>
-                <a:cs typeface="Calibri" panose="020F0502020204030204" pitchFamily="34" charset="0"/>
-              </a:rPr>
-              <a:t>Use titles that summarize the main interpretation or takeaway from the graph or map</a:t>
-            </a:r>
-          </a:p>
-          <a:p>
-            <a:pPr marL="457200" indent="-457200" eaLnBrk="1" hangingPunct="1">
-              <a:spcBef>
-                <a:spcPts val="321"/>
-              </a:spcBef>
-              <a:buFont typeface="Arial" panose="020B0604020202020204" pitchFamily="34" charset="0"/>
-              <a:buChar char="•"/>
-            </a:pPr>
-            <a:r>
-              <a:rPr lang="en-US" altLang="ja-JP" dirty="0">
-                <a:latin typeface="Calibri" panose="020F0502020204030204" pitchFamily="34" charset="0"/>
-                <a:cs typeface="Calibri" panose="020F0502020204030204" pitchFamily="34" charset="0"/>
-              </a:rPr>
-              <a:t>Annotate with arrows and callout boxes so the viewer is </a:t>
-            </a:r>
-            <a:r>
-              <a:rPr lang="en-US" altLang="ja-JP" b="1" dirty="0">
-                <a:latin typeface="Calibri" panose="020F0502020204030204" pitchFamily="34" charset="0"/>
-                <a:cs typeface="Calibri" panose="020F0502020204030204" pitchFamily="34" charset="0"/>
-              </a:rPr>
-              <a:t>visually led</a:t>
-            </a:r>
-            <a:r>
-              <a:rPr lang="en-US" altLang="ja-JP" dirty="0">
-                <a:latin typeface="Calibri" panose="020F0502020204030204" pitchFamily="34" charset="0"/>
-                <a:cs typeface="Calibri" panose="020F0502020204030204" pitchFamily="34" charset="0"/>
-              </a:rPr>
-              <a:t> through how hypothesis is addressed. </a:t>
-            </a:r>
-          </a:p>
-          <a:p>
-            <a:pPr marL="457200" indent="-457200" eaLnBrk="1" hangingPunct="1">
-              <a:spcBef>
-                <a:spcPts val="321"/>
-              </a:spcBef>
-              <a:buFont typeface="Arial" panose="020B0604020202020204" pitchFamily="34" charset="0"/>
-              <a:buChar char="•"/>
-            </a:pPr>
-            <a:r>
-              <a:rPr lang="en-US" altLang="ja-JP" dirty="0">
-                <a:latin typeface="Calibri" panose="020F0502020204030204" pitchFamily="34" charset="0"/>
-                <a:cs typeface="Calibri" panose="020F0502020204030204" pitchFamily="34" charset="0"/>
-              </a:rPr>
-              <a:t>Help readers understand the logic behind your conclusions </a:t>
-            </a:r>
-            <a:r>
-              <a:rPr lang="en-US" altLang="ja-JP" i="1" dirty="0">
-                <a:latin typeface="Calibri" panose="020F0502020204030204" pitchFamily="34" charset="0"/>
-                <a:cs typeface="Calibri" panose="020F0502020204030204" pitchFamily="34" charset="0"/>
-              </a:rPr>
-              <a:t>without you needing to be there</a:t>
-            </a:r>
-            <a:r>
-              <a:rPr lang="en-US" altLang="ja-JP" dirty="0">
-                <a:latin typeface="Calibri" panose="020F0502020204030204" pitchFamily="34" charset="0"/>
-                <a:cs typeface="Calibri" panose="020F0502020204030204" pitchFamily="34" charset="0"/>
-              </a:rPr>
-              <a:t>.</a:t>
-            </a:r>
-          </a:p>
-          <a:p>
-            <a:pPr marL="457200" indent="-457200" eaLnBrk="1" hangingPunct="1">
-              <a:spcBef>
-                <a:spcPts val="321"/>
-              </a:spcBef>
-              <a:buFont typeface="Arial" panose="020B0604020202020204" pitchFamily="34" charset="0"/>
-              <a:buChar char="•"/>
-            </a:pPr>
-            <a:r>
-              <a:rPr lang="en-US" altLang="ja-JP" dirty="0">
-                <a:latin typeface="Calibri" panose="020F0502020204030204" pitchFamily="34" charset="0"/>
-                <a:cs typeface="Calibri" panose="020F0502020204030204" pitchFamily="34" charset="0"/>
-              </a:rPr>
-              <a:t>Keep font size of all text (even graph labels) as big or bigger than in rest of poster</a:t>
-            </a:r>
-          </a:p>
-          <a:p>
-            <a:pPr marL="457200" indent="-457200" eaLnBrk="1" hangingPunct="1">
-              <a:spcBef>
-                <a:spcPts val="321"/>
-              </a:spcBef>
-              <a:buFont typeface="Arial" panose="020B0604020202020204" pitchFamily="34" charset="0"/>
-              <a:buChar char="•"/>
-            </a:pPr>
-            <a:endParaRPr lang="en-US" altLang="en-US" sz="1800" i="1" dirty="0">
-              <a:solidFill>
-                <a:schemeClr val="accent2"/>
-              </a:solidFill>
-              <a:latin typeface="Calibri" panose="020F0502020204030204" pitchFamily="34" charset="0"/>
-              <a:cs typeface="Calibri" panose="020F0502020204030204" pitchFamily="34" charset="0"/>
-            </a:endParaRPr>
-          </a:p>
-          <a:p>
-            <a:pPr eaLnBrk="1" hangingPunct="1">
-              <a:spcBef>
-                <a:spcPts val="321"/>
-              </a:spcBef>
-            </a:pPr>
-            <a:r>
-              <a:rPr lang="en-US" altLang="en-US" sz="4400" dirty="0">
-                <a:latin typeface="Calibri" panose="020F0502020204030204" pitchFamily="34" charset="0"/>
-                <a:cs typeface="Calibri" panose="020F0502020204030204" pitchFamily="34" charset="0"/>
-              </a:rPr>
-              <a:t>General Guidance</a:t>
-            </a:r>
-          </a:p>
-          <a:p>
-            <a:pPr marL="457200" indent="-457200" eaLnBrk="1" hangingPunct="1">
-              <a:spcBef>
-                <a:spcPts val="321"/>
-              </a:spcBef>
-              <a:buFont typeface="Arial" panose="020B0604020202020204" pitchFamily="34" charset="0"/>
-              <a:buChar char="•"/>
-            </a:pPr>
-            <a:r>
-              <a:rPr lang="en-US" altLang="en-US" sz="4400" dirty="0">
-                <a:latin typeface="Calibri" panose="020F0502020204030204" pitchFamily="34" charset="0"/>
-                <a:cs typeface="Calibri" panose="020F0502020204030204" pitchFamily="34" charset="0"/>
-              </a:rPr>
-              <a:t>Limit poster to &lt; 1000 words – it is a summary of your work so focus on the most important ideas and results.</a:t>
-            </a:r>
-          </a:p>
-          <a:p>
-            <a:pPr marL="457200" indent="-457200" eaLnBrk="1" hangingPunct="1">
-              <a:spcBef>
-                <a:spcPts val="321"/>
-              </a:spcBef>
-              <a:buFont typeface="Arial" panose="020B0604020202020204" pitchFamily="34" charset="0"/>
-              <a:buChar char="•"/>
-            </a:pPr>
-            <a:r>
-              <a:rPr lang="en-US" altLang="en-US" sz="4400" dirty="0">
-                <a:latin typeface="Calibri" panose="020F0502020204030204" pitchFamily="34" charset="0"/>
-                <a:cs typeface="Calibri" panose="020F0502020204030204" pitchFamily="34" charset="0"/>
-              </a:rPr>
-              <a:t>Spell Check and then have someone else proofread it.</a:t>
-            </a:r>
-          </a:p>
-        </p:txBody>
-      </p:sp>
-      <p:sp>
-        <p:nvSpPr>
-          <p:cNvPr id="14342" name="Text Box 13">
-            <a:extLst>
-              <a:ext uri="{FF2B5EF4-FFF2-40B4-BE49-F238E27FC236}">
-                <a16:creationId xmlns:a16="http://schemas.microsoft.com/office/drawing/2014/main" id="{DB794D16-EC1B-38FE-17A4-81F3B9530B88}"/>
-              </a:ext>
-            </a:extLst>
-          </p:cNvPr>
-          <p:cNvSpPr txBox="1">
-            <a:spLocks noChangeArrowheads="1"/>
-          </p:cNvSpPr>
-          <p:nvPr/>
-        </p:nvSpPr>
-        <p:spPr bwMode="auto">
-          <a:xfrm>
-            <a:off x="24772484" y="5123088"/>
-            <a:ext cx="6766560" cy="5212080"/>
-          </a:xfrm>
-          <a:prstGeom prst="rect">
-            <a:avLst/>
-          </a:prstGeom>
-          <a:solidFill>
-            <a:schemeClr val="bg1"/>
-          </a:solidFill>
-          <a:ln w="38100">
-            <a:solidFill>
-              <a:srgbClr val="004FA2"/>
-            </a:solidFill>
-            <a:round/>
-            <a:headEnd/>
-            <a:tailEnd/>
-          </a:ln>
-        </p:spPr>
-        <p:txBody>
-          <a:bodyPr lIns="587829" tIns="293914" rIns="587829" bIns="587829"/>
-          <a:lstStyle>
-            <a:lvl1pPr eaLnBrk="0" hangingPunct="0">
-              <a:tabLst>
-                <a:tab pos="635000" algn="l"/>
-              </a:tabLst>
-              <a:defRPr sz="3200">
-                <a:solidFill>
-                  <a:schemeClr val="tx1"/>
-                </a:solidFill>
-                <a:latin typeface="Helvetica" pitchFamily="2" charset="0"/>
-                <a:ea typeface="ＭＳ Ｐゴシック" panose="020B0600070205080204" pitchFamily="34" charset="-128"/>
-              </a:defRPr>
-            </a:lvl1pPr>
-            <a:lvl2pPr marL="742950" indent="-285750" eaLnBrk="0" hangingPunct="0">
-              <a:tabLst>
-                <a:tab pos="635000" algn="l"/>
-              </a:tabLst>
-              <a:defRPr sz="3200">
-                <a:solidFill>
-                  <a:schemeClr val="tx1"/>
-                </a:solidFill>
-                <a:latin typeface="Helvetica" pitchFamily="2" charset="0"/>
-                <a:ea typeface="ＭＳ Ｐゴシック" panose="020B0600070205080204" pitchFamily="34" charset="-128"/>
-              </a:defRPr>
-            </a:lvl2pPr>
-            <a:lvl3pPr marL="1143000" indent="-228600" eaLnBrk="0" hangingPunct="0">
-              <a:tabLst>
-                <a:tab pos="635000" algn="l"/>
-              </a:tabLst>
-              <a:defRPr sz="3200">
-                <a:solidFill>
-                  <a:schemeClr val="tx1"/>
-                </a:solidFill>
-                <a:latin typeface="Helvetica" pitchFamily="2" charset="0"/>
-                <a:ea typeface="ＭＳ Ｐゴシック" panose="020B0600070205080204" pitchFamily="34" charset="-128"/>
-              </a:defRPr>
-            </a:lvl3pPr>
-            <a:lvl4pPr marL="1600200" indent="-228600" eaLnBrk="0" hangingPunct="0">
-              <a:tabLst>
-                <a:tab pos="635000" algn="l"/>
-              </a:tabLst>
-              <a:defRPr sz="3200">
-                <a:solidFill>
-                  <a:schemeClr val="tx1"/>
-                </a:solidFill>
-                <a:latin typeface="Helvetica" pitchFamily="2" charset="0"/>
-                <a:ea typeface="ＭＳ Ｐゴシック" panose="020B0600070205080204" pitchFamily="34" charset="-128"/>
-              </a:defRPr>
-            </a:lvl4pPr>
-            <a:lvl5pPr marL="2057400" indent="-228600" eaLnBrk="0" hangingPunct="0">
-              <a:tabLst>
-                <a:tab pos="635000" algn="l"/>
-              </a:tabLst>
-              <a:defRPr sz="3200">
-                <a:solidFill>
-                  <a:schemeClr val="tx1"/>
-                </a:solidFill>
-                <a:latin typeface="Helvetica" pitchFamily="2" charset="0"/>
-                <a:ea typeface="ＭＳ Ｐゴシック" panose="020B0600070205080204" pitchFamily="34" charset="-128"/>
-              </a:defRPr>
-            </a:lvl5pPr>
-            <a:lvl6pPr marL="2514600" indent="-228600" eaLnBrk="0" fontAlgn="base" hangingPunct="0">
-              <a:spcBef>
-                <a:spcPct val="0"/>
-              </a:spcBef>
-              <a:spcAft>
-                <a:spcPct val="0"/>
-              </a:spcAft>
-              <a:tabLst>
-                <a:tab pos="635000" algn="l"/>
-              </a:tabLst>
-              <a:defRPr sz="3200">
-                <a:solidFill>
-                  <a:schemeClr val="tx1"/>
-                </a:solidFill>
-                <a:latin typeface="Helvetica" pitchFamily="2" charset="0"/>
-                <a:ea typeface="ＭＳ Ｐゴシック" panose="020B0600070205080204" pitchFamily="34" charset="-128"/>
-              </a:defRPr>
-            </a:lvl6pPr>
-            <a:lvl7pPr marL="2971800" indent="-228600" eaLnBrk="0" fontAlgn="base" hangingPunct="0">
-              <a:spcBef>
-                <a:spcPct val="0"/>
-              </a:spcBef>
-              <a:spcAft>
-                <a:spcPct val="0"/>
-              </a:spcAft>
-              <a:tabLst>
-                <a:tab pos="635000" algn="l"/>
-              </a:tabLst>
-              <a:defRPr sz="3200">
-                <a:solidFill>
-                  <a:schemeClr val="tx1"/>
-                </a:solidFill>
-                <a:latin typeface="Helvetica" pitchFamily="2" charset="0"/>
-                <a:ea typeface="ＭＳ Ｐゴシック" panose="020B0600070205080204" pitchFamily="34" charset="-128"/>
-              </a:defRPr>
-            </a:lvl7pPr>
-            <a:lvl8pPr marL="3429000" indent="-228600" eaLnBrk="0" fontAlgn="base" hangingPunct="0">
-              <a:spcBef>
-                <a:spcPct val="0"/>
-              </a:spcBef>
-              <a:spcAft>
-                <a:spcPct val="0"/>
-              </a:spcAft>
-              <a:tabLst>
-                <a:tab pos="635000" algn="l"/>
-              </a:tabLst>
-              <a:defRPr sz="3200">
-                <a:solidFill>
-                  <a:schemeClr val="tx1"/>
-                </a:solidFill>
-                <a:latin typeface="Helvetica" pitchFamily="2" charset="0"/>
-                <a:ea typeface="ＭＳ Ｐゴシック" panose="020B0600070205080204" pitchFamily="34" charset="-128"/>
-              </a:defRPr>
-            </a:lvl8pPr>
-            <a:lvl9pPr marL="3886200" indent="-228600" eaLnBrk="0" fontAlgn="base" hangingPunct="0">
-              <a:spcBef>
-                <a:spcPct val="0"/>
-              </a:spcBef>
-              <a:spcAft>
-                <a:spcPct val="0"/>
-              </a:spcAft>
-              <a:tabLst>
-                <a:tab pos="635000" algn="l"/>
-              </a:tabLst>
-              <a:defRPr sz="3200">
-                <a:solidFill>
-                  <a:schemeClr val="tx1"/>
-                </a:solidFill>
-                <a:latin typeface="Helvetica" pitchFamily="2" charset="0"/>
-                <a:ea typeface="ＭＳ Ｐゴシック" panose="020B0600070205080204" pitchFamily="34" charset="-128"/>
-              </a:defRPr>
-            </a:lvl9pPr>
-          </a:lstStyle>
-          <a:p>
-            <a:pPr eaLnBrk="1" hangingPunct="1">
-              <a:spcBef>
-                <a:spcPct val="50000"/>
-              </a:spcBef>
-            </a:pPr>
-            <a:r>
-              <a:rPr lang="en-US" altLang="en-US" b="1" dirty="0">
-                <a:solidFill>
-                  <a:srgbClr val="000000"/>
-                </a:solidFill>
-                <a:latin typeface="Calibri" panose="020F0502020204030204" pitchFamily="34" charset="0"/>
-                <a:cs typeface="Calibri" panose="020F0502020204030204" pitchFamily="34" charset="0"/>
-              </a:rPr>
-              <a:t>Results/Implications</a:t>
-            </a:r>
-          </a:p>
-          <a:p>
-            <a:pPr marL="457200" indent="-457200" eaLnBrk="1" hangingPunct="1">
-              <a:spcBef>
-                <a:spcPct val="50000"/>
-              </a:spcBef>
-              <a:buFont typeface="Arial" panose="020B0604020202020204" pitchFamily="34" charset="0"/>
-              <a:buChar char="•"/>
-            </a:pPr>
-            <a:r>
-              <a:rPr lang="en-US" altLang="ja-JP" dirty="0">
-                <a:latin typeface="Calibri" panose="020F0502020204030204" pitchFamily="34" charset="0"/>
-                <a:cs typeface="Calibri" panose="020F0502020204030204" pitchFamily="34" charset="0"/>
-              </a:rPr>
-              <a:t>Why is the outcome  interesting. Don’t assume it’s obvious. </a:t>
-            </a:r>
-          </a:p>
-          <a:p>
-            <a:pPr marL="457200" indent="-457200" eaLnBrk="1" hangingPunct="1">
-              <a:spcBef>
-                <a:spcPct val="50000"/>
-              </a:spcBef>
-              <a:buFont typeface="Arial" panose="020B0604020202020204" pitchFamily="34" charset="0"/>
-              <a:buChar char="•"/>
-            </a:pPr>
-            <a:r>
-              <a:rPr lang="en-US" altLang="ja-JP" dirty="0">
-                <a:latin typeface="Calibri" panose="020F0502020204030204" pitchFamily="34" charset="0"/>
-                <a:cs typeface="Calibri" panose="020F0502020204030204" pitchFamily="34" charset="0"/>
-              </a:rPr>
-              <a:t>Evidence for the results</a:t>
-            </a:r>
-          </a:p>
-          <a:p>
-            <a:pPr marL="457200" indent="-457200" eaLnBrk="1" hangingPunct="1">
-              <a:spcBef>
-                <a:spcPct val="50000"/>
-              </a:spcBef>
-              <a:buFont typeface="Arial" panose="020B0604020202020204" pitchFamily="34" charset="0"/>
-              <a:buChar char="•"/>
-            </a:pPr>
-            <a:r>
-              <a:rPr lang="en-US" altLang="ja-JP" dirty="0">
-                <a:latin typeface="Calibri" panose="020F0502020204030204" pitchFamily="34" charset="0"/>
-                <a:cs typeface="Calibri" panose="020F0502020204030204" pitchFamily="34" charset="0"/>
-              </a:rPr>
-              <a:t>Potential Next Steps</a:t>
-            </a:r>
-          </a:p>
-        </p:txBody>
-      </p:sp>
-      <p:sp>
-        <p:nvSpPr>
-          <p:cNvPr id="14343" name="Text Box 14">
-            <a:extLst>
-              <a:ext uri="{FF2B5EF4-FFF2-40B4-BE49-F238E27FC236}">
-                <a16:creationId xmlns:a16="http://schemas.microsoft.com/office/drawing/2014/main" id="{065E6C83-EB17-4F51-A8BE-1353F0346BEF}"/>
-              </a:ext>
-            </a:extLst>
-          </p:cNvPr>
-          <p:cNvSpPr txBox="1">
-            <a:spLocks noChangeArrowheads="1"/>
-          </p:cNvSpPr>
-          <p:nvPr/>
-        </p:nvSpPr>
-        <p:spPr bwMode="auto">
-          <a:xfrm>
-            <a:off x="1306286" y="3957208"/>
-            <a:ext cx="30175200" cy="963136"/>
-          </a:xfrm>
-          <a:prstGeom prst="rect">
-            <a:avLst/>
-          </a:prstGeom>
-          <a:noFill/>
-          <a:ln>
-            <a:noFill/>
-          </a:ln>
-          <a:extLst>
-            <a:ext uri="{909E8E84-426E-40DD-AFC4-6F175D3DCCD1}">
-              <a14:hiddenFill xmlns:a14="http://schemas.microsoft.com/office/drawing/2010/main">
-                <a:solidFill>
-                  <a:srgbClr val="FFFFFF"/>
-                </a:solidFill>
-              </a14:hiddenFill>
-            </a:ext>
-            <a:ext uri="{91240B29-F687-4F45-9708-019B960494DF}">
-              <a14:hiddenLine xmlns:a14="http://schemas.microsoft.com/office/drawing/2010/main" w="12700">
-                <a:solidFill>
-                  <a:srgbClr val="000000"/>
-                </a:solidFill>
-                <a:miter lim="800000"/>
-                <a:headEnd/>
-                <a:tailEnd/>
-              </a14:hiddenLine>
-            </a:ext>
-          </a:extLst>
-        </p:spPr>
-        <p:txBody>
-          <a:bodyPr wrap="square" lIns="176349" tIns="176349" rIns="176349" bIns="176349" anchor="ctr">
-            <a:spAutoFit/>
-          </a:bodyPr>
-          <a:lstStyle>
-            <a:lvl1pPr eaLnBrk="0" hangingPunct="0">
-              <a:defRPr sz="3200">
-                <a:solidFill>
-                  <a:schemeClr val="tx1"/>
-                </a:solidFill>
-                <a:latin typeface="Helvetica" pitchFamily="2" charset="0"/>
-                <a:ea typeface="ＭＳ Ｐゴシック" panose="020B0600070205080204" pitchFamily="34" charset="-128"/>
-              </a:defRPr>
-            </a:lvl1pPr>
-            <a:lvl2pPr marL="742950" indent="-285750" eaLnBrk="0" hangingPunct="0">
-              <a:defRPr sz="3200">
-                <a:solidFill>
-                  <a:schemeClr val="tx1"/>
-                </a:solidFill>
-                <a:latin typeface="Helvetica" pitchFamily="2" charset="0"/>
-                <a:ea typeface="ＭＳ Ｐゴシック" panose="020B0600070205080204" pitchFamily="34" charset="-128"/>
-              </a:defRPr>
-            </a:lvl2pPr>
-            <a:lvl3pPr marL="1143000" indent="-228600" eaLnBrk="0" hangingPunct="0">
-              <a:defRPr sz="3200">
-                <a:solidFill>
-                  <a:schemeClr val="tx1"/>
-                </a:solidFill>
-                <a:latin typeface="Helvetica" pitchFamily="2" charset="0"/>
-                <a:ea typeface="ＭＳ Ｐゴシック" panose="020B0600070205080204" pitchFamily="34" charset="-128"/>
-              </a:defRPr>
-            </a:lvl3pPr>
-            <a:lvl4pPr marL="1600200" indent="-228600" eaLnBrk="0" hangingPunct="0">
-              <a:defRPr sz="3200">
-                <a:solidFill>
-                  <a:schemeClr val="tx1"/>
-                </a:solidFill>
-                <a:latin typeface="Helvetica" pitchFamily="2" charset="0"/>
-                <a:ea typeface="ＭＳ Ｐゴシック" panose="020B0600070205080204" pitchFamily="34" charset="-128"/>
-              </a:defRPr>
-            </a:lvl4pPr>
-            <a:lvl5pPr marL="2057400" indent="-228600" eaLnBrk="0" hangingPunct="0">
-              <a:defRPr sz="3200">
-                <a:solidFill>
-                  <a:schemeClr val="tx1"/>
-                </a:solidFill>
-                <a:latin typeface="Helvetica" pitchFamily="2" charset="0"/>
-                <a:ea typeface="ＭＳ Ｐゴシック" panose="020B0600070205080204" pitchFamily="34" charset="-128"/>
-              </a:defRPr>
-            </a:lvl5pPr>
-            <a:lvl6pPr marL="2514600" indent="-228600" eaLnBrk="0" fontAlgn="base" hangingPunct="0">
-              <a:spcBef>
-                <a:spcPct val="0"/>
-              </a:spcBef>
-              <a:spcAft>
-                <a:spcPct val="0"/>
-              </a:spcAft>
-              <a:defRPr sz="3200">
-                <a:solidFill>
-                  <a:schemeClr val="tx1"/>
-                </a:solidFill>
-                <a:latin typeface="Helvetica" pitchFamily="2" charset="0"/>
-                <a:ea typeface="ＭＳ Ｐゴシック" panose="020B0600070205080204" pitchFamily="34" charset="-128"/>
-              </a:defRPr>
-            </a:lvl6pPr>
-            <a:lvl7pPr marL="2971800" indent="-228600" eaLnBrk="0" fontAlgn="base" hangingPunct="0">
-              <a:spcBef>
-                <a:spcPct val="0"/>
-              </a:spcBef>
-              <a:spcAft>
-                <a:spcPct val="0"/>
-              </a:spcAft>
-              <a:defRPr sz="3200">
-                <a:solidFill>
-                  <a:schemeClr val="tx1"/>
-                </a:solidFill>
-                <a:latin typeface="Helvetica" pitchFamily="2" charset="0"/>
-                <a:ea typeface="ＭＳ Ｐゴシック" panose="020B0600070205080204" pitchFamily="34" charset="-128"/>
-              </a:defRPr>
-            </a:lvl7pPr>
-            <a:lvl8pPr marL="3429000" indent="-228600" eaLnBrk="0" fontAlgn="base" hangingPunct="0">
-              <a:spcBef>
-                <a:spcPct val="0"/>
-              </a:spcBef>
-              <a:spcAft>
-                <a:spcPct val="0"/>
-              </a:spcAft>
-              <a:defRPr sz="3200">
-                <a:solidFill>
-                  <a:schemeClr val="tx1"/>
-                </a:solidFill>
-                <a:latin typeface="Helvetica" pitchFamily="2" charset="0"/>
-                <a:ea typeface="ＭＳ Ｐゴシック" panose="020B0600070205080204" pitchFamily="34" charset="-128"/>
-              </a:defRPr>
-            </a:lvl8pPr>
-            <a:lvl9pPr marL="3886200" indent="-228600" eaLnBrk="0" fontAlgn="base" hangingPunct="0">
-              <a:spcBef>
-                <a:spcPct val="0"/>
-              </a:spcBef>
-              <a:spcAft>
-                <a:spcPct val="0"/>
-              </a:spcAft>
-              <a:defRPr sz="3200">
-                <a:solidFill>
-                  <a:schemeClr val="tx1"/>
-                </a:solidFill>
-                <a:latin typeface="Helvetica" pitchFamily="2" charset="0"/>
-                <a:ea typeface="ＭＳ Ｐゴシック" panose="020B0600070205080204" pitchFamily="34" charset="-128"/>
-              </a:defRPr>
-            </a:lvl9pPr>
-          </a:lstStyle>
-          <a:p>
-            <a:pPr algn="ctr" eaLnBrk="1" hangingPunct="1">
-              <a:spcBef>
-                <a:spcPct val="50000"/>
-              </a:spcBef>
-              <a:spcAft>
-                <a:spcPts val="386"/>
-              </a:spcAft>
-            </a:pPr>
-            <a:r>
-              <a:rPr lang="en-US" altLang="en-US" sz="4000" b="1" dirty="0" err="1">
-                <a:latin typeface="Calibri" panose="020F0502020204030204" pitchFamily="34" charset="0"/>
-                <a:cs typeface="Calibri" panose="020F0502020204030204" pitchFamily="34" charset="0"/>
-              </a:rPr>
-              <a:t>Concillia</a:t>
-            </a:r>
-            <a:r>
-              <a:rPr lang="en-US" altLang="en-US" sz="4000" b="1" dirty="0">
-                <a:latin typeface="Calibri" panose="020F0502020204030204" pitchFamily="34" charset="0"/>
-                <a:cs typeface="Calibri" panose="020F0502020204030204" pitchFamily="34" charset="0"/>
-              </a:rPr>
-              <a:t> Mpofu, Jeremy Joy, Yuka Chen, Connor Cabrey – American University STAT-627 Final Project</a:t>
-            </a:r>
-            <a:endParaRPr lang="en-US" altLang="en-US" sz="4000" dirty="0">
-              <a:latin typeface="Calibri" panose="020F0502020204030204" pitchFamily="34" charset="0"/>
-              <a:cs typeface="Calibri" panose="020F0502020204030204" pitchFamily="34" charset="0"/>
-            </a:endParaRPr>
-          </a:p>
-        </p:txBody>
-      </p:sp>
-      <p:sp>
-        <p:nvSpPr>
-          <p:cNvPr id="3" name="Rectangle 180">
-            <a:extLst>
-              <a:ext uri="{FF2B5EF4-FFF2-40B4-BE49-F238E27FC236}">
-                <a16:creationId xmlns:a16="http://schemas.microsoft.com/office/drawing/2014/main" id="{D07C58DF-9E7A-7C34-8C25-CD9ECAE36257}"/>
-              </a:ext>
-            </a:extLst>
-          </p:cNvPr>
-          <p:cNvSpPr>
-            <a:spLocks noChangeArrowheads="1"/>
-          </p:cNvSpPr>
-          <p:nvPr/>
-        </p:nvSpPr>
-        <p:spPr bwMode="auto">
-          <a:xfrm>
-            <a:off x="3352800" y="1014977"/>
-            <a:ext cx="26386972" cy="2615184"/>
-          </a:xfrm>
-          <a:prstGeom prst="roundRect">
-            <a:avLst>
-              <a:gd name="adj" fmla="val 18332"/>
-            </a:avLst>
-          </a:prstGeom>
-          <a:solidFill>
-            <a:schemeClr val="bg1"/>
-          </a:solidFill>
-          <a:ln>
-            <a:solidFill>
-              <a:srgbClr val="004FA2"/>
-            </a:solidFill>
-          </a:ln>
-          <a:extLst>
-            <a:ext uri="{909E8E84-426E-40dd-AFC4-6F175D3DCCD1}">
-              <a14:hiddenFill xmlns="" xmlns:a14="http://schemas.microsoft.com/office/drawing/2010/main">
-                <a:solidFill>
-                  <a:srgbClr val="FFFFFF"/>
-                </a:solidFill>
-              </a14:hiddenFill>
-            </a:ext>
-            <a:ext uri="{91240B29-F687-4f45-9708-019B960494DF}">
-              <a14:hiddenLine xmlns="" xmlns:a14="http://schemas.microsoft.com/office/drawing/2010/main" w="9525">
-                <a:solidFill>
-                  <a:srgbClr val="000000"/>
-                </a:solidFill>
-                <a:miter lim="800000"/>
-                <a:headEnd/>
-                <a:tailEnd/>
-              </a14:hiddenLine>
-            </a:ext>
-          </a:extLst>
-        </p:spPr>
-        <p:txBody>
-          <a:bodyPr wrap="square" lIns="182880" tIns="182880" rIns="182880" bIns="182880" anchor="ctr">
-            <a:spAutoFit/>
-          </a:bodyPr>
-          <a:lstStyle/>
-          <a:p>
-            <a:pPr algn="ctr">
-              <a:lnSpc>
-                <a:spcPct val="90000"/>
-              </a:lnSpc>
-              <a:defRPr/>
-            </a:pPr>
-            <a:r>
-              <a:rPr lang="en-US" sz="7200" b="1" dirty="0">
-                <a:solidFill>
-                  <a:schemeClr val="tx1">
-                    <a:alpha val="95000"/>
-                  </a:schemeClr>
-                </a:solidFill>
-                <a:latin typeface="Calibri" panose="020F0502020204030204" pitchFamily="34" charset="0"/>
-                <a:ea typeface="ＭＳ Ｐゴシック" charset="0"/>
-                <a:cs typeface="Calibri" panose="020F0502020204030204" pitchFamily="34" charset="0"/>
-              </a:rPr>
-              <a:t>A sentence for your main conclusion using words a general audience might find interesting or provocative.</a:t>
-            </a:r>
-          </a:p>
-        </p:txBody>
-      </p:sp>
-      <p:grpSp>
-        <p:nvGrpSpPr>
-          <p:cNvPr id="5" name="Group 4">
-            <a:extLst>
-              <a:ext uri="{FF2B5EF4-FFF2-40B4-BE49-F238E27FC236}">
-                <a16:creationId xmlns:a16="http://schemas.microsoft.com/office/drawing/2014/main" id="{ADA5316A-C039-EB97-16EC-9C93CD2E03FE}"/>
-              </a:ext>
-            </a:extLst>
-          </p:cNvPr>
-          <p:cNvGrpSpPr/>
-          <p:nvPr/>
-        </p:nvGrpSpPr>
-        <p:grpSpPr>
-          <a:xfrm>
-            <a:off x="1282812" y="18418629"/>
-            <a:ext cx="30474216" cy="2286000"/>
-            <a:chOff x="1282812" y="18418629"/>
-            <a:chExt cx="30474216" cy="2286000"/>
-          </a:xfrm>
-        </p:grpSpPr>
-        <p:sp>
-          <p:nvSpPr>
-            <p:cNvPr id="14345" name="Text Box 16">
-              <a:extLst>
-                <a:ext uri="{FF2B5EF4-FFF2-40B4-BE49-F238E27FC236}">
-                  <a16:creationId xmlns:a16="http://schemas.microsoft.com/office/drawing/2014/main" id="{F890D5BA-89D8-23F0-AF42-640C20C2AE61}"/>
-                </a:ext>
-              </a:extLst>
-            </p:cNvPr>
-            <p:cNvSpPr txBox="1">
-              <a:spLocks noChangeAspect="1" noChangeArrowheads="1"/>
-            </p:cNvSpPr>
-            <p:nvPr/>
-          </p:nvSpPr>
-          <p:spPr bwMode="auto">
-            <a:xfrm>
-              <a:off x="11719320" y="18418629"/>
-              <a:ext cx="9601200" cy="2286000"/>
-            </a:xfrm>
-            <a:prstGeom prst="rect">
-              <a:avLst/>
-            </a:prstGeom>
-            <a:solidFill>
-              <a:schemeClr val="bg1"/>
-            </a:solidFill>
-            <a:ln w="38100">
-              <a:solidFill>
-                <a:srgbClr val="004FA2"/>
-              </a:solidFill>
-              <a:round/>
-              <a:headEnd/>
-              <a:tailEnd/>
-            </a:ln>
-          </p:spPr>
-          <p:txBody>
-            <a:bodyPr lIns="274320" tIns="182880" rIns="274320" bIns="182880"/>
-            <a:lstStyle>
-              <a:lvl1pPr eaLnBrk="0" hangingPunct="0">
-                <a:defRPr sz="3200">
-                  <a:solidFill>
-                    <a:schemeClr val="tx1"/>
-                  </a:solidFill>
-                  <a:latin typeface="Helvetica" pitchFamily="2" charset="0"/>
-                  <a:ea typeface="ＭＳ Ｐゴシック" panose="020B0600070205080204" pitchFamily="34" charset="-128"/>
-                </a:defRPr>
-              </a:lvl1pPr>
-              <a:lvl2pPr marL="742950" indent="-285750" eaLnBrk="0" hangingPunct="0">
-                <a:defRPr sz="3200">
-                  <a:solidFill>
-                    <a:schemeClr val="tx1"/>
-                  </a:solidFill>
-                  <a:latin typeface="Helvetica" pitchFamily="2" charset="0"/>
-                  <a:ea typeface="ＭＳ Ｐゴシック" panose="020B0600070205080204" pitchFamily="34" charset="-128"/>
-                </a:defRPr>
-              </a:lvl2pPr>
-              <a:lvl3pPr marL="1143000" indent="-228600" eaLnBrk="0" hangingPunct="0">
-                <a:defRPr sz="3200">
-                  <a:solidFill>
-                    <a:schemeClr val="tx1"/>
-                  </a:solidFill>
-                  <a:latin typeface="Helvetica" pitchFamily="2" charset="0"/>
-                  <a:ea typeface="ＭＳ Ｐゴシック" panose="020B0600070205080204" pitchFamily="34" charset="-128"/>
-                </a:defRPr>
-              </a:lvl3pPr>
-              <a:lvl4pPr marL="1600200" indent="-228600" eaLnBrk="0" hangingPunct="0">
-                <a:defRPr sz="3200">
-                  <a:solidFill>
-                    <a:schemeClr val="tx1"/>
-                  </a:solidFill>
-                  <a:latin typeface="Helvetica" pitchFamily="2" charset="0"/>
-                  <a:ea typeface="ＭＳ Ｐゴシック" panose="020B0600070205080204" pitchFamily="34" charset="-128"/>
-                </a:defRPr>
-              </a:lvl4pPr>
-              <a:lvl5pPr marL="2057400" indent="-228600" eaLnBrk="0" hangingPunct="0">
-                <a:defRPr sz="3200">
-                  <a:solidFill>
-                    <a:schemeClr val="tx1"/>
-                  </a:solidFill>
-                  <a:latin typeface="Helvetica" pitchFamily="2" charset="0"/>
-                  <a:ea typeface="ＭＳ Ｐゴシック" panose="020B0600070205080204" pitchFamily="34" charset="-128"/>
-                </a:defRPr>
-              </a:lvl5pPr>
-              <a:lvl6pPr marL="2514600" indent="-228600" eaLnBrk="0" fontAlgn="base" hangingPunct="0">
-                <a:spcBef>
-                  <a:spcPct val="0"/>
-                </a:spcBef>
-                <a:spcAft>
-                  <a:spcPct val="0"/>
-                </a:spcAft>
-                <a:defRPr sz="3200">
-                  <a:solidFill>
-                    <a:schemeClr val="tx1"/>
-                  </a:solidFill>
-                  <a:latin typeface="Helvetica" pitchFamily="2" charset="0"/>
-                  <a:ea typeface="ＭＳ Ｐゴシック" panose="020B0600070205080204" pitchFamily="34" charset="-128"/>
-                </a:defRPr>
-              </a:lvl6pPr>
-              <a:lvl7pPr marL="2971800" indent="-228600" eaLnBrk="0" fontAlgn="base" hangingPunct="0">
-                <a:spcBef>
-                  <a:spcPct val="0"/>
-                </a:spcBef>
-                <a:spcAft>
-                  <a:spcPct val="0"/>
-                </a:spcAft>
-                <a:defRPr sz="3200">
-                  <a:solidFill>
-                    <a:schemeClr val="tx1"/>
-                  </a:solidFill>
-                  <a:latin typeface="Helvetica" pitchFamily="2" charset="0"/>
-                  <a:ea typeface="ＭＳ Ｐゴシック" panose="020B0600070205080204" pitchFamily="34" charset="-128"/>
-                </a:defRPr>
-              </a:lvl7pPr>
-              <a:lvl8pPr marL="3429000" indent="-228600" eaLnBrk="0" fontAlgn="base" hangingPunct="0">
-                <a:spcBef>
-                  <a:spcPct val="0"/>
-                </a:spcBef>
-                <a:spcAft>
-                  <a:spcPct val="0"/>
-                </a:spcAft>
-                <a:defRPr sz="3200">
-                  <a:solidFill>
-                    <a:schemeClr val="tx1"/>
-                  </a:solidFill>
-                  <a:latin typeface="Helvetica" pitchFamily="2" charset="0"/>
-                  <a:ea typeface="ＭＳ Ｐゴシック" panose="020B0600070205080204" pitchFamily="34" charset="-128"/>
-                </a:defRPr>
-              </a:lvl8pPr>
-              <a:lvl9pPr marL="3886200" indent="-228600" eaLnBrk="0" fontAlgn="base" hangingPunct="0">
-                <a:spcBef>
-                  <a:spcPct val="0"/>
-                </a:spcBef>
-                <a:spcAft>
-                  <a:spcPct val="0"/>
-                </a:spcAft>
-                <a:defRPr sz="3200">
-                  <a:solidFill>
-                    <a:schemeClr val="tx1"/>
-                  </a:solidFill>
-                  <a:latin typeface="Helvetica" pitchFamily="2" charset="0"/>
-                  <a:ea typeface="ＭＳ Ｐゴシック" panose="020B0600070205080204" pitchFamily="34" charset="-128"/>
-                </a:defRPr>
-              </a:lvl9pPr>
-            </a:lstStyle>
-            <a:p>
-              <a:pPr eaLnBrk="1" hangingPunct="1">
-                <a:spcBef>
-                  <a:spcPct val="50000"/>
-                </a:spcBef>
-              </a:pPr>
-              <a:r>
-                <a:rPr lang="en-US" altLang="en-US" b="1" dirty="0">
-                  <a:solidFill>
-                    <a:srgbClr val="000000"/>
-                  </a:solidFill>
-                  <a:latin typeface="Calibri" panose="020F0502020204030204" pitchFamily="34" charset="0"/>
-                  <a:cs typeface="Calibri" panose="020F0502020204030204" pitchFamily="34" charset="0"/>
-                </a:rPr>
-                <a:t>Data</a:t>
-              </a:r>
-              <a:r>
-                <a:rPr lang="en-US" altLang="en-US" sz="2400" b="1" dirty="0">
-                  <a:solidFill>
-                    <a:srgbClr val="000000"/>
-                  </a:solidFill>
-                  <a:latin typeface="Calibri" panose="020F0502020204030204" pitchFamily="34" charset="0"/>
-                  <a:cs typeface="Calibri" panose="020F0502020204030204" pitchFamily="34" charset="0"/>
-                </a:rPr>
-                <a:t> </a:t>
-              </a:r>
-            </a:p>
-            <a:p>
-              <a:pPr eaLnBrk="1" hangingPunct="1">
-                <a:spcBef>
-                  <a:spcPts val="771"/>
-                </a:spcBef>
-              </a:pPr>
-              <a:r>
-                <a:rPr lang="en-US" altLang="en-US" sz="2400" dirty="0">
-                  <a:latin typeface="Calibri" panose="020F0502020204030204" pitchFamily="34" charset="0"/>
-                  <a:cs typeface="Calibri" panose="020F0502020204030204" pitchFamily="34" charset="0"/>
-                </a:rPr>
-                <a:t>Source</a:t>
-              </a:r>
-            </a:p>
-            <a:p>
-              <a:pPr eaLnBrk="1" hangingPunct="1">
-                <a:spcBef>
-                  <a:spcPts val="771"/>
-                </a:spcBef>
-              </a:pPr>
-              <a:r>
-                <a:rPr lang="en-US" altLang="en-US" sz="2400" dirty="0">
-                  <a:latin typeface="Calibri" panose="020F0502020204030204" pitchFamily="34" charset="0"/>
-                  <a:cs typeface="Calibri" panose="020F0502020204030204" pitchFamily="34" charset="0"/>
-                </a:rPr>
-                <a:t>Size/Scale</a:t>
-              </a:r>
-            </a:p>
-          </p:txBody>
-        </p:sp>
-        <p:sp>
-          <p:nvSpPr>
-            <p:cNvPr id="14346" name="Text Box 15">
-              <a:extLst>
-                <a:ext uri="{FF2B5EF4-FFF2-40B4-BE49-F238E27FC236}">
-                  <a16:creationId xmlns:a16="http://schemas.microsoft.com/office/drawing/2014/main" id="{5371A8AC-23E9-ABC6-3A75-80BD1937E966}"/>
-                </a:ext>
-              </a:extLst>
-            </p:cNvPr>
-            <p:cNvSpPr txBox="1">
-              <a:spLocks noChangeAspect="1" noChangeArrowheads="1"/>
-            </p:cNvSpPr>
-            <p:nvPr/>
-          </p:nvSpPr>
-          <p:spPr bwMode="auto">
-            <a:xfrm>
-              <a:off x="1282812" y="18418629"/>
-              <a:ext cx="9601200" cy="2286000"/>
-            </a:xfrm>
-            <a:prstGeom prst="rect">
-              <a:avLst/>
-            </a:prstGeom>
-            <a:solidFill>
-              <a:schemeClr val="bg1"/>
-            </a:solidFill>
-            <a:ln w="38100">
-              <a:solidFill>
-                <a:srgbClr val="004FA2"/>
-              </a:solidFill>
-              <a:round/>
-              <a:headEnd/>
-              <a:tailEnd/>
-            </a:ln>
-          </p:spPr>
-          <p:txBody>
-            <a:bodyPr lIns="274320" tIns="182880" rIns="274320" bIns="182880"/>
-            <a:lstStyle>
-              <a:lvl1pPr marL="500063" indent="-500063" eaLnBrk="0" hangingPunct="0">
-                <a:defRPr sz="3200">
-                  <a:solidFill>
-                    <a:schemeClr val="tx1"/>
-                  </a:solidFill>
-                  <a:latin typeface="Helvetica" pitchFamily="2" charset="0"/>
-                  <a:ea typeface="ＭＳ Ｐゴシック" panose="020B0600070205080204" pitchFamily="34" charset="-128"/>
-                </a:defRPr>
-              </a:lvl1pPr>
-              <a:lvl2pPr marL="742950" indent="-285750" eaLnBrk="0" hangingPunct="0">
-                <a:defRPr sz="3200">
-                  <a:solidFill>
-                    <a:schemeClr val="tx1"/>
-                  </a:solidFill>
-                  <a:latin typeface="Helvetica" pitchFamily="2" charset="0"/>
-                  <a:ea typeface="ＭＳ Ｐゴシック" panose="020B0600070205080204" pitchFamily="34" charset="-128"/>
-                </a:defRPr>
-              </a:lvl2pPr>
-              <a:lvl3pPr marL="1143000" indent="-228600" eaLnBrk="0" hangingPunct="0">
-                <a:defRPr sz="3200">
-                  <a:solidFill>
-                    <a:schemeClr val="tx1"/>
-                  </a:solidFill>
-                  <a:latin typeface="Helvetica" pitchFamily="2" charset="0"/>
-                  <a:ea typeface="ＭＳ Ｐゴシック" panose="020B0600070205080204" pitchFamily="34" charset="-128"/>
-                </a:defRPr>
-              </a:lvl3pPr>
-              <a:lvl4pPr marL="1600200" indent="-228600" eaLnBrk="0" hangingPunct="0">
-                <a:defRPr sz="3200">
-                  <a:solidFill>
-                    <a:schemeClr val="tx1"/>
-                  </a:solidFill>
-                  <a:latin typeface="Helvetica" pitchFamily="2" charset="0"/>
-                  <a:ea typeface="ＭＳ Ｐゴシック" panose="020B0600070205080204" pitchFamily="34" charset="-128"/>
-                </a:defRPr>
-              </a:lvl4pPr>
-              <a:lvl5pPr marL="2057400" indent="-228600" eaLnBrk="0" hangingPunct="0">
-                <a:defRPr sz="3200">
-                  <a:solidFill>
-                    <a:schemeClr val="tx1"/>
-                  </a:solidFill>
-                  <a:latin typeface="Helvetica" pitchFamily="2" charset="0"/>
-                  <a:ea typeface="ＭＳ Ｐゴシック" panose="020B0600070205080204" pitchFamily="34" charset="-128"/>
-                </a:defRPr>
-              </a:lvl5pPr>
-              <a:lvl6pPr marL="2514600" indent="-228600" eaLnBrk="0" fontAlgn="base" hangingPunct="0">
-                <a:spcBef>
-                  <a:spcPct val="0"/>
-                </a:spcBef>
-                <a:spcAft>
-                  <a:spcPct val="0"/>
-                </a:spcAft>
-                <a:defRPr sz="3200">
-                  <a:solidFill>
-                    <a:schemeClr val="tx1"/>
-                  </a:solidFill>
-                  <a:latin typeface="Helvetica" pitchFamily="2" charset="0"/>
-                  <a:ea typeface="ＭＳ Ｐゴシック" panose="020B0600070205080204" pitchFamily="34" charset="-128"/>
-                </a:defRPr>
-              </a:lvl6pPr>
-              <a:lvl7pPr marL="2971800" indent="-228600" eaLnBrk="0" fontAlgn="base" hangingPunct="0">
-                <a:spcBef>
-                  <a:spcPct val="0"/>
-                </a:spcBef>
-                <a:spcAft>
-                  <a:spcPct val="0"/>
-                </a:spcAft>
-                <a:defRPr sz="3200">
-                  <a:solidFill>
-                    <a:schemeClr val="tx1"/>
-                  </a:solidFill>
-                  <a:latin typeface="Helvetica" pitchFamily="2" charset="0"/>
-                  <a:ea typeface="ＭＳ Ｐゴシック" panose="020B0600070205080204" pitchFamily="34" charset="-128"/>
-                </a:defRPr>
-              </a:lvl7pPr>
-              <a:lvl8pPr marL="3429000" indent="-228600" eaLnBrk="0" fontAlgn="base" hangingPunct="0">
-                <a:spcBef>
-                  <a:spcPct val="0"/>
-                </a:spcBef>
-                <a:spcAft>
-                  <a:spcPct val="0"/>
-                </a:spcAft>
-                <a:defRPr sz="3200">
-                  <a:solidFill>
-                    <a:schemeClr val="tx1"/>
-                  </a:solidFill>
-                  <a:latin typeface="Helvetica" pitchFamily="2" charset="0"/>
-                  <a:ea typeface="ＭＳ Ｐゴシック" panose="020B0600070205080204" pitchFamily="34" charset="-128"/>
-                </a:defRPr>
-              </a:lvl8pPr>
-              <a:lvl9pPr marL="3886200" indent="-228600" eaLnBrk="0" fontAlgn="base" hangingPunct="0">
-                <a:spcBef>
-                  <a:spcPct val="0"/>
-                </a:spcBef>
-                <a:spcAft>
-                  <a:spcPct val="0"/>
-                </a:spcAft>
-                <a:defRPr sz="3200">
-                  <a:solidFill>
-                    <a:schemeClr val="tx1"/>
-                  </a:solidFill>
-                  <a:latin typeface="Helvetica" pitchFamily="2" charset="0"/>
-                  <a:ea typeface="ＭＳ Ｐゴシック" panose="020B0600070205080204" pitchFamily="34" charset="-128"/>
-                </a:defRPr>
-              </a:lvl9pPr>
-            </a:lstStyle>
-            <a:p>
-              <a:pPr eaLnBrk="1" hangingPunct="1">
-                <a:spcBef>
-                  <a:spcPct val="50000"/>
-                </a:spcBef>
-              </a:pPr>
-              <a:r>
-                <a:rPr lang="en-US" altLang="en-US" b="1" dirty="0">
-                  <a:solidFill>
-                    <a:srgbClr val="000000"/>
-                  </a:solidFill>
-                  <a:latin typeface="Calibri" panose="020F0502020204030204" pitchFamily="34" charset="0"/>
-                  <a:cs typeface="Calibri" panose="020F0502020204030204" pitchFamily="34" charset="0"/>
-                </a:rPr>
-                <a:t>Primary References</a:t>
-              </a:r>
-            </a:p>
-            <a:p>
-              <a:pPr eaLnBrk="1" hangingPunct="1">
-                <a:spcBef>
-                  <a:spcPts val="771"/>
-                </a:spcBef>
-              </a:pPr>
-              <a:r>
-                <a:rPr lang="en-US" altLang="en-US" sz="2400" dirty="0">
-                  <a:latin typeface="Calibri" panose="020F0502020204030204" pitchFamily="34" charset="0"/>
-                  <a:cs typeface="Calibri" panose="020F0502020204030204" pitchFamily="34" charset="0"/>
-                </a:rPr>
-                <a:t>Author, J. 2012. Article title. </a:t>
-              </a:r>
-              <a:r>
-                <a:rPr lang="en-US" altLang="en-US" sz="2400" i="1" dirty="0">
-                  <a:latin typeface="Calibri" panose="020F0502020204030204" pitchFamily="34" charset="0"/>
-                  <a:cs typeface="Calibri" panose="020F0502020204030204" pitchFamily="34" charset="0"/>
-                </a:rPr>
-                <a:t>Journal of Something</a:t>
-              </a:r>
-              <a:r>
-                <a:rPr lang="en-US" altLang="en-US" sz="2400" dirty="0">
-                  <a:latin typeface="Calibri" panose="020F0502020204030204" pitchFamily="34" charset="0"/>
-                  <a:cs typeface="Calibri" panose="020F0502020204030204" pitchFamily="34" charset="0"/>
-                </a:rPr>
-                <a:t> 1:1-2.</a:t>
-              </a:r>
-            </a:p>
-            <a:p>
-              <a:pPr eaLnBrk="1" hangingPunct="1"/>
-              <a:br>
-                <a:rPr lang="en-US" altLang="en-US" sz="1800" dirty="0">
-                  <a:latin typeface="Avenir Book" panose="02000503020000020003" pitchFamily="2" charset="0"/>
-                </a:rPr>
-              </a:br>
-              <a:endParaRPr lang="en-US" altLang="en-US" sz="1800" dirty="0">
-                <a:latin typeface="Avenir Book" panose="02000503020000020003" pitchFamily="2" charset="0"/>
-              </a:endParaRPr>
-            </a:p>
-            <a:p>
-              <a:pPr eaLnBrk="1" hangingPunct="1">
-                <a:spcBef>
-                  <a:spcPct val="10000"/>
-                </a:spcBef>
-              </a:pPr>
-              <a:endParaRPr lang="en-US" altLang="en-US" sz="1800" dirty="0">
-                <a:latin typeface="Avenir Book" panose="02000503020000020003" pitchFamily="2" charset="0"/>
-              </a:endParaRPr>
-            </a:p>
-          </p:txBody>
-        </p:sp>
-        <p:sp>
-          <p:nvSpPr>
-            <p:cNvPr id="14347" name="Text Box 70">
-              <a:extLst>
-                <a:ext uri="{FF2B5EF4-FFF2-40B4-BE49-F238E27FC236}">
-                  <a16:creationId xmlns:a16="http://schemas.microsoft.com/office/drawing/2014/main" id="{4772201D-98FD-40DC-CE9D-CCD6C757C830}"/>
-                </a:ext>
-              </a:extLst>
-            </p:cNvPr>
-            <p:cNvSpPr txBox="1">
-              <a:spLocks noChangeAspect="1" noChangeArrowheads="1"/>
-            </p:cNvSpPr>
-            <p:nvPr/>
-          </p:nvSpPr>
-          <p:spPr bwMode="auto">
-            <a:xfrm>
-              <a:off x="22155828" y="18418629"/>
-              <a:ext cx="9601200" cy="2286000"/>
-            </a:xfrm>
-            <a:prstGeom prst="rect">
-              <a:avLst/>
-            </a:prstGeom>
-            <a:solidFill>
-              <a:schemeClr val="bg1"/>
-            </a:solidFill>
-            <a:ln w="38100">
-              <a:solidFill>
-                <a:srgbClr val="004FA2"/>
-              </a:solidFill>
-              <a:round/>
-              <a:headEnd/>
-              <a:tailEnd/>
-            </a:ln>
-          </p:spPr>
-          <p:txBody>
-            <a:bodyPr lIns="274320" tIns="182880" rIns="274320" bIns="182880"/>
-            <a:lstStyle>
-              <a:lvl1pPr eaLnBrk="0" hangingPunct="0">
-                <a:defRPr sz="3200">
-                  <a:solidFill>
-                    <a:schemeClr val="tx1"/>
-                  </a:solidFill>
-                  <a:latin typeface="Helvetica" pitchFamily="2" charset="0"/>
-                  <a:ea typeface="ＭＳ Ｐゴシック" panose="020B0600070205080204" pitchFamily="34" charset="-128"/>
-                </a:defRPr>
-              </a:lvl1pPr>
-              <a:lvl2pPr marL="742950" indent="-285750" eaLnBrk="0" hangingPunct="0">
-                <a:defRPr sz="3200">
-                  <a:solidFill>
-                    <a:schemeClr val="tx1"/>
-                  </a:solidFill>
-                  <a:latin typeface="Helvetica" pitchFamily="2" charset="0"/>
-                  <a:ea typeface="ＭＳ Ｐゴシック" panose="020B0600070205080204" pitchFamily="34" charset="-128"/>
-                </a:defRPr>
-              </a:lvl2pPr>
-              <a:lvl3pPr marL="1143000" indent="-228600" eaLnBrk="0" hangingPunct="0">
-                <a:defRPr sz="3200">
-                  <a:solidFill>
-                    <a:schemeClr val="tx1"/>
-                  </a:solidFill>
-                  <a:latin typeface="Helvetica" pitchFamily="2" charset="0"/>
-                  <a:ea typeface="ＭＳ Ｐゴシック" panose="020B0600070205080204" pitchFamily="34" charset="-128"/>
-                </a:defRPr>
-              </a:lvl3pPr>
-              <a:lvl4pPr marL="1600200" indent="-228600" eaLnBrk="0" hangingPunct="0">
-                <a:defRPr sz="3200">
-                  <a:solidFill>
-                    <a:schemeClr val="tx1"/>
-                  </a:solidFill>
-                  <a:latin typeface="Helvetica" pitchFamily="2" charset="0"/>
-                  <a:ea typeface="ＭＳ Ｐゴシック" panose="020B0600070205080204" pitchFamily="34" charset="-128"/>
-                </a:defRPr>
-              </a:lvl4pPr>
-              <a:lvl5pPr marL="2057400" indent="-228600" eaLnBrk="0" hangingPunct="0">
-                <a:defRPr sz="3200">
-                  <a:solidFill>
-                    <a:schemeClr val="tx1"/>
-                  </a:solidFill>
-                  <a:latin typeface="Helvetica" pitchFamily="2" charset="0"/>
-                  <a:ea typeface="ＭＳ Ｐゴシック" panose="020B0600070205080204" pitchFamily="34" charset="-128"/>
-                </a:defRPr>
-              </a:lvl5pPr>
-              <a:lvl6pPr marL="2514600" indent="-228600" eaLnBrk="0" fontAlgn="base" hangingPunct="0">
-                <a:spcBef>
-                  <a:spcPct val="0"/>
-                </a:spcBef>
-                <a:spcAft>
-                  <a:spcPct val="0"/>
-                </a:spcAft>
-                <a:defRPr sz="3200">
-                  <a:solidFill>
-                    <a:schemeClr val="tx1"/>
-                  </a:solidFill>
-                  <a:latin typeface="Helvetica" pitchFamily="2" charset="0"/>
-                  <a:ea typeface="ＭＳ Ｐゴシック" panose="020B0600070205080204" pitchFamily="34" charset="-128"/>
-                </a:defRPr>
-              </a:lvl6pPr>
-              <a:lvl7pPr marL="2971800" indent="-228600" eaLnBrk="0" fontAlgn="base" hangingPunct="0">
-                <a:spcBef>
-                  <a:spcPct val="0"/>
-                </a:spcBef>
-                <a:spcAft>
-                  <a:spcPct val="0"/>
-                </a:spcAft>
-                <a:defRPr sz="3200">
-                  <a:solidFill>
-                    <a:schemeClr val="tx1"/>
-                  </a:solidFill>
-                  <a:latin typeface="Helvetica" pitchFamily="2" charset="0"/>
-                  <a:ea typeface="ＭＳ Ｐゴシック" panose="020B0600070205080204" pitchFamily="34" charset="-128"/>
-                </a:defRPr>
-              </a:lvl7pPr>
-              <a:lvl8pPr marL="3429000" indent="-228600" eaLnBrk="0" fontAlgn="base" hangingPunct="0">
-                <a:spcBef>
-                  <a:spcPct val="0"/>
-                </a:spcBef>
-                <a:spcAft>
-                  <a:spcPct val="0"/>
-                </a:spcAft>
-                <a:defRPr sz="3200">
-                  <a:solidFill>
-                    <a:schemeClr val="tx1"/>
-                  </a:solidFill>
-                  <a:latin typeface="Helvetica" pitchFamily="2" charset="0"/>
-                  <a:ea typeface="ＭＳ Ｐゴシック" panose="020B0600070205080204" pitchFamily="34" charset="-128"/>
-                </a:defRPr>
-              </a:lvl8pPr>
-              <a:lvl9pPr marL="3886200" indent="-228600" eaLnBrk="0" fontAlgn="base" hangingPunct="0">
-                <a:spcBef>
-                  <a:spcPct val="0"/>
-                </a:spcBef>
-                <a:spcAft>
-                  <a:spcPct val="0"/>
-                </a:spcAft>
-                <a:defRPr sz="3200">
-                  <a:solidFill>
-                    <a:schemeClr val="tx1"/>
-                  </a:solidFill>
-                  <a:latin typeface="Helvetica" pitchFamily="2" charset="0"/>
-                  <a:ea typeface="ＭＳ Ｐゴシック" panose="020B0600070205080204" pitchFamily="34" charset="-128"/>
-                </a:defRPr>
-              </a:lvl9pPr>
-            </a:lstStyle>
-            <a:p>
-              <a:pPr eaLnBrk="1" hangingPunct="1">
-                <a:spcBef>
-                  <a:spcPct val="50000"/>
-                </a:spcBef>
-              </a:pPr>
-              <a:r>
-                <a:rPr lang="en-US" altLang="en-US" b="1" dirty="0">
-                  <a:solidFill>
-                    <a:srgbClr val="000000"/>
-                  </a:solidFill>
-                  <a:latin typeface="Calibri" panose="020F0502020204030204" pitchFamily="34" charset="0"/>
-                  <a:cs typeface="Calibri" panose="020F0502020204030204" pitchFamily="34" charset="0"/>
-                </a:rPr>
-                <a:t>Acknowledgments</a:t>
-              </a:r>
-            </a:p>
-            <a:p>
-              <a:pPr marL="342900" indent="-342900" eaLnBrk="1" hangingPunct="1">
-                <a:spcBef>
-                  <a:spcPct val="10000"/>
-                </a:spcBef>
-                <a:buFont typeface="Arial" panose="020B0604020202020204" pitchFamily="34" charset="0"/>
-                <a:buChar char="•"/>
-              </a:pPr>
-              <a:r>
-                <a:rPr lang="en-US" altLang="en-US" sz="2400" dirty="0">
-                  <a:latin typeface="Calibri" panose="020F0502020204030204" pitchFamily="34" charset="0"/>
-                  <a:cs typeface="Calibri" panose="020F0502020204030204" pitchFamily="34" charset="0"/>
-                </a:rPr>
-                <a:t>Funding from Blair Jones Mathematical Endowment (or Department of Mathematics and Statistics)</a:t>
-              </a:r>
-            </a:p>
-            <a:p>
-              <a:pPr marL="342900" indent="-342900" eaLnBrk="1" hangingPunct="1">
-                <a:spcBef>
-                  <a:spcPct val="10000"/>
-                </a:spcBef>
-                <a:buFont typeface="Arial" panose="020B0604020202020204" pitchFamily="34" charset="0"/>
-                <a:buChar char="•"/>
-              </a:pPr>
-              <a:r>
-                <a:rPr lang="en-US" altLang="en-US" sz="2400" dirty="0">
-                  <a:latin typeface="Calibri" panose="020F0502020204030204" pitchFamily="34" charset="0"/>
-                  <a:cs typeface="Calibri" panose="020F0502020204030204" pitchFamily="34" charset="0"/>
-                </a:rPr>
-                <a:t>Faculty Mentor</a:t>
-              </a:r>
-            </a:p>
-            <a:p>
-              <a:pPr marL="342900" indent="-342900" eaLnBrk="1" hangingPunct="1">
-                <a:spcBef>
-                  <a:spcPct val="10000"/>
-                </a:spcBef>
-                <a:buFont typeface="Arial" panose="020B0604020202020204" pitchFamily="34" charset="0"/>
-                <a:buChar char="•"/>
-              </a:pPr>
-              <a:r>
-                <a:rPr lang="en-US" altLang="en-US" sz="2400" dirty="0">
-                  <a:latin typeface="Calibri" panose="020F0502020204030204" pitchFamily="34" charset="0"/>
-                  <a:cs typeface="Calibri" panose="020F0502020204030204" pitchFamily="34" charset="0"/>
-                </a:rPr>
-                <a:t>Others</a:t>
-              </a:r>
-              <a:endParaRPr lang="en-US" altLang="en-US" sz="2000" dirty="0">
-                <a:latin typeface="Calibri" panose="020F0502020204030204" pitchFamily="34" charset="0"/>
-                <a:cs typeface="Calibri" panose="020F0502020204030204" pitchFamily="34" charset="0"/>
-              </a:endParaRPr>
-            </a:p>
-          </p:txBody>
-        </p:sp>
-      </p:grpSp>
-      <p:pic>
-        <p:nvPicPr>
-          <p:cNvPr id="9" name="Picture 8" descr="A picture containing icon&#10;&#10;Description automatically generated">
-            <a:extLst>
-              <a:ext uri="{FF2B5EF4-FFF2-40B4-BE49-F238E27FC236}">
-                <a16:creationId xmlns:a16="http://schemas.microsoft.com/office/drawing/2014/main" id="{B18FAB5E-437A-A385-6899-05CD0FFB7F41}"/>
-              </a:ext>
-            </a:extLst>
-          </p:cNvPr>
-          <p:cNvPicPr>
-            <a:picLocks noChangeAspect="1"/>
-          </p:cNvPicPr>
-          <p:nvPr/>
-        </p:nvPicPr>
-        <p:blipFill>
-          <a:blip r:embed="rId4"/>
-          <a:stretch>
-            <a:fillRect/>
-          </a:stretch>
-        </p:blipFill>
-        <p:spPr>
-          <a:xfrm>
-            <a:off x="30066344" y="1502230"/>
-            <a:ext cx="1502228" cy="1502228"/>
-          </a:xfrm>
-          <a:prstGeom prst="rect">
-            <a:avLst/>
-          </a:prstGeom>
-        </p:spPr>
-      </p:pic>
-      <p:sp>
-        <p:nvSpPr>
-          <p:cNvPr id="24" name="Text Box 11">
-            <a:extLst>
-              <a:ext uri="{FF2B5EF4-FFF2-40B4-BE49-F238E27FC236}">
-                <a16:creationId xmlns:a16="http://schemas.microsoft.com/office/drawing/2014/main" id="{BFE10A64-2DD5-7A17-6C73-6B297FA9B624}"/>
-              </a:ext>
-            </a:extLst>
-          </p:cNvPr>
-          <p:cNvSpPr txBox="1">
-            <a:spLocks noChangeArrowheads="1"/>
-          </p:cNvSpPr>
-          <p:nvPr/>
-        </p:nvSpPr>
-        <p:spPr bwMode="auto">
-          <a:xfrm>
-            <a:off x="24904815" y="10914287"/>
-            <a:ext cx="6766560" cy="6858000"/>
-          </a:xfrm>
-          <a:prstGeom prst="rect">
-            <a:avLst/>
-          </a:prstGeom>
-          <a:solidFill>
-            <a:schemeClr val="bg1"/>
-          </a:solidFill>
-          <a:ln w="38100">
-            <a:solidFill>
-              <a:srgbClr val="004FA2"/>
-            </a:solidFill>
-            <a:round/>
-            <a:headEnd/>
-            <a:tailEnd/>
-          </a:ln>
-        </p:spPr>
-        <p:txBody>
-          <a:bodyPr lIns="587829" tIns="293914" rIns="587829" bIns="587829"/>
-          <a:lstStyle>
-            <a:lvl1pPr eaLnBrk="0" hangingPunct="0">
-              <a:tabLst>
-                <a:tab pos="508000" algn="l"/>
-              </a:tabLst>
-              <a:defRPr sz="3200">
-                <a:solidFill>
-                  <a:schemeClr val="tx1"/>
-                </a:solidFill>
-                <a:latin typeface="Helvetica" pitchFamily="2" charset="0"/>
-                <a:ea typeface="ＭＳ Ｐゴシック" panose="020B0600070205080204" pitchFamily="34" charset="-128"/>
-              </a:defRPr>
-            </a:lvl1pPr>
-            <a:lvl2pPr marL="742950" indent="-285750" eaLnBrk="0" hangingPunct="0">
-              <a:tabLst>
-                <a:tab pos="508000" algn="l"/>
-              </a:tabLst>
-              <a:defRPr sz="3200">
-                <a:solidFill>
-                  <a:schemeClr val="tx1"/>
-                </a:solidFill>
-                <a:latin typeface="Helvetica" pitchFamily="2" charset="0"/>
-                <a:ea typeface="ＭＳ Ｐゴシック" panose="020B0600070205080204" pitchFamily="34" charset="-128"/>
-              </a:defRPr>
-            </a:lvl2pPr>
-            <a:lvl3pPr marL="1143000" indent="-228600" eaLnBrk="0" hangingPunct="0">
-              <a:tabLst>
-                <a:tab pos="508000" algn="l"/>
-              </a:tabLst>
-              <a:defRPr sz="3200">
-                <a:solidFill>
-                  <a:schemeClr val="tx1"/>
-                </a:solidFill>
-                <a:latin typeface="Helvetica" pitchFamily="2" charset="0"/>
-                <a:ea typeface="ＭＳ Ｐゴシック" panose="020B0600070205080204" pitchFamily="34" charset="-128"/>
-              </a:defRPr>
-            </a:lvl3pPr>
-            <a:lvl4pPr marL="1600200" indent="-228600" eaLnBrk="0" hangingPunct="0">
-              <a:tabLst>
-                <a:tab pos="508000" algn="l"/>
-              </a:tabLst>
-              <a:defRPr sz="3200">
-                <a:solidFill>
-                  <a:schemeClr val="tx1"/>
-                </a:solidFill>
-                <a:latin typeface="Helvetica" pitchFamily="2" charset="0"/>
-                <a:ea typeface="ＭＳ Ｐゴシック" panose="020B0600070205080204" pitchFamily="34" charset="-128"/>
-              </a:defRPr>
-            </a:lvl4pPr>
-            <a:lvl5pPr marL="2057400" indent="-228600" eaLnBrk="0" hangingPunct="0">
-              <a:tabLst>
-                <a:tab pos="508000" algn="l"/>
-              </a:tabLst>
-              <a:defRPr sz="3200">
-                <a:solidFill>
-                  <a:schemeClr val="tx1"/>
-                </a:solidFill>
-                <a:latin typeface="Helvetica" pitchFamily="2" charset="0"/>
-                <a:ea typeface="ＭＳ Ｐゴシック" panose="020B0600070205080204" pitchFamily="34" charset="-128"/>
-              </a:defRPr>
-            </a:lvl5pPr>
-            <a:lvl6pPr marL="2514600" indent="-228600" eaLnBrk="0" fontAlgn="base" hangingPunct="0">
-              <a:spcBef>
-                <a:spcPct val="0"/>
-              </a:spcBef>
-              <a:spcAft>
-                <a:spcPct val="0"/>
-              </a:spcAft>
-              <a:tabLst>
-                <a:tab pos="508000" algn="l"/>
-              </a:tabLst>
-              <a:defRPr sz="3200">
-                <a:solidFill>
-                  <a:schemeClr val="tx1"/>
-                </a:solidFill>
-                <a:latin typeface="Helvetica" pitchFamily="2" charset="0"/>
-                <a:ea typeface="ＭＳ Ｐゴシック" panose="020B0600070205080204" pitchFamily="34" charset="-128"/>
-              </a:defRPr>
-            </a:lvl6pPr>
-            <a:lvl7pPr marL="2971800" indent="-228600" eaLnBrk="0" fontAlgn="base" hangingPunct="0">
-              <a:spcBef>
-                <a:spcPct val="0"/>
-              </a:spcBef>
-              <a:spcAft>
-                <a:spcPct val="0"/>
-              </a:spcAft>
-              <a:tabLst>
-                <a:tab pos="508000" algn="l"/>
-              </a:tabLst>
-              <a:defRPr sz="3200">
-                <a:solidFill>
-                  <a:schemeClr val="tx1"/>
-                </a:solidFill>
-                <a:latin typeface="Helvetica" pitchFamily="2" charset="0"/>
-                <a:ea typeface="ＭＳ Ｐゴシック" panose="020B0600070205080204" pitchFamily="34" charset="-128"/>
-              </a:defRPr>
-            </a:lvl7pPr>
-            <a:lvl8pPr marL="3429000" indent="-228600" eaLnBrk="0" fontAlgn="base" hangingPunct="0">
-              <a:spcBef>
-                <a:spcPct val="0"/>
-              </a:spcBef>
-              <a:spcAft>
-                <a:spcPct val="0"/>
-              </a:spcAft>
-              <a:tabLst>
-                <a:tab pos="508000" algn="l"/>
-              </a:tabLst>
-              <a:defRPr sz="3200">
-                <a:solidFill>
-                  <a:schemeClr val="tx1"/>
-                </a:solidFill>
-                <a:latin typeface="Helvetica" pitchFamily="2" charset="0"/>
-                <a:ea typeface="ＭＳ Ｐゴシック" panose="020B0600070205080204" pitchFamily="34" charset="-128"/>
-              </a:defRPr>
-            </a:lvl8pPr>
-            <a:lvl9pPr marL="3886200" indent="-228600" eaLnBrk="0" fontAlgn="base" hangingPunct="0">
-              <a:spcBef>
-                <a:spcPct val="0"/>
-              </a:spcBef>
-              <a:spcAft>
-                <a:spcPct val="0"/>
-              </a:spcAft>
-              <a:tabLst>
-                <a:tab pos="508000" algn="l"/>
-              </a:tabLst>
-              <a:defRPr sz="3200">
-                <a:solidFill>
-                  <a:schemeClr val="tx1"/>
-                </a:solidFill>
-                <a:latin typeface="Helvetica" pitchFamily="2" charset="0"/>
-                <a:ea typeface="ＭＳ Ｐゴシック" panose="020B0600070205080204" pitchFamily="34" charset="-128"/>
-              </a:defRPr>
-            </a:lvl9pPr>
-          </a:lstStyle>
-          <a:p>
-            <a:pPr algn="just" eaLnBrk="1" hangingPunct="1">
-              <a:spcBef>
-                <a:spcPct val="50000"/>
-              </a:spcBef>
-            </a:pPr>
-            <a:r>
-              <a:rPr lang="en-US" altLang="en-US" b="1" dirty="0">
-                <a:solidFill>
-                  <a:srgbClr val="000000"/>
-                </a:solidFill>
-                <a:latin typeface="Calibri" panose="020F0502020204030204" pitchFamily="34" charset="0"/>
-                <a:cs typeface="Calibri" panose="020F0502020204030204" pitchFamily="34" charset="0"/>
-              </a:rPr>
-              <a:t>Assumptions/Limitations/ Challenges or Secondary Results</a:t>
-            </a:r>
-            <a:endParaRPr lang="en-US" altLang="en-US" dirty="0">
-              <a:latin typeface="Calibri" panose="020F0502020204030204" pitchFamily="34" charset="0"/>
-              <a:cs typeface="Calibri" panose="020F0502020204030204" pitchFamily="34" charset="0"/>
-            </a:endParaRPr>
-          </a:p>
-          <a:p>
-            <a:pPr marL="457200" indent="-457200" eaLnBrk="1" hangingPunct="1">
-              <a:spcBef>
-                <a:spcPct val="10000"/>
-              </a:spcBef>
-              <a:buFont typeface="Arial" panose="020B0604020202020204" pitchFamily="34" charset="0"/>
-              <a:buChar char="•"/>
-            </a:pPr>
-            <a:r>
-              <a:rPr lang="en-US" altLang="en-US" dirty="0">
-                <a:latin typeface="Calibri" panose="020F0502020204030204" pitchFamily="34" charset="0"/>
-                <a:cs typeface="Calibri" panose="020F0502020204030204" pitchFamily="34" charset="0"/>
-              </a:rPr>
-              <a:t>What  constrained the approach</a:t>
-            </a:r>
-          </a:p>
-          <a:p>
-            <a:pPr marL="457200" indent="-457200" eaLnBrk="1" hangingPunct="1">
-              <a:spcBef>
-                <a:spcPct val="10000"/>
-              </a:spcBef>
-              <a:buFont typeface="Arial" panose="020B0604020202020204" pitchFamily="34" charset="0"/>
-              <a:buChar char="•"/>
-            </a:pPr>
-            <a:r>
-              <a:rPr lang="en-US" altLang="en-US" dirty="0">
-                <a:latin typeface="Calibri" panose="020F0502020204030204" pitchFamily="34" charset="0"/>
-                <a:cs typeface="Calibri" panose="020F0502020204030204" pitchFamily="34" charset="0"/>
-              </a:rPr>
-              <a:t>What assumptions need to be checked or were checked</a:t>
-            </a:r>
-          </a:p>
-          <a:p>
-            <a:pPr marL="457200" indent="-457200" eaLnBrk="1" hangingPunct="1">
-              <a:spcBef>
-                <a:spcPct val="10000"/>
-              </a:spcBef>
-              <a:buFont typeface="Arial" panose="020B0604020202020204" pitchFamily="34" charset="0"/>
-              <a:buChar char="•"/>
-            </a:pPr>
-            <a:endParaRPr lang="en-US" altLang="en-US" dirty="0">
-              <a:latin typeface="Calibri" panose="020F0502020204030204" pitchFamily="34" charset="0"/>
-              <a:cs typeface="Calibri" panose="020F0502020204030204" pitchFamily="34" charset="0"/>
-            </a:endParaRPr>
-          </a:p>
-        </p:txBody>
-      </p:sp>
-    </p:spTree>
-    <p:extLst>
-      <p:ext uri="{BB962C8B-B14F-4D97-AF65-F5344CB8AC3E}">
-        <p14:creationId xmlns:p14="http://schemas.microsoft.com/office/powerpoint/2010/main" val="2968404579"/>
-      </p:ext>
-    </p:extLst>
   </p:cSld>
   <p:clrMapOvr>
     <a:overrideClrMapping bg1="lt1" tx1="dk1" bg2="lt2" tx2="dk2" accent1="accent1" accent2="accent2" accent3="accent3" accent4="accent4" accent5="accent5" accent6="accent6" hlink="hlink" folHlink="folHlink"/>
@@ -11361,47 +8757,4 @@
     </a:folHlink>
   </a:clrScheme>
 </a:themeOverride>
-</file>
-
-<file path=ppt/theme/themeOverride2.xml><?xml version="1.0" encoding="utf-8"?>
-<a:themeOverride xmlns:a="http://schemas.openxmlformats.org/drawingml/2006/main">
-  <a:clrScheme name="Default Design 3">
-    <a:dk1>
-      <a:srgbClr val="000000"/>
-    </a:dk1>
-    <a:lt1>
-      <a:srgbClr val="FFFFFF"/>
-    </a:lt1>
-    <a:dk2>
-      <a:srgbClr val="000000"/>
-    </a:dk2>
-    <a:lt2>
-      <a:srgbClr val="333333"/>
-    </a:lt2>
-    <a:accent1>
-      <a:srgbClr val="DDDDDD"/>
-    </a:accent1>
-    <a:accent2>
-      <a:srgbClr val="808080"/>
-    </a:accent2>
-    <a:accent3>
-      <a:srgbClr val="FFFFFF"/>
-    </a:accent3>
-    <a:accent4>
-      <a:srgbClr val="000000"/>
-    </a:accent4>
-    <a:accent5>
-      <a:srgbClr val="EBEBEB"/>
-    </a:accent5>
-    <a:accent6>
-      <a:srgbClr val="737373"/>
-    </a:accent6>
-    <a:hlink>
-      <a:srgbClr val="4D4D4D"/>
-    </a:hlink>
-    <a:folHlink>
-      <a:srgbClr val="EAEAEA"/>
-    </a:folHlink>
-  </a:clrScheme>
-</a:themeOverride>
 </file>
--- a/poster/H1B_Poster.pptx
+++ b/poster/H1B_Poster.pptx
@@ -321,7 +321,7 @@
             <a:fld id="{1E44E51C-57D0-6B4C-9C03-A3E12CE0FF75}" type="datetime1">
               <a:rPr lang="en-US" altLang="en-US"/>
               <a:pPr/>
-              <a:t>12/7/2022</a:t>
+              <a:t>12/7/22</a:t>
             </a:fld>
             <a:endParaRPr lang="en-US" altLang="en-US"/>
           </a:p>
@@ -5648,14 +5648,14 @@
           </a:ln>
           <a:extLst>
             <a:ext uri="{909E8E84-426E-40dd-AFC4-6F175D3DCCD1}">
-              <a14:hiddenFill xmlns="" xmlns:a14="http://schemas.microsoft.com/office/drawing/2010/main">
+              <a14:hiddenFill xmlns:a14="http://schemas.microsoft.com/office/drawing/2010/main" xmlns="">
                 <a:solidFill>
                   <a:srgbClr val="FFFFFF"/>
                 </a:solidFill>
               </a14:hiddenFill>
             </a:ext>
             <a:ext uri="{91240B29-F687-4f45-9708-019B960494DF}">
-              <a14:hiddenLine xmlns="" xmlns:a14="http://schemas.microsoft.com/office/drawing/2010/main" w="9525">
+              <a14:hiddenLine xmlns:a14="http://schemas.microsoft.com/office/drawing/2010/main" xmlns="" w="9525">
                 <a:solidFill>
                   <a:srgbClr val="000000"/>
                 </a:solidFill>
@@ -6083,7 +6083,75 @@
                   <a:latin typeface="Calibri" panose="020F0502020204030204" pitchFamily="34" charset="0"/>
                   <a:cs typeface="Calibri" panose="020F0502020204030204" pitchFamily="34" charset="0"/>
                 </a:rPr>
-                <a:t>Primary References</a:t>
+                <a:t>Primary References - </a:t>
+              </a:r>
+              <a:r>
+                <a:rPr lang="en-US" altLang="en-US" sz="2800" dirty="0">
+                  <a:latin typeface="Calibri" panose="020F0502020204030204" pitchFamily="34" charset="0"/>
+                  <a:cs typeface="Calibri" panose="020F0502020204030204" pitchFamily="34" charset="0"/>
+                </a:rPr>
+                <a:t>US Department of Labor</a:t>
+              </a:r>
+              <a:endParaRPr lang="en-US" altLang="en-US" sz="2400" dirty="0">
+                <a:latin typeface="Calibri" panose="020F0502020204030204" pitchFamily="34" charset="0"/>
+                <a:cs typeface="Calibri" panose="020F0502020204030204" pitchFamily="34" charset="0"/>
+              </a:endParaRPr>
+            </a:p>
+            <a:p>
+              <a:pPr eaLnBrk="1" hangingPunct="1">
+                <a:spcBef>
+                  <a:spcPts val="771"/>
+                </a:spcBef>
+              </a:pPr>
+              <a:r>
+                <a:rPr lang="en-US" sz="1400" b="0" i="0" dirty="0">
+                  <a:solidFill>
+                    <a:srgbClr val="222222"/>
+                  </a:solidFill>
+                  <a:effectLst/>
+                  <a:latin typeface="Arial" panose="020B0604020202020204" pitchFamily="34" charset="0"/>
+                </a:rPr>
+                <a:t>Thakur, P., Singh, M., Singh, H., &amp; Rana, P. S. (2018). An allotment of H1B work VISA in USA using machine learning. </a:t>
+              </a:r>
+              <a:r>
+                <a:rPr lang="en-US" sz="1400" b="0" i="1" dirty="0">
+                  <a:solidFill>
+                    <a:srgbClr val="222222"/>
+                  </a:solidFill>
+                  <a:effectLst/>
+                  <a:latin typeface="Arial" panose="020B0604020202020204" pitchFamily="34" charset="0"/>
+                </a:rPr>
+                <a:t>International Journal of Engineering &amp; Technology</a:t>
+              </a:r>
+              <a:r>
+                <a:rPr lang="en-US" sz="1400" b="0" i="0" dirty="0">
+                  <a:solidFill>
+                    <a:srgbClr val="222222"/>
+                  </a:solidFill>
+                  <a:effectLst/>
+                  <a:latin typeface="Arial" panose="020B0604020202020204" pitchFamily="34" charset="0"/>
+                </a:rPr>
+                <a:t>, </a:t>
+              </a:r>
+              <a:r>
+                <a:rPr lang="en-US" sz="1400" b="0" i="1" dirty="0">
+                  <a:solidFill>
+                    <a:srgbClr val="222222"/>
+                  </a:solidFill>
+                  <a:effectLst/>
+                  <a:latin typeface="Arial" panose="020B0604020202020204" pitchFamily="34" charset="0"/>
+                </a:rPr>
+                <a:t>7</a:t>
+              </a:r>
+              <a:r>
+                <a:rPr lang="en-US" sz="1400" b="0" i="0" dirty="0">
+                  <a:solidFill>
+                    <a:srgbClr val="222222"/>
+                  </a:solidFill>
+                  <a:effectLst/>
+                  <a:latin typeface="Arial" panose="020B0604020202020204" pitchFamily="34" charset="0"/>
+                </a:rPr>
+                <a:t>(2.27), 93-103.</a:t>
               </a:r>
             </a:p>
             <a:p>
@@ -6093,12 +6161,99 @@
                 </a:spcBef>
               </a:pPr>
               <a:r>
-                <a:rPr lang="en-US" altLang="en-US" sz="2400" dirty="0">
-                  <a:latin typeface="Calibri" panose="020F0502020204030204" pitchFamily="34" charset="0"/>
-                  <a:cs typeface="Calibri" panose="020F0502020204030204" pitchFamily="34" charset="0"/>
+                <a:rPr lang="en-US" sz="1400" b="0" i="0" dirty="0">
+                  <a:solidFill>
+                    <a:srgbClr val="222222"/>
+                  </a:solidFill>
+                  <a:effectLst/>
+                  <a:latin typeface="Arial" panose="020B0604020202020204" pitchFamily="34" charset="0"/>
                 </a:rPr>
-                <a:t>US Department of Labor</a:t>
+                <a:t>Swain, D., Chakraborty, K., </a:t>
               </a:r>
+              <a:r>
+                <a:rPr lang="en-US" sz="1400" b="0" i="0" dirty="0" err="1">
+                  <a:solidFill>
+                    <a:srgbClr val="222222"/>
+                  </a:solidFill>
+                  <a:effectLst/>
+                  <a:latin typeface="Arial" panose="020B0604020202020204" pitchFamily="34" charset="0"/>
+                </a:rPr>
+                <a:t>Dombe</a:t>
+              </a:r>
+              <a:r>
+                <a:rPr lang="en-US" sz="1400" b="0" i="0" dirty="0">
+                  <a:solidFill>
+                    <a:srgbClr val="222222"/>
+                  </a:solidFill>
+                  <a:effectLst/>
+                  <a:latin typeface="Arial" panose="020B0604020202020204" pitchFamily="34" charset="0"/>
+                </a:rPr>
+                <a:t>, A., </a:t>
+              </a:r>
+              <a:r>
+                <a:rPr lang="en-US" sz="1400" b="0" i="0" dirty="0" err="1">
+                  <a:solidFill>
+                    <a:srgbClr val="222222"/>
+                  </a:solidFill>
+                  <a:effectLst/>
+                  <a:latin typeface="Arial" panose="020B0604020202020204" pitchFamily="34" charset="0"/>
+                </a:rPr>
+                <a:t>Ashture</a:t>
+              </a:r>
+              <a:r>
+                <a:rPr lang="en-US" sz="1400" b="0" i="0" dirty="0">
+                  <a:solidFill>
+                    <a:srgbClr val="222222"/>
+                  </a:solidFill>
+                  <a:effectLst/>
+                  <a:latin typeface="Arial" panose="020B0604020202020204" pitchFamily="34" charset="0"/>
+                </a:rPr>
+                <a:t>, A., &amp; </a:t>
+              </a:r>
+              <a:r>
+                <a:rPr lang="en-US" sz="1400" b="0" i="0" dirty="0" err="1">
+                  <a:solidFill>
+                    <a:srgbClr val="222222"/>
+                  </a:solidFill>
+                  <a:effectLst/>
+                  <a:latin typeface="Arial" panose="020B0604020202020204" pitchFamily="34" charset="0"/>
+                </a:rPr>
+                <a:t>Valakunde</a:t>
+              </a:r>
+              <a:r>
+                <a:rPr lang="en-US" sz="1400" b="0" i="0" dirty="0">
+                  <a:solidFill>
+                    <a:srgbClr val="222222"/>
+                  </a:solidFill>
+                  <a:effectLst/>
+                  <a:latin typeface="Arial" panose="020B0604020202020204" pitchFamily="34" charset="0"/>
+                </a:rPr>
+                <a:t>, N. (2018, December). Prediction of H1B Visa Using Machine Learning Algorithms. In </a:t>
+              </a:r>
+              <a:r>
+                <a:rPr lang="en-US" sz="1400" b="0" i="1" dirty="0">
+                  <a:solidFill>
+                    <a:srgbClr val="222222"/>
+                  </a:solidFill>
+                  <a:effectLst/>
+                  <a:latin typeface="Arial" panose="020B0604020202020204" pitchFamily="34" charset="0"/>
+                </a:rPr>
+                <a:t>2018 International Conference on Advanced Computation and Telecommunication (ICACAT)</a:t>
+              </a:r>
+              <a:r>
+                <a:rPr lang="en-US" sz="1400" b="0" i="0" dirty="0">
+                  <a:solidFill>
+                    <a:srgbClr val="222222"/>
+                  </a:solidFill>
+                  <a:effectLst/>
+                  <a:latin typeface="Arial" panose="020B0604020202020204" pitchFamily="34" charset="0"/>
+                </a:rPr>
+                <a:t> (pp. 1-7). IEEE.</a:t>
+              </a:r>
+              <a:endParaRPr lang="en-US" altLang="en-US" sz="2400" dirty="0">
+                <a:latin typeface="Calibri" panose="020F0502020204030204" pitchFamily="34" charset="0"/>
+                <a:cs typeface="Calibri" panose="020F0502020204030204" pitchFamily="34" charset="0"/>
+              </a:endParaRPr>
             </a:p>
             <a:p>
               <a:pPr eaLnBrk="1" hangingPunct="1">
@@ -6664,13 +6819,13 @@
           <p:nvPr>
             <p:extLst>
               <p:ext uri="{D42A27DB-BD31-4B8C-83A1-F6EECF244321}">
-                <p14:modId xmlns:p14="http://schemas.microsoft.com/office/powerpoint/2010/main" val="2739245028"/>
+                <p14:modId xmlns:p14="http://schemas.microsoft.com/office/powerpoint/2010/main" val="294365757"/>
               </p:ext>
             </p:extLst>
           </p:nvPr>
         </p:nvGraphicFramePr>
         <p:xfrm>
-          <a:off x="9437563" y="5258172"/>
+          <a:off x="9281590" y="5599415"/>
           <a:ext cx="14217447" cy="11134308"/>
         </p:xfrm>
         <a:graphic>

--- a/poster/H1B_Poster.pptx
+++ b/poster/H1B_Poster.pptx
@@ -206,6 +206,35 @@
 </p:presentation>
 </file>
 
+<file path=ppt/changesInfos/changesInfo1.xml><?xml version="1.0" encoding="utf-8"?>
+<pc:chgInfo xmlns:a="http://schemas.openxmlformats.org/drawingml/2006/main" xmlns:r="http://schemas.openxmlformats.org/officeDocument/2006/relationships" xmlns:ac="http://schemas.microsoft.com/office/drawing/2013/main/command" xmlns:pc="http://schemas.microsoft.com/office/powerpoint/2013/main/command">
+  <pc:docChgLst>
+    <pc:chgData name="Jeremy Joy" userId="662af16f3b4df569" providerId="LiveId" clId="{3323F38E-2960-4CEA-8C33-4850C8DB3BC7}"/>
+    <pc:docChg chg="modSld">
+      <pc:chgData name="Jeremy Joy" userId="662af16f3b4df569" providerId="LiveId" clId="{3323F38E-2960-4CEA-8C33-4850C8DB3BC7}" dt="2022-12-08T16:54:03.295" v="9" actId="6549"/>
+      <pc:docMkLst>
+        <pc:docMk/>
+      </pc:docMkLst>
+      <pc:sldChg chg="modSp mod">
+        <pc:chgData name="Jeremy Joy" userId="662af16f3b4df569" providerId="LiveId" clId="{3323F38E-2960-4CEA-8C33-4850C8DB3BC7}" dt="2022-12-08T16:54:03.295" v="9" actId="6549"/>
+        <pc:sldMkLst>
+          <pc:docMk/>
+          <pc:sldMk cId="0" sldId="256"/>
+        </pc:sldMkLst>
+        <pc:graphicFrameChg chg="modGraphic">
+          <ac:chgData name="Jeremy Joy" userId="662af16f3b4df569" providerId="LiveId" clId="{3323F38E-2960-4CEA-8C33-4850C8DB3BC7}" dt="2022-12-08T16:54:03.295" v="9" actId="6549"/>
+          <ac:graphicFrameMkLst>
+            <pc:docMk/>
+            <pc:sldMk cId="0" sldId="256"/>
+            <ac:graphicFrameMk id="2" creationId="{7607344A-B8AE-3810-2409-CA405621E773}"/>
+          </ac:graphicFrameMkLst>
+        </pc:graphicFrameChg>
+      </pc:sldChg>
+    </pc:docChg>
+  </pc:docChgLst>
+</pc:chgInfo>
+</file>
+
 <file path=ppt/notesMasters/notesMaster1.xml><?xml version="1.0" encoding="utf-8"?>
 <p:notesMaster xmlns:a="http://schemas.openxmlformats.org/drawingml/2006/main" xmlns:r="http://schemas.openxmlformats.org/officeDocument/2006/relationships" xmlns:p="http://schemas.openxmlformats.org/presentationml/2006/main">
   <p:cSld>
@@ -321,7 +350,7 @@
             <a:fld id="{1E44E51C-57D0-6B4C-9C03-A3E12CE0FF75}" type="datetime1">
               <a:rPr lang="en-US" altLang="en-US"/>
               <a:pPr/>
-              <a:t>12/7/22</a:t>
+              <a:t>12/8/2022</a:t>
             </a:fld>
             <a:endParaRPr lang="en-US" altLang="en-US"/>
           </a:p>
@@ -5648,14 +5677,14 @@
           </a:ln>
           <a:extLst>
             <a:ext uri="{909E8E84-426E-40dd-AFC4-6F175D3DCCD1}">
-              <a14:hiddenFill xmlns:a14="http://schemas.microsoft.com/office/drawing/2010/main" xmlns="">
+              <a14:hiddenFill xmlns="" xmlns:a14="http://schemas.microsoft.com/office/drawing/2010/main">
                 <a:solidFill>
                   <a:srgbClr val="FFFFFF"/>
                 </a:solidFill>
               </a14:hiddenFill>
             </a:ext>
             <a:ext uri="{91240B29-F687-4f45-9708-019B960494DF}">
-              <a14:hiddenLine xmlns:a14="http://schemas.microsoft.com/office/drawing/2010/main" xmlns="" w="9525">
+              <a14:hiddenLine xmlns="" xmlns:a14="http://schemas.microsoft.com/office/drawing/2010/main" w="9525">
                 <a:solidFill>
                   <a:srgbClr val="000000"/>
                 </a:solidFill>
@@ -6819,7 +6848,7 @@
           <p:nvPr>
             <p:extLst>
               <p:ext uri="{D42A27DB-BD31-4B8C-83A1-F6EECF244321}">
-                <p14:modId xmlns:p14="http://schemas.microsoft.com/office/powerpoint/2010/main" val="294365757"/>
+                <p14:modId xmlns:p14="http://schemas.microsoft.com/office/powerpoint/2010/main" val="207367912"/>
               </p:ext>
             </p:extLst>
           </p:nvPr>
@@ -7247,8 +7276,12 @@
                     <a:lstStyle/>
                     <a:p>
                       <a:r>
+                        <a:rPr lang="en-US" sz="4800" dirty="0"/>
+                        <a:t>RMSE </a:t>
+                      </a:r>
+                      <a:r>
                         <a:rPr lang="en-US" sz="4800"/>
-                        <a:t>MCR = 2.3%</a:t>
+                        <a:t>= 0.11</a:t>
                       </a:r>
                       <a:endParaRPr lang="en-US" sz="4800" dirty="0"/>
                     </a:p>
@@ -7299,7 +7332,7 @@
                     <a:p>
                       <a:r>
                         <a:rPr lang="en-US" sz="4800" dirty="0"/>
-                        <a:t>8</a:t>
+                        <a:t>18</a:t>
                       </a:r>
                     </a:p>
                   </a:txBody>

--- a/poster/H1B_Poster.pptx
+++ b/poster/H1B_Poster.pptx
@@ -5426,7 +5426,7 @@
                 <a:latin typeface="Calibri" panose="020F0502020204030204" pitchFamily="34" charset="0"/>
                 <a:cs typeface="Calibri" panose="020F0502020204030204" pitchFamily="34" charset="0"/>
               </a:rPr>
-              <a:t>Why is the outcome  interesting. Don’t assume it’s obvious. </a:t>
+              <a:t>Fairly small MSE/MCR for most methods</a:t>
             </a:r>
           </a:p>
           <a:p>
@@ -5442,7 +5442,7 @@
                 <a:latin typeface="Calibri" panose="020F0502020204030204" pitchFamily="34" charset="0"/>
                 <a:cs typeface="Calibri" panose="020F0502020204030204" pitchFamily="34" charset="0"/>
               </a:rPr>
-              <a:t>Evidence for the results</a:t>
+              <a:t>Follows that a large majority are accepted in the full data-set</a:t>
             </a:r>
           </a:p>
           <a:p>
@@ -5458,7 +5458,7 @@
                 <a:latin typeface="Calibri" panose="020F0502020204030204" pitchFamily="34" charset="0"/>
                 <a:cs typeface="Calibri" panose="020F0502020204030204" pitchFamily="34" charset="0"/>
               </a:rPr>
-              <a:t>Potential Next Steps</a:t>
+              <a:t>Are some negative effects from country of citizenship potentially</a:t>
             </a:r>
           </a:p>
         </p:txBody>
@@ -5659,8 +5659,8 @@
         </p:nvSpPr>
         <p:spPr bwMode="auto">
           <a:xfrm>
-            <a:off x="3352800" y="1014977"/>
-            <a:ext cx="26386972" cy="2615184"/>
+            <a:off x="3352800" y="1003547"/>
+            <a:ext cx="26386972" cy="2638044"/>
           </a:xfrm>
           <a:prstGeom prst="roundRect">
             <a:avLst>
@@ -5677,14 +5677,14 @@
           </a:ln>
           <a:extLst>
             <a:ext uri="{909E8E84-426E-40dd-AFC4-6F175D3DCCD1}">
-              <a14:hiddenFill xmlns="" xmlns:a14="http://schemas.microsoft.com/office/drawing/2010/main">
+              <a14:hiddenFill xmlns:a14="http://schemas.microsoft.com/office/drawing/2010/main" xmlns="">
                 <a:solidFill>
                   <a:srgbClr val="FFFFFF"/>
                 </a:solidFill>
               </a14:hiddenFill>
             </a:ext>
             <a:ext uri="{91240B29-F687-4f45-9708-019B960494DF}">
-              <a14:hiddenLine xmlns="" xmlns:a14="http://schemas.microsoft.com/office/drawing/2010/main" w="9525">
+              <a14:hiddenLine xmlns:a14="http://schemas.microsoft.com/office/drawing/2010/main" xmlns="" w="9525">
                 <a:solidFill>
                   <a:srgbClr val="000000"/>
                 </a:solidFill>
@@ -5718,7 +5718,7 @@
                 <a:ea typeface="ＭＳ Ｐゴシック" charset="0"/>
                 <a:cs typeface="Calibri" panose="020F0502020204030204" pitchFamily="34" charset="0"/>
               </a:rPr>
-              <a:t>A sentence for your main conclusion using words a general audience might find interesting or provocative.</a:t>
+              <a:t>Machine Learning Methods applied to H1B Visa Applications to predict whether they are approved or not</a:t>
             </a:r>
           </a:p>
         </p:txBody>
@@ -6848,7 +6848,7 @@
           <p:nvPr>
             <p:extLst>
               <p:ext uri="{D42A27DB-BD31-4B8C-83A1-F6EECF244321}">
-                <p14:modId xmlns:p14="http://schemas.microsoft.com/office/powerpoint/2010/main" val="207367912"/>
+                <p14:modId xmlns:p14="http://schemas.microsoft.com/office/powerpoint/2010/main" val="3590195285"/>
               </p:ext>
             </p:extLst>
           </p:nvPr>
@@ -7113,7 +7113,7 @@
                     <a:p>
                       <a:r>
                         <a:rPr lang="en-US" sz="4800" dirty="0"/>
-                        <a:t>K = 8 , 85.8%</a:t>
+                        <a:t>K = 7 , 85.9%</a:t>
                       </a:r>
                     </a:p>
                     <a:p>
@@ -7226,7 +7226,11 @@
                     <a:lstStyle/>
                     <a:p>
                       <a:r>
-                        <a:rPr lang="en-US" sz="4800" dirty="0"/>
+                        <a:rPr lang="en-US" sz="4800" dirty="0">
+                          <a:highlight>
+                            <a:srgbClr val="FFFF00"/>
+                          </a:highlight>
+                        </a:rPr>
                         <a:t>Logistic Regression</a:t>
                       </a:r>
                     </a:p>
@@ -7276,14 +7280,26 @@
                     <a:lstStyle/>
                     <a:p>
                       <a:r>
-                        <a:rPr lang="en-US" sz="4800" dirty="0"/>
+                        <a:rPr lang="en-US" sz="4800" dirty="0">
+                          <a:highlight>
+                            <a:srgbClr val="FFFF00"/>
+                          </a:highlight>
+                        </a:rPr>
                         <a:t>RMSE </a:t>
                       </a:r>
                       <a:r>
-                        <a:rPr lang="en-US" sz="4800"/>
+                        <a:rPr lang="en-US" sz="4800">
+                          <a:highlight>
+                            <a:srgbClr val="FFFF00"/>
+                          </a:highlight>
+                        </a:rPr>
                         <a:t>= 0.11</a:t>
                       </a:r>
-                      <a:endParaRPr lang="en-US" sz="4800" dirty="0"/>
+                      <a:endParaRPr lang="en-US" sz="4800" dirty="0">
+                        <a:highlight>
+                          <a:srgbClr val="FFFF00"/>
+                        </a:highlight>
+                      </a:endParaRPr>
                     </a:p>
                   </a:txBody>
                   <a:tcPr>
@@ -7331,7 +7347,11 @@
                     <a:lstStyle/>
                     <a:p>
                       <a:r>
-                        <a:rPr lang="en-US" sz="4800" dirty="0"/>
+                        <a:rPr lang="en-US" sz="4800" dirty="0">
+                          <a:highlight>
+                            <a:srgbClr val="FFFF00"/>
+                          </a:highlight>
+                        </a:rPr>
                         <a:t>18</a:t>
                       </a:r>
                     </a:p>
@@ -7545,7 +7565,11 @@
                     <a:lstStyle/>
                     <a:p>
                       <a:r>
-                        <a:rPr lang="en-US" sz="4800" dirty="0"/>
+                        <a:rPr lang="en-US" sz="4800" dirty="0">
+                          <a:highlight>
+                            <a:srgbClr val="FFFF00"/>
+                          </a:highlight>
+                        </a:rPr>
                         <a:t>LASSO Regression</a:t>
                       </a:r>
                     </a:p>
@@ -7612,7 +7636,11 @@
                         <a:defRPr/>
                       </a:pPr>
                       <a:r>
-                        <a:rPr lang="en-US" sz="4800" dirty="0"/>
+                        <a:rPr lang="en-US" sz="4800" dirty="0">
+                          <a:highlight>
+                            <a:srgbClr val="FFFF00"/>
+                          </a:highlight>
+                        </a:rPr>
                         <a:t>RMSE = 0.11</a:t>
                       </a:r>
                     </a:p>
@@ -7662,7 +7690,11 @@
                     <a:lstStyle/>
                     <a:p>
                       <a:r>
-                        <a:rPr lang="en-US" sz="4800" dirty="0"/>
+                        <a:rPr lang="en-US" sz="4800" dirty="0">
+                          <a:highlight>
+                            <a:srgbClr val="FFFF00"/>
+                          </a:highlight>
+                        </a:rPr>
                         <a:t>34</a:t>
                       </a:r>
                     </a:p>

--- a/poster/H1B_Poster.pptx
+++ b/poster/H1B_Poster.pptx
@@ -206,6 +206,14 @@
 </p:presentation>
 </file>
 
+<file path=ppt/revisionInfo.xml><?xml version="1.0" encoding="utf-8"?>
+<p1510:revInfo xmlns:a="http://schemas.openxmlformats.org/drawingml/2006/main" xmlns:r="http://schemas.openxmlformats.org/officeDocument/2006/relationships" xmlns:p1510="http://schemas.microsoft.com/office/powerpoint/2015/10/main">
+  <p1510:revLst>
+    <p1510:client id="{71E35349-BCC9-4E6B-9441-61225FE5B7F5}" v="3" dt="2022-12-08T19:30:36.907"/>
+  </p1510:revLst>
+</p1510:revInfo>
+</file>
+
 <file path=ppt/changesInfos/changesInfo1.xml><?xml version="1.0" encoding="utf-8"?>
 <pc:chgInfo xmlns:a="http://schemas.openxmlformats.org/drawingml/2006/main" xmlns:r="http://schemas.openxmlformats.org/officeDocument/2006/relationships" xmlns:ac="http://schemas.microsoft.com/office/drawing/2013/main/command" xmlns:pc="http://schemas.microsoft.com/office/powerpoint/2013/main/command">
   <pc:docChgLst>
@@ -229,6 +237,62 @@
             <ac:graphicFrameMk id="2" creationId="{7607344A-B8AE-3810-2409-CA405621E773}"/>
           </ac:graphicFrameMkLst>
         </pc:graphicFrameChg>
+      </pc:sldChg>
+    </pc:docChg>
+  </pc:docChgLst>
+  <pc:docChgLst>
+    <pc:chgData name="Jeremy Joy" userId="662af16f3b4df569" providerId="LiveId" clId="{71E35349-BCC9-4E6B-9441-61225FE5B7F5}"/>
+    <pc:docChg chg="undo custSel modSld">
+      <pc:chgData name="Jeremy Joy" userId="662af16f3b4df569" providerId="LiveId" clId="{71E35349-BCC9-4E6B-9441-61225FE5B7F5}" dt="2022-12-08T19:32:04.013" v="764" actId="20577"/>
+      <pc:docMkLst>
+        <pc:docMk/>
+      </pc:docMkLst>
+      <pc:sldChg chg="addSp modSp mod">
+        <pc:chgData name="Jeremy Joy" userId="662af16f3b4df569" providerId="LiveId" clId="{71E35349-BCC9-4E6B-9441-61225FE5B7F5}" dt="2022-12-08T19:32:04.013" v="764" actId="20577"/>
+        <pc:sldMkLst>
+          <pc:docMk/>
+          <pc:sldMk cId="0" sldId="256"/>
+        </pc:sldMkLst>
+        <pc:spChg chg="mod">
+          <ac:chgData name="Jeremy Joy" userId="662af16f3b4df569" providerId="LiveId" clId="{71E35349-BCC9-4E6B-9441-61225FE5B7F5}" dt="2022-12-08T19:20:07.330" v="20" actId="20577"/>
+          <ac:spMkLst>
+            <pc:docMk/>
+            <pc:sldMk cId="0" sldId="256"/>
+            <ac:spMk id="3" creationId="{D07C58DF-9E7A-7C34-8C25-CD9ECAE36257}"/>
+          </ac:spMkLst>
+        </pc:spChg>
+        <pc:spChg chg="add mod">
+          <ac:chgData name="Jeremy Joy" userId="662af16f3b4df569" providerId="LiveId" clId="{71E35349-BCC9-4E6B-9441-61225FE5B7F5}" dt="2022-12-08T19:24:05.975" v="243" actId="20577"/>
+          <ac:spMkLst>
+            <pc:docMk/>
+            <pc:sldMk cId="0" sldId="256"/>
+            <ac:spMk id="4" creationId="{D0558545-1A94-9326-585A-7CB110AA671D}"/>
+          </ac:spMkLst>
+        </pc:spChg>
+        <pc:spChg chg="mod">
+          <ac:chgData name="Jeremy Joy" userId="662af16f3b4df569" providerId="LiveId" clId="{71E35349-BCC9-4E6B-9441-61225FE5B7F5}" dt="2022-12-08T19:20:58.860" v="56" actId="20577"/>
+          <ac:spMkLst>
+            <pc:docMk/>
+            <pc:sldMk cId="0" sldId="256"/>
+            <ac:spMk id="14342" creationId="{DB794D16-EC1B-38FE-17A4-81F3B9530B88}"/>
+          </ac:spMkLst>
+        </pc:spChg>
+        <pc:spChg chg="mod">
+          <ac:chgData name="Jeremy Joy" userId="662af16f3b4df569" providerId="LiveId" clId="{71E35349-BCC9-4E6B-9441-61225FE5B7F5}" dt="2022-12-08T19:28:45.215" v="384" actId="207"/>
+          <ac:spMkLst>
+            <pc:docMk/>
+            <pc:sldMk cId="0" sldId="256"/>
+            <ac:spMk id="14345" creationId="{F890D5BA-89D8-23F0-AF42-640C20C2AE61}"/>
+          </ac:spMkLst>
+        </pc:spChg>
+        <pc:spChg chg="mod">
+          <ac:chgData name="Jeremy Joy" userId="662af16f3b4df569" providerId="LiveId" clId="{71E35349-BCC9-4E6B-9441-61225FE5B7F5}" dt="2022-12-08T19:32:04.013" v="764" actId="20577"/>
+          <ac:spMkLst>
+            <pc:docMk/>
+            <pc:sldMk cId="0" sldId="256"/>
+            <ac:spMk id="14347" creationId="{4772201D-98FD-40DC-CE9D-CCD6C757C830}"/>
+          </ac:spMkLst>
+        </pc:spChg>
       </pc:sldChg>
     </pc:docChg>
   </pc:docChgLst>
@@ -5458,7 +5522,7 @@
                 <a:latin typeface="Calibri" panose="020F0502020204030204" pitchFamily="34" charset="0"/>
                 <a:cs typeface="Calibri" panose="020F0502020204030204" pitchFamily="34" charset="0"/>
               </a:rPr>
-              <a:t>Are some negative effects from country of citizenship potentially</a:t>
+              <a:t>Potentially some negative effects from the country of citizenship</a:t>
             </a:r>
           </a:p>
         </p:txBody>
@@ -5677,14 +5741,14 @@
           </a:ln>
           <a:extLst>
             <a:ext uri="{909E8E84-426E-40dd-AFC4-6F175D3DCCD1}">
-              <a14:hiddenFill xmlns:a14="http://schemas.microsoft.com/office/drawing/2010/main" xmlns="">
+              <a14:hiddenFill xmlns="" xmlns:a14="http://schemas.microsoft.com/office/drawing/2010/main">
                 <a:solidFill>
                   <a:srgbClr val="FFFFFF"/>
                 </a:solidFill>
               </a14:hiddenFill>
             </a:ext>
             <a:ext uri="{91240B29-F687-4f45-9708-019B960494DF}">
-              <a14:hiddenLine xmlns:a14="http://schemas.microsoft.com/office/drawing/2010/main" xmlns="" w="9525">
+              <a14:hiddenLine xmlns="" xmlns:a14="http://schemas.microsoft.com/office/drawing/2010/main" w="9525">
                 <a:solidFill>
                   <a:srgbClr val="000000"/>
                 </a:solidFill>
@@ -5718,7 +5782,7 @@
                 <a:ea typeface="ＭＳ Ｐゴシック" charset="0"/>
                 <a:cs typeface="Calibri" panose="020F0502020204030204" pitchFamily="34" charset="0"/>
               </a:rPr>
-              <a:t>Machine Learning Methods applied to H1B Visa Applications to predict whether they are approved or not</a:t>
+              <a:t>Machine Learning Methods Applied to H1B Visa Applications to Predict Approval</a:t>
             </a:r>
           </a:p>
         </p:txBody>
@@ -5759,8 +5823,8 @@
           </p:nvSpPr>
           <p:spPr bwMode="auto">
             <a:xfrm>
-              <a:off x="11719320" y="18418629"/>
-              <a:ext cx="9601200" cy="2286000"/>
+              <a:off x="11592232" y="18418629"/>
+              <a:ext cx="4572000" cy="2286000"/>
             </a:xfrm>
             <a:prstGeom prst="rect">
               <a:avLst/>
@@ -5930,7 +5994,13 @@
                 <a:rPr lang="en-US" altLang="en-US" sz="2400" dirty="0">
                   <a:latin typeface="Calibri" panose="020F0502020204030204" pitchFamily="34" charset="0"/>
                   <a:cs typeface="Calibri" panose="020F0502020204030204" pitchFamily="34" charset="0"/>
-                  <a:hlinkClick r:id="rId4"/>
+                  <a:hlinkClick r:id="rId4">
+                    <a:extLst>
+                      <a:ext uri="{A12FA001-AC4F-418D-AE19-62706E023703}">
+                        <ahyp:hlinkClr xmlns:ahyp="http://schemas.microsoft.com/office/drawing/2018/hyperlinkcolor" val="tx"/>
+                      </a:ext>
+                    </a:extLst>
+                  </a:hlinkClick>
                 </a:rPr>
                 <a:t>US Department of Labor</a:t>
               </a:r>
@@ -6475,7 +6545,7 @@
                   <a:latin typeface="Calibri" panose="020F0502020204030204" pitchFamily="34" charset="0"/>
                   <a:cs typeface="Calibri" panose="020F0502020204030204" pitchFamily="34" charset="0"/>
                 </a:rPr>
-                <a:t>Acknowledgments</a:t>
+                <a:t>Ethical Implications</a:t>
               </a:r>
             </a:p>
             <a:p>
@@ -6491,7 +6561,7 @@
                   <a:latin typeface="Calibri" panose="020F0502020204030204" pitchFamily="34" charset="0"/>
                   <a:cs typeface="Calibri" panose="020F0502020204030204" pitchFamily="34" charset="0"/>
                 </a:rPr>
-                <a:t>Funding from Blair Jones Mathematical Endowment (or Department of Mathematics and Statistics)</a:t>
+                <a:t>Original dataset included some personal information about applicants</a:t>
               </a:r>
             </a:p>
             <a:p>
@@ -6507,7 +6577,7 @@
                   <a:latin typeface="Calibri" panose="020F0502020204030204" pitchFamily="34" charset="0"/>
                   <a:cs typeface="Calibri" panose="020F0502020204030204" pitchFamily="34" charset="0"/>
                 </a:rPr>
-                <a:t>Faculty Mentor</a:t>
+                <a:t>Data cleaning involved eliminating certain countries from the dataset</a:t>
               </a:r>
             </a:p>
             <a:p>
@@ -6519,11 +6589,18 @@
                 <a:buChar char="•"/>
               </a:pPr>
               <a:r>
+                <a:rPr lang="en-US" altLang="en-US" sz="2400">
+                  <a:latin typeface="Calibri" panose="020F0502020204030204" pitchFamily="34" charset="0"/>
+                  <a:cs typeface="Calibri" panose="020F0502020204030204" pitchFamily="34" charset="0"/>
+                </a:rPr>
+                <a:t>Used </a:t>
+              </a:r>
+              <a:r>
                 <a:rPr lang="en-US" altLang="en-US" sz="2400" dirty="0">
                   <a:latin typeface="Calibri" panose="020F0502020204030204" pitchFamily="34" charset="0"/>
                   <a:cs typeface="Calibri" panose="020F0502020204030204" pitchFamily="34" charset="0"/>
                 </a:rPr>
-                <a:t>Others</a:t>
+                <a:t>case-wise deletion</a:t>
               </a:r>
               <a:endParaRPr lang="en-US" altLang="en-US" sz="2000" dirty="0">
                 <a:latin typeface="Calibri" panose="020F0502020204030204" pitchFamily="34" charset="0"/>
@@ -8062,6 +8139,244 @@
           </a:graphicData>
         </a:graphic>
       </p:graphicFrame>
+      <p:sp>
+        <p:nvSpPr>
+          <p:cNvPr id="4" name="Text Box 16">
+            <a:extLst>
+              <a:ext uri="{FF2B5EF4-FFF2-40B4-BE49-F238E27FC236}">
+                <a16:creationId xmlns:a16="http://schemas.microsoft.com/office/drawing/2014/main" id="{D0558545-1A94-9326-585A-7CB110AA671D}"/>
+              </a:ext>
+            </a:extLst>
+          </p:cNvPr>
+          <p:cNvSpPr txBox="1">
+            <a:spLocks noChangeAspect="1" noChangeArrowheads="1"/>
+          </p:cNvSpPr>
+          <p:nvPr/>
+        </p:nvSpPr>
+        <p:spPr bwMode="auto">
+          <a:xfrm>
+            <a:off x="16999540" y="18418629"/>
+            <a:ext cx="4444912" cy="2286000"/>
+          </a:xfrm>
+          <a:prstGeom prst="rect">
+            <a:avLst/>
+          </a:prstGeom>
+          <a:solidFill>
+            <a:schemeClr val="bg1"/>
+          </a:solidFill>
+          <a:ln w="38100">
+            <a:solidFill>
+              <a:srgbClr val="004FA2"/>
+            </a:solidFill>
+            <a:round/>
+            <a:headEnd/>
+            <a:tailEnd/>
+          </a:ln>
+        </p:spPr>
+        <p:txBody>
+          <a:bodyPr lIns="274320" tIns="182880" rIns="274320" bIns="182880"/>
+          <a:lstStyle>
+            <a:lvl1pPr eaLnBrk="0" hangingPunct="0">
+              <a:defRPr sz="3200">
+                <a:solidFill>
+                  <a:schemeClr val="tx1"/>
+                </a:solidFill>
+                <a:latin typeface="Helvetica" pitchFamily="2" charset="0"/>
+                <a:ea typeface="ＭＳ Ｐゴシック" panose="020B0600070205080204" pitchFamily="34" charset="-128"/>
+              </a:defRPr>
+            </a:lvl1pPr>
+            <a:lvl2pPr marL="742950" indent="-285750" eaLnBrk="0" hangingPunct="0">
+              <a:defRPr sz="3200">
+                <a:solidFill>
+                  <a:schemeClr val="tx1"/>
+                </a:solidFill>
+                <a:latin typeface="Helvetica" pitchFamily="2" charset="0"/>
+                <a:ea typeface="ＭＳ Ｐゴシック" panose="020B0600070205080204" pitchFamily="34" charset="-128"/>
+              </a:defRPr>
+            </a:lvl2pPr>
+            <a:lvl3pPr marL="1143000" indent="-228600" eaLnBrk="0" hangingPunct="0">
+              <a:defRPr sz="3200">
+                <a:solidFill>
+                  <a:schemeClr val="tx1"/>
+                </a:solidFill>
+                <a:latin typeface="Helvetica" pitchFamily="2" charset="0"/>
+                <a:ea typeface="ＭＳ Ｐゴシック" panose="020B0600070205080204" pitchFamily="34" charset="-128"/>
+              </a:defRPr>
+            </a:lvl3pPr>
+            <a:lvl4pPr marL="1600200" indent="-228600" eaLnBrk="0" hangingPunct="0">
+              <a:defRPr sz="3200">
+                <a:solidFill>
+                  <a:schemeClr val="tx1"/>
+                </a:solidFill>
+                <a:latin typeface="Helvetica" pitchFamily="2" charset="0"/>
+                <a:ea typeface="ＭＳ Ｐゴシック" panose="020B0600070205080204" pitchFamily="34" charset="-128"/>
+              </a:defRPr>
+            </a:lvl4pPr>
+            <a:lvl5pPr marL="2057400" indent="-228600" eaLnBrk="0" hangingPunct="0">
+              <a:defRPr sz="3200">
+                <a:solidFill>
+                  <a:schemeClr val="tx1"/>
+                </a:solidFill>
+                <a:latin typeface="Helvetica" pitchFamily="2" charset="0"/>
+                <a:ea typeface="ＭＳ Ｐゴシック" panose="020B0600070205080204" pitchFamily="34" charset="-128"/>
+              </a:defRPr>
+            </a:lvl5pPr>
+            <a:lvl6pPr marL="2514600" indent="-228600" eaLnBrk="0" fontAlgn="base" hangingPunct="0">
+              <a:spcBef>
+                <a:spcPct val="0"/>
+              </a:spcBef>
+              <a:spcAft>
+                <a:spcPct val="0"/>
+              </a:spcAft>
+              <a:defRPr sz="3200">
+                <a:solidFill>
+                  <a:schemeClr val="tx1"/>
+                </a:solidFill>
+                <a:latin typeface="Helvetica" pitchFamily="2" charset="0"/>
+                <a:ea typeface="ＭＳ Ｐゴシック" panose="020B0600070205080204" pitchFamily="34" charset="-128"/>
+              </a:defRPr>
+            </a:lvl6pPr>
+            <a:lvl7pPr marL="2971800" indent="-228600" eaLnBrk="0" fontAlgn="base" hangingPunct="0">
+              <a:spcBef>
+                <a:spcPct val="0"/>
+              </a:spcBef>
+              <a:spcAft>
+                <a:spcPct val="0"/>
+              </a:spcAft>
+              <a:defRPr sz="3200">
+                <a:solidFill>
+                  <a:schemeClr val="tx1"/>
+                </a:solidFill>
+                <a:latin typeface="Helvetica" pitchFamily="2" charset="0"/>
+                <a:ea typeface="ＭＳ Ｐゴシック" panose="020B0600070205080204" pitchFamily="34" charset="-128"/>
+              </a:defRPr>
+            </a:lvl7pPr>
+            <a:lvl8pPr marL="3429000" indent="-228600" eaLnBrk="0" fontAlgn="base" hangingPunct="0">
+              <a:spcBef>
+                <a:spcPct val="0"/>
+              </a:spcBef>
+              <a:spcAft>
+                <a:spcPct val="0"/>
+              </a:spcAft>
+              <a:defRPr sz="3200">
+                <a:solidFill>
+                  <a:schemeClr val="tx1"/>
+                </a:solidFill>
+                <a:latin typeface="Helvetica" pitchFamily="2" charset="0"/>
+                <a:ea typeface="ＭＳ Ｐゴシック" panose="020B0600070205080204" pitchFamily="34" charset="-128"/>
+              </a:defRPr>
+            </a:lvl8pPr>
+            <a:lvl9pPr marL="3886200" indent="-228600" eaLnBrk="0" fontAlgn="base" hangingPunct="0">
+              <a:spcBef>
+                <a:spcPct val="0"/>
+              </a:spcBef>
+              <a:spcAft>
+                <a:spcPct val="0"/>
+              </a:spcAft>
+              <a:defRPr sz="3200">
+                <a:solidFill>
+                  <a:schemeClr val="tx1"/>
+                </a:solidFill>
+                <a:latin typeface="Helvetica" pitchFamily="2" charset="0"/>
+                <a:ea typeface="ＭＳ Ｐゴシック" panose="020B0600070205080204" pitchFamily="34" charset="-128"/>
+              </a:defRPr>
+            </a:lvl9pPr>
+          </a:lstStyle>
+          <a:p>
+            <a:pPr eaLnBrk="1" hangingPunct="1">
+              <a:spcBef>
+                <a:spcPct val="50000"/>
+              </a:spcBef>
+            </a:pPr>
+            <a:r>
+              <a:rPr lang="en-US" altLang="en-US" b="1" dirty="0">
+                <a:solidFill>
+                  <a:srgbClr val="000000"/>
+                </a:solidFill>
+                <a:latin typeface="Calibri" panose="020F0502020204030204" pitchFamily="34" charset="0"/>
+                <a:cs typeface="Calibri" panose="020F0502020204030204" pitchFamily="34" charset="0"/>
+              </a:rPr>
+              <a:t>Stakeholders</a:t>
+            </a:r>
+            <a:r>
+              <a:rPr lang="en-US" altLang="en-US" sz="2400" b="1" dirty="0">
+                <a:solidFill>
+                  <a:srgbClr val="000000"/>
+                </a:solidFill>
+                <a:latin typeface="Calibri" panose="020F0502020204030204" pitchFamily="34" charset="0"/>
+                <a:cs typeface="Calibri" panose="020F0502020204030204" pitchFamily="34" charset="0"/>
+              </a:rPr>
+              <a:t> </a:t>
+            </a:r>
+          </a:p>
+          <a:p>
+            <a:pPr marL="342900" indent="-342900" eaLnBrk="1" hangingPunct="1">
+              <a:spcBef>
+                <a:spcPct val="10000"/>
+              </a:spcBef>
+              <a:buFont typeface="Arial" panose="020B0604020202020204" pitchFamily="34" charset="0"/>
+              <a:buChar char="•"/>
+            </a:pPr>
+            <a:r>
+              <a:rPr lang="en-US" altLang="en-US" sz="2400" dirty="0">
+                <a:latin typeface="Calibri" panose="020F0502020204030204" pitchFamily="34" charset="0"/>
+                <a:cs typeface="Calibri" panose="020F0502020204030204" pitchFamily="34" charset="0"/>
+              </a:rPr>
+              <a:t>H1B Visa Applicants</a:t>
+            </a:r>
+          </a:p>
+          <a:p>
+            <a:pPr marL="342900" indent="-342900" eaLnBrk="1" hangingPunct="1">
+              <a:spcBef>
+                <a:spcPct val="10000"/>
+              </a:spcBef>
+              <a:buFont typeface="Arial" panose="020B0604020202020204" pitchFamily="34" charset="0"/>
+              <a:buChar char="•"/>
+            </a:pPr>
+            <a:r>
+              <a:rPr lang="en-US" altLang="en-US" sz="2400" dirty="0">
+                <a:latin typeface="Calibri" panose="020F0502020204030204" pitchFamily="34" charset="0"/>
+                <a:cs typeface="Calibri" panose="020F0502020204030204" pitchFamily="34" charset="0"/>
+              </a:rPr>
+              <a:t>Department of Labor</a:t>
+            </a:r>
+          </a:p>
+          <a:p>
+            <a:pPr marL="342900" indent="-342900" eaLnBrk="1" hangingPunct="1">
+              <a:spcBef>
+                <a:spcPct val="10000"/>
+              </a:spcBef>
+              <a:buFont typeface="Arial" panose="020B0604020202020204" pitchFamily="34" charset="0"/>
+              <a:buChar char="•"/>
+            </a:pPr>
+            <a:r>
+              <a:rPr lang="en-US" altLang="en-US" sz="2400" dirty="0">
+                <a:latin typeface="Calibri" panose="020F0502020204030204" pitchFamily="34" charset="0"/>
+                <a:cs typeface="Calibri" panose="020F0502020204030204" pitchFamily="34" charset="0"/>
+              </a:rPr>
+              <a:t>Applicants’ Employers</a:t>
+            </a:r>
+            <a:endParaRPr lang="en-US" altLang="en-US" sz="2000" dirty="0">
+              <a:latin typeface="Calibri" panose="020F0502020204030204" pitchFamily="34" charset="0"/>
+              <a:cs typeface="Calibri" panose="020F0502020204030204" pitchFamily="34" charset="0"/>
+            </a:endParaRPr>
+          </a:p>
+          <a:p>
+            <a:pPr eaLnBrk="1" hangingPunct="1">
+              <a:spcBef>
+                <a:spcPct val="50000"/>
+              </a:spcBef>
+            </a:pPr>
+            <a:endParaRPr lang="en-US" altLang="en-US" sz="2400" dirty="0">
+              <a:solidFill>
+                <a:srgbClr val="000000"/>
+              </a:solidFill>
+              <a:latin typeface="Calibri" panose="020F0502020204030204" pitchFamily="34" charset="0"/>
+              <a:cs typeface="Calibri" panose="020F0502020204030204" pitchFamily="34" charset="0"/>
+            </a:endParaRPr>
+          </a:p>
+        </p:txBody>
+      </p:sp>
     </p:spTree>
   </p:cSld>
   <p:clrMapOvr>

--- a/poster/H1B_Poster.pptx
+++ b/poster/H1B_Poster.pptx
@@ -243,12 +243,12 @@
   <pc:docChgLst>
     <pc:chgData name="Jeremy Joy" userId="662af16f3b4df569" providerId="LiveId" clId="{71E35349-BCC9-4E6B-9441-61225FE5B7F5}"/>
     <pc:docChg chg="undo custSel modSld">
-      <pc:chgData name="Jeremy Joy" userId="662af16f3b4df569" providerId="LiveId" clId="{71E35349-BCC9-4E6B-9441-61225FE5B7F5}" dt="2022-12-08T19:32:04.013" v="764" actId="20577"/>
+      <pc:chgData name="Jeremy Joy" userId="662af16f3b4df569" providerId="LiveId" clId="{71E35349-BCC9-4E6B-9441-61225FE5B7F5}" dt="2022-12-08T20:45:31.747" v="768" actId="20577"/>
       <pc:docMkLst>
         <pc:docMk/>
       </pc:docMkLst>
       <pc:sldChg chg="addSp modSp mod">
-        <pc:chgData name="Jeremy Joy" userId="662af16f3b4df569" providerId="LiveId" clId="{71E35349-BCC9-4E6B-9441-61225FE5B7F5}" dt="2022-12-08T19:32:04.013" v="764" actId="20577"/>
+        <pc:chgData name="Jeremy Joy" userId="662af16f3b4df569" providerId="LiveId" clId="{71E35349-BCC9-4E6B-9441-61225FE5B7F5}" dt="2022-12-08T20:45:31.747" v="768" actId="20577"/>
         <pc:sldMkLst>
           <pc:docMk/>
           <pc:sldMk cId="0" sldId="256"/>
@@ -293,6 +293,14 @@
             <ac:spMk id="14347" creationId="{4772201D-98FD-40DC-CE9D-CCD6C757C830}"/>
           </ac:spMkLst>
         </pc:spChg>
+        <pc:graphicFrameChg chg="modGraphic">
+          <ac:chgData name="Jeremy Joy" userId="662af16f3b4df569" providerId="LiveId" clId="{71E35349-BCC9-4E6B-9441-61225FE5B7F5}" dt="2022-12-08T20:45:31.747" v="768" actId="20577"/>
+          <ac:graphicFrameMkLst>
+            <pc:docMk/>
+            <pc:sldMk cId="0" sldId="256"/>
+            <ac:graphicFrameMk id="2" creationId="{7607344A-B8AE-3810-2409-CA405621E773}"/>
+          </ac:graphicFrameMkLst>
+        </pc:graphicFrameChg>
       </pc:sldChg>
     </pc:docChg>
   </pc:docChgLst>
@@ -5741,14 +5749,14 @@
           </a:ln>
           <a:extLst>
             <a:ext uri="{909E8E84-426E-40dd-AFC4-6F175D3DCCD1}">
-              <a14:hiddenFill xmlns="" xmlns:a14="http://schemas.microsoft.com/office/drawing/2010/main">
+              <a14:hiddenFill xmlns:a14="http://schemas.microsoft.com/office/drawing/2010/main" xmlns="">
                 <a:solidFill>
                   <a:srgbClr val="FFFFFF"/>
                 </a:solidFill>
               </a14:hiddenFill>
             </a:ext>
             <a:ext uri="{91240B29-F687-4f45-9708-019B960494DF}">
-              <a14:hiddenLine xmlns="" xmlns:a14="http://schemas.microsoft.com/office/drawing/2010/main" w="9525">
+              <a14:hiddenLine xmlns:a14="http://schemas.microsoft.com/office/drawing/2010/main" xmlns="" w="9525">
                 <a:solidFill>
                   <a:srgbClr val="000000"/>
                 </a:solidFill>
@@ -6925,7 +6933,7 @@
           <p:nvPr>
             <p:extLst>
               <p:ext uri="{D42A27DB-BD31-4B8C-83A1-F6EECF244321}">
-                <p14:modId xmlns:p14="http://schemas.microsoft.com/office/powerpoint/2010/main" val="3590195285"/>
+                <p14:modId xmlns:p14="http://schemas.microsoft.com/office/powerpoint/2010/main" val="566143001"/>
               </p:ext>
             </p:extLst>
           </p:nvPr>
@@ -7536,8 +7544,13 @@
                     <a:p>
                       <a:r>
                         <a:rPr lang="en-US" sz="4800" dirty="0"/>
-                        <a:t>RMSE = 0.14</a:t>
+                        <a:t>RMSE </a:t>
                       </a:r>
+                      <a:r>
+                        <a:rPr lang="en-US" sz="4800"/>
+                        <a:t>= 0.16</a:t>
+                      </a:r>
+                      <a:endParaRPr lang="en-US" sz="4800" dirty="0"/>
                     </a:p>
                   </a:txBody>
                   <a:tcPr>
@@ -7718,7 +7731,7 @@
                             <a:srgbClr val="FFFF00"/>
                           </a:highlight>
                         </a:rPr>
-                        <a:t>RMSE = 0.11</a:t>
+                        <a:t>RMSE = 0.16</a:t>
                       </a:r>
                     </a:p>
                   </a:txBody>

--- a/poster/H1B_Poster.pptx
+++ b/poster/H1B_Poster.pptx
@@ -5070,7 +5070,7 @@
                 <a:latin typeface="Calibri" panose="020F0502020204030204" pitchFamily="34" charset="0"/>
                 <a:cs typeface="Calibri" panose="020F0502020204030204" pitchFamily="34" charset="0"/>
               </a:rPr>
-              <a:t>Used five different methods for classification listed in middle graphic</a:t>
+              <a:t>Used six different methods for classification listed in middle graphic</a:t>
             </a:r>
           </a:p>
           <a:p>
@@ -5086,19 +5086,8 @@
                 <a:latin typeface="Calibri" panose="020F0502020204030204" pitchFamily="34" charset="0"/>
                 <a:cs typeface="Calibri" panose="020F0502020204030204" pitchFamily="34" charset="0"/>
               </a:rPr>
-              <a:t>Overwhelming rate of Accepted Visa numbers lead to poor prediction power representation.  Reduced for </a:t>
+              <a:t>Overwhelming rate of Accepted Visa numbers lead to poor prediction power representation.  Reduced for 50/50 split</a:t>
             </a:r>
-            <a:r>
-              <a:rPr lang="en-US" altLang="en-US">
-                <a:latin typeface="Calibri" panose="020F0502020204030204" pitchFamily="34" charset="0"/>
-                <a:cs typeface="Calibri" panose="020F0502020204030204" pitchFamily="34" charset="0"/>
-              </a:rPr>
-              <a:t>50/50 split</a:t>
-            </a:r>
-            <a:endParaRPr lang="en-US" altLang="en-US" dirty="0">
-              <a:latin typeface="Calibri" panose="020F0502020204030204" pitchFamily="34" charset="0"/>
-              <a:cs typeface="Calibri" panose="020F0502020204030204" pitchFamily="34" charset="0"/>
-            </a:endParaRPr>
           </a:p>
           <a:p>
             <a:pPr marL="457200" indent="-457200" eaLnBrk="1" hangingPunct="1">
@@ -5749,14 +5738,14 @@
           </a:ln>
           <a:extLst>
             <a:ext uri="{909E8E84-426E-40dd-AFC4-6F175D3DCCD1}">
-              <a14:hiddenFill xmlns:a14="http://schemas.microsoft.com/office/drawing/2010/main" xmlns="">
+              <a14:hiddenFill xmlns="" xmlns:a14="http://schemas.microsoft.com/office/drawing/2010/main">
                 <a:solidFill>
                   <a:srgbClr val="FFFFFF"/>
                 </a:solidFill>
               </a14:hiddenFill>
             </a:ext>
             <a:ext uri="{91240B29-F687-4f45-9708-019B960494DF}">
-              <a14:hiddenLine xmlns:a14="http://schemas.microsoft.com/office/drawing/2010/main" xmlns="" w="9525">
+              <a14:hiddenLine xmlns="" xmlns:a14="http://schemas.microsoft.com/office/drawing/2010/main" w="9525">
                 <a:solidFill>
                   <a:srgbClr val="000000"/>
                 </a:solidFill>
@@ -6933,7 +6922,7 @@
           <p:nvPr>
             <p:extLst>
               <p:ext uri="{D42A27DB-BD31-4B8C-83A1-F6EECF244321}">
-                <p14:modId xmlns:p14="http://schemas.microsoft.com/office/powerpoint/2010/main" val="566143001"/>
+                <p14:modId xmlns:p14="http://schemas.microsoft.com/office/powerpoint/2010/main" val="170378407"/>
               </p:ext>
             </p:extLst>
           </p:nvPr>
@@ -7544,13 +7533,8 @@
                     <a:p>
                       <a:r>
                         <a:rPr lang="en-US" sz="4800" dirty="0"/>
-                        <a:t>RMSE </a:t>
+                        <a:t>RMSE = 0.11</a:t>
                       </a:r>
-                      <a:r>
-                        <a:rPr lang="en-US" sz="4800"/>
-                        <a:t>= 0.16</a:t>
-                      </a:r>
-                      <a:endParaRPr lang="en-US" sz="4800" dirty="0"/>
                     </a:p>
                   </a:txBody>
                   <a:tcPr>
@@ -7731,7 +7715,7 @@
                             <a:srgbClr val="FFFF00"/>
                           </a:highlight>
                         </a:rPr>
-                        <a:t>RMSE = 0.16</a:t>
+                        <a:t>RMSE = 0.14</a:t>
                       </a:r>
                     </a:p>
                   </a:txBody>
@@ -7892,7 +7876,7 @@
                     <a:p>
                       <a:r>
                         <a:rPr lang="en-US" sz="4800" dirty="0"/>
-                        <a:t>MSE = 0.153</a:t>
+                        <a:t>RMSE = 0.152</a:t>
                       </a:r>
                     </a:p>
                   </a:txBody>
@@ -8049,7 +8033,7 @@
                     <a:p>
                       <a:r>
                         <a:rPr lang="en-US" sz="4800" dirty="0"/>
-                        <a:t>MSEP = 0.152</a:t>
+                        <a:t>RMSE = 0.152</a:t>
                       </a:r>
                     </a:p>
                   </a:txBody>

--- a/poster/H1B_Poster.pptx
+++ b/poster/H1B_Poster.pptx
@@ -5720,8 +5720,8 @@
         </p:nvSpPr>
         <p:spPr bwMode="auto">
           <a:xfrm>
-            <a:off x="3352800" y="1003547"/>
-            <a:ext cx="26386972" cy="2638044"/>
+            <a:off x="3352800" y="1560009"/>
+            <a:ext cx="26386972" cy="1525119"/>
           </a:xfrm>
           <a:prstGeom prst="roundRect">
             <a:avLst>
@@ -5738,14 +5738,14 @@
           </a:ln>
           <a:extLst>
             <a:ext uri="{909E8E84-426E-40dd-AFC4-6F175D3DCCD1}">
-              <a14:hiddenFill xmlns="" xmlns:a14="http://schemas.microsoft.com/office/drawing/2010/main">
+              <a14:hiddenFill xmlns:a14="http://schemas.microsoft.com/office/drawing/2010/main" xmlns="">
                 <a:solidFill>
                   <a:srgbClr val="FFFFFF"/>
                 </a:solidFill>
               </a14:hiddenFill>
             </a:ext>
             <a:ext uri="{91240B29-F687-4f45-9708-019B960494DF}">
-              <a14:hiddenLine xmlns="" xmlns:a14="http://schemas.microsoft.com/office/drawing/2010/main" w="9525">
+              <a14:hiddenLine xmlns:a14="http://schemas.microsoft.com/office/drawing/2010/main" xmlns="" w="9525">
                 <a:solidFill>
                   <a:srgbClr val="000000"/>
                 </a:solidFill>
@@ -5779,7 +5779,7 @@
                 <a:ea typeface="ＭＳ Ｐゴシック" charset="0"/>
                 <a:cs typeface="Calibri" panose="020F0502020204030204" pitchFamily="34" charset="0"/>
               </a:rPr>
-              <a:t>Machine Learning Methods Applied to H1B Visa Applications to Predict Approval</a:t>
+              <a:t>Machine Learning Methods Applied to H1B Visa Applications</a:t>
             </a:r>
           </a:p>
         </p:txBody>
@@ -6922,7 +6922,7 @@
           <p:nvPr>
             <p:extLst>
               <p:ext uri="{D42A27DB-BD31-4B8C-83A1-F6EECF244321}">
-                <p14:modId xmlns:p14="http://schemas.microsoft.com/office/powerpoint/2010/main" val="170378407"/>
+                <p14:modId xmlns:p14="http://schemas.microsoft.com/office/powerpoint/2010/main" val="1529542850"/>
               </p:ext>
             </p:extLst>
           </p:nvPr>
@@ -7769,7 +7769,7 @@
                             <a:srgbClr val="FFFF00"/>
                           </a:highlight>
                         </a:rPr>
-                        <a:t>34</a:t>
+                        <a:t>31</a:t>
                       </a:r>
                     </a:p>
                   </a:txBody>

--- a/poster/H1B_Poster.pptx
+++ b/poster/H1B_Poster.pptx
@@ -5738,14 +5738,14 @@
           </a:ln>
           <a:extLst>
             <a:ext uri="{909E8E84-426E-40dd-AFC4-6F175D3DCCD1}">
-              <a14:hiddenFill xmlns:a14="http://schemas.microsoft.com/office/drawing/2010/main" xmlns="">
+              <a14:hiddenFill xmlns="" xmlns:a14="http://schemas.microsoft.com/office/drawing/2010/main">
                 <a:solidFill>
                   <a:srgbClr val="FFFFFF"/>
                 </a:solidFill>
               </a14:hiddenFill>
             </a:ext>
             <a:ext uri="{91240B29-F687-4f45-9708-019B960494DF}">
-              <a14:hiddenLine xmlns:a14="http://schemas.microsoft.com/office/drawing/2010/main" xmlns="" w="9525">
+              <a14:hiddenLine xmlns="" xmlns:a14="http://schemas.microsoft.com/office/drawing/2010/main" w="9525">
                 <a:solidFill>
                   <a:srgbClr val="000000"/>
                 </a:solidFill>
@@ -6922,7 +6922,7 @@
           <p:nvPr>
             <p:extLst>
               <p:ext uri="{D42A27DB-BD31-4B8C-83A1-F6EECF244321}">
-                <p14:modId xmlns:p14="http://schemas.microsoft.com/office/powerpoint/2010/main" val="1529542850"/>
+                <p14:modId xmlns:p14="http://schemas.microsoft.com/office/powerpoint/2010/main" val="467426054"/>
               </p:ext>
             </p:extLst>
           </p:nvPr>
@@ -7187,13 +7187,13 @@
                     <a:p>
                       <a:r>
                         <a:rPr lang="en-US" sz="4800" dirty="0"/>
-                        <a:t>K = 7 , 85.9%</a:t>
+                        <a:t>K = 7</a:t>
                       </a:r>
                     </a:p>
                     <a:p>
                       <a:r>
                         <a:rPr lang="en-US" sz="4800" dirty="0"/>
-                        <a:t>MCR = 14.1%</a:t>
+                        <a:t>RMSE = 0.14</a:t>
                       </a:r>
                     </a:p>
                   </a:txBody>

--- a/poster/H1B_Poster.pptx
+++ b/poster/H1B_Poster.pptx
@@ -237,6 +237,30 @@
             <ac:graphicFrameMk id="2" creationId="{7607344A-B8AE-3810-2409-CA405621E773}"/>
           </ac:graphicFrameMkLst>
         </pc:graphicFrameChg>
+      </pc:sldChg>
+    </pc:docChg>
+  </pc:docChgLst>
+  <pc:docChgLst>
+    <pc:chgData name="Jeremy Joy" userId="662af16f3b4df569" providerId="LiveId" clId="{EC93BA3A-10A7-4C1F-9533-94C2FC5B4D08}"/>
+    <pc:docChg chg="modSld">
+      <pc:chgData name="Jeremy Joy" userId="662af16f3b4df569" providerId="LiveId" clId="{EC93BA3A-10A7-4C1F-9533-94C2FC5B4D08}" dt="2022-12-08T22:45:30.418" v="4" actId="20577"/>
+      <pc:docMkLst>
+        <pc:docMk/>
+      </pc:docMkLst>
+      <pc:sldChg chg="modSp mod">
+        <pc:chgData name="Jeremy Joy" userId="662af16f3b4df569" providerId="LiveId" clId="{EC93BA3A-10A7-4C1F-9533-94C2FC5B4D08}" dt="2022-12-08T22:45:30.418" v="4" actId="20577"/>
+        <pc:sldMkLst>
+          <pc:docMk/>
+          <pc:sldMk cId="0" sldId="256"/>
+        </pc:sldMkLst>
+        <pc:spChg chg="mod">
+          <ac:chgData name="Jeremy Joy" userId="662af16f3b4df569" providerId="LiveId" clId="{EC93BA3A-10A7-4C1F-9533-94C2FC5B4D08}" dt="2022-12-08T22:45:30.418" v="4" actId="20577"/>
+          <ac:spMkLst>
+            <pc:docMk/>
+            <pc:sldMk cId="0" sldId="256"/>
+            <ac:spMk id="14345" creationId="{F890D5BA-89D8-23F0-AF42-640C20C2AE61}"/>
+          </ac:spMkLst>
+        </pc:spChg>
       </pc:sldChg>
     </pc:docChg>
   </pc:docChgLst>
@@ -5738,14 +5762,14 @@
           </a:ln>
           <a:extLst>
             <a:ext uri="{909E8E84-426E-40dd-AFC4-6F175D3DCCD1}">
-              <a14:hiddenFill xmlns="" xmlns:a14="http://schemas.microsoft.com/office/drawing/2010/main">
+              <a14:hiddenFill xmlns:a14="http://schemas.microsoft.com/office/drawing/2010/main" xmlns="">
                 <a:solidFill>
                   <a:srgbClr val="FFFFFF"/>
                 </a:solidFill>
               </a14:hiddenFill>
             </a:ext>
             <a:ext uri="{91240B29-F687-4f45-9708-019B960494DF}">
-              <a14:hiddenLine xmlns="" xmlns:a14="http://schemas.microsoft.com/office/drawing/2010/main" w="9525">
+              <a14:hiddenLine xmlns:a14="http://schemas.microsoft.com/office/drawing/2010/main" xmlns="" w="9525">
                 <a:solidFill>
                   <a:srgbClr val="000000"/>
                 </a:solidFill>
@@ -6017,8 +6041,19 @@
                   <a:latin typeface="Calibri" panose="020F0502020204030204" pitchFamily="34" charset="0"/>
                   <a:cs typeface="Calibri" panose="020F0502020204030204" pitchFamily="34" charset="0"/>
                 </a:rPr>
-                <a:t>Size/Scale: 108,264 x 43</a:t>
+                <a:t>Size/Scale: 108,264 </a:t>
               </a:r>
+              <a:r>
+                <a:rPr lang="en-US" altLang="en-US" sz="2400">
+                  <a:latin typeface="Calibri" panose="020F0502020204030204" pitchFamily="34" charset="0"/>
+                  <a:cs typeface="Calibri" panose="020F0502020204030204" pitchFamily="34" charset="0"/>
+                </a:rPr>
+                <a:t>x 128</a:t>
+              </a:r>
+              <a:endParaRPr lang="en-US" altLang="en-US" sz="2400" dirty="0">
+                <a:latin typeface="Calibri" panose="020F0502020204030204" pitchFamily="34" charset="0"/>
+                <a:cs typeface="Calibri" panose="020F0502020204030204" pitchFamily="34" charset="0"/>
+              </a:endParaRPr>
             </a:p>
           </p:txBody>
         </p:sp>

--- a/poster/H1B_Poster.pptx
+++ b/poster/H1B_Poster.pptx
@@ -243,12 +243,12 @@
   <pc:docChgLst>
     <pc:chgData name="Jeremy Joy" userId="662af16f3b4df569" providerId="LiveId" clId="{EC93BA3A-10A7-4C1F-9533-94C2FC5B4D08}"/>
     <pc:docChg chg="modSld">
-      <pc:chgData name="Jeremy Joy" userId="662af16f3b4df569" providerId="LiveId" clId="{EC93BA3A-10A7-4C1F-9533-94C2FC5B4D08}" dt="2022-12-08T22:45:30.418" v="4" actId="20577"/>
+      <pc:chgData name="Jeremy Joy" userId="662af16f3b4df569" providerId="LiveId" clId="{EC93BA3A-10A7-4C1F-9533-94C2FC5B4D08}" dt="2022-12-08T23:16:12.096" v="6" actId="20577"/>
       <pc:docMkLst>
         <pc:docMk/>
       </pc:docMkLst>
       <pc:sldChg chg="modSp mod">
-        <pc:chgData name="Jeremy Joy" userId="662af16f3b4df569" providerId="LiveId" clId="{EC93BA3A-10A7-4C1F-9533-94C2FC5B4D08}" dt="2022-12-08T22:45:30.418" v="4" actId="20577"/>
+        <pc:chgData name="Jeremy Joy" userId="662af16f3b4df569" providerId="LiveId" clId="{EC93BA3A-10A7-4C1F-9533-94C2FC5B4D08}" dt="2022-12-08T23:16:12.096" v="6" actId="20577"/>
         <pc:sldMkLst>
           <pc:docMk/>
           <pc:sldMk cId="0" sldId="256"/>
@@ -261,6 +261,14 @@
             <ac:spMk id="14345" creationId="{F890D5BA-89D8-23F0-AF42-640C20C2AE61}"/>
           </ac:spMkLst>
         </pc:spChg>
+        <pc:graphicFrameChg chg="modGraphic">
+          <ac:chgData name="Jeremy Joy" userId="662af16f3b4df569" providerId="LiveId" clId="{EC93BA3A-10A7-4C1F-9533-94C2FC5B4D08}" dt="2022-12-08T23:16:12.096" v="6" actId="20577"/>
+          <ac:graphicFrameMkLst>
+            <pc:docMk/>
+            <pc:sldMk cId="0" sldId="256"/>
+            <ac:graphicFrameMk id="2" creationId="{7607344A-B8AE-3810-2409-CA405621E773}"/>
+          </ac:graphicFrameMkLst>
+        </pc:graphicFrameChg>
       </pc:sldChg>
     </pc:docChg>
   </pc:docChgLst>
@@ -5762,14 +5770,14 @@
           </a:ln>
           <a:extLst>
             <a:ext uri="{909E8E84-426E-40dd-AFC4-6F175D3DCCD1}">
-              <a14:hiddenFill xmlns:a14="http://schemas.microsoft.com/office/drawing/2010/main" xmlns="">
+              <a14:hiddenFill xmlns="" xmlns:a14="http://schemas.microsoft.com/office/drawing/2010/main">
                 <a:solidFill>
                   <a:srgbClr val="FFFFFF"/>
                 </a:solidFill>
               </a14:hiddenFill>
             </a:ext>
             <a:ext uri="{91240B29-F687-4f45-9708-019B960494DF}">
-              <a14:hiddenLine xmlns:a14="http://schemas.microsoft.com/office/drawing/2010/main" xmlns="" w="9525">
+              <a14:hiddenLine xmlns="" xmlns:a14="http://schemas.microsoft.com/office/drawing/2010/main" w="9525">
                 <a:solidFill>
                   <a:srgbClr val="000000"/>
                 </a:solidFill>
@@ -6957,7 +6965,7 @@
           <p:nvPr>
             <p:extLst>
               <p:ext uri="{D42A27DB-BD31-4B8C-83A1-F6EECF244321}">
-                <p14:modId xmlns:p14="http://schemas.microsoft.com/office/powerpoint/2010/main" val="467426054"/>
+                <p14:modId xmlns:p14="http://schemas.microsoft.com/office/powerpoint/2010/main" val="3892469421"/>
               </p:ext>
             </p:extLst>
           </p:nvPr>
@@ -7804,7 +7812,7 @@
                             <a:srgbClr val="FFFF00"/>
                           </a:highlight>
                         </a:rPr>
-                        <a:t>31</a:t>
+                        <a:t>34</a:t>
                       </a:r>
                     </a:p>
                   </a:txBody>

--- a/poster/H1B_Poster.pptx
+++ b/poster/H1B_Poster.pptx
@@ -243,16 +243,24 @@
   <pc:docChgLst>
     <pc:chgData name="Jeremy Joy" userId="662af16f3b4df569" providerId="LiveId" clId="{EC93BA3A-10A7-4C1F-9533-94C2FC5B4D08}"/>
     <pc:docChg chg="modSld">
-      <pc:chgData name="Jeremy Joy" userId="662af16f3b4df569" providerId="LiveId" clId="{EC93BA3A-10A7-4C1F-9533-94C2FC5B4D08}" dt="2022-12-08T23:16:12.096" v="6" actId="20577"/>
+      <pc:chgData name="Jeremy Joy" userId="662af16f3b4df569" providerId="LiveId" clId="{EC93BA3A-10A7-4C1F-9533-94C2FC5B4D08}" dt="2022-12-09T00:54:11.470" v="44" actId="20577"/>
       <pc:docMkLst>
         <pc:docMk/>
       </pc:docMkLst>
       <pc:sldChg chg="modSp mod">
-        <pc:chgData name="Jeremy Joy" userId="662af16f3b4df569" providerId="LiveId" clId="{EC93BA3A-10A7-4C1F-9533-94C2FC5B4D08}" dt="2022-12-08T23:16:12.096" v="6" actId="20577"/>
+        <pc:chgData name="Jeremy Joy" userId="662af16f3b4df569" providerId="LiveId" clId="{EC93BA3A-10A7-4C1F-9533-94C2FC5B4D08}" dt="2022-12-09T00:54:11.470" v="44" actId="20577"/>
         <pc:sldMkLst>
           <pc:docMk/>
           <pc:sldMk cId="0" sldId="256"/>
         </pc:sldMkLst>
+        <pc:spChg chg="mod">
+          <ac:chgData name="Jeremy Joy" userId="662af16f3b4df569" providerId="LiveId" clId="{EC93BA3A-10A7-4C1F-9533-94C2FC5B4D08}" dt="2022-12-09T00:53:53.902" v="40" actId="20577"/>
+          <ac:spMkLst>
+            <pc:docMk/>
+            <pc:sldMk cId="0" sldId="256"/>
+            <ac:spMk id="14343" creationId="{065E6C83-EB17-4F51-A8BE-1353F0346BEF}"/>
+          </ac:spMkLst>
+        </pc:spChg>
         <pc:spChg chg="mod">
           <ac:chgData name="Jeremy Joy" userId="662af16f3b4df569" providerId="LiveId" clId="{EC93BA3A-10A7-4C1F-9533-94C2FC5B4D08}" dt="2022-12-08T22:45:30.418" v="4" actId="20577"/>
           <ac:spMkLst>
@@ -262,7 +270,7 @@
           </ac:spMkLst>
         </pc:spChg>
         <pc:graphicFrameChg chg="modGraphic">
-          <ac:chgData name="Jeremy Joy" userId="662af16f3b4df569" providerId="LiveId" clId="{EC93BA3A-10A7-4C1F-9533-94C2FC5B4D08}" dt="2022-12-08T23:16:12.096" v="6" actId="20577"/>
+          <ac:chgData name="Jeremy Joy" userId="662af16f3b4df569" providerId="LiveId" clId="{EC93BA3A-10A7-4C1F-9533-94C2FC5B4D08}" dt="2022-12-09T00:54:11.470" v="44" actId="20577"/>
           <ac:graphicFrameMkLst>
             <pc:docMk/>
             <pc:sldMk cId="0" sldId="256"/>
@@ -5727,7 +5735,35 @@
                 <a:latin typeface="Calibri" panose="020F0502020204030204" pitchFamily="34" charset="0"/>
                 <a:cs typeface="Calibri" panose="020F0502020204030204" pitchFamily="34" charset="0"/>
               </a:rPr>
-              <a:t>Connie Mpofu, Jeremy Joy, Yuka Chen, Connor Cabrey – American University STAT-627 Final Project</a:t>
+              <a:t>Concillia </a:t>
+            </a:r>
+            <a:r>
+              <a:rPr lang="en-US" altLang="en-US" sz="4000" b="1" dirty="0" err="1">
+                <a:latin typeface="Calibri" panose="020F0502020204030204" pitchFamily="34" charset="0"/>
+                <a:cs typeface="Calibri" panose="020F0502020204030204" pitchFamily="34" charset="0"/>
+              </a:rPr>
+              <a:t>Hleziphi</a:t>
+            </a:r>
+            <a:r>
+              <a:rPr lang="en-US" altLang="en-US" sz="4000" b="1" dirty="0">
+                <a:latin typeface="Calibri" panose="020F0502020204030204" pitchFamily="34" charset="0"/>
+                <a:cs typeface="Calibri" panose="020F0502020204030204" pitchFamily="34" charset="0"/>
+              </a:rPr>
+              <a:t> Mpofu, Jeremy Joy, </a:t>
+            </a:r>
+            <a:r>
+              <a:rPr lang="en-US" altLang="en-US" sz="4000" b="1" dirty="0" err="1">
+                <a:latin typeface="Calibri" panose="020F0502020204030204" pitchFamily="34" charset="0"/>
+                <a:cs typeface="Calibri" panose="020F0502020204030204" pitchFamily="34" charset="0"/>
+              </a:rPr>
+              <a:t>YouJia</a:t>
+            </a:r>
+            <a:r>
+              <a:rPr lang="en-US" altLang="en-US" sz="4000" b="1" dirty="0">
+                <a:latin typeface="Calibri" panose="020F0502020204030204" pitchFamily="34" charset="0"/>
+                <a:cs typeface="Calibri" panose="020F0502020204030204" pitchFamily="34" charset="0"/>
+              </a:rPr>
+              <a:t> Chen, Connor Cabrey – American University STAT-627 Final Project</a:t>
             </a:r>
             <a:endParaRPr lang="en-US" altLang="en-US" sz="4000" dirty="0">
               <a:latin typeface="Calibri" panose="020F0502020204030204" pitchFamily="34" charset="0"/>
@@ -5770,14 +5806,14 @@
           </a:ln>
           <a:extLst>
             <a:ext uri="{909E8E84-426E-40dd-AFC4-6F175D3DCCD1}">
-              <a14:hiddenFill xmlns="" xmlns:a14="http://schemas.microsoft.com/office/drawing/2010/main">
+              <a14:hiddenFill xmlns:a14="http://schemas.microsoft.com/office/drawing/2010/main" xmlns="">
                 <a:solidFill>
                   <a:srgbClr val="FFFFFF"/>
                 </a:solidFill>
               </a14:hiddenFill>
             </a:ext>
             <a:ext uri="{91240B29-F687-4f45-9708-019B960494DF}">
-              <a14:hiddenLine xmlns="" xmlns:a14="http://schemas.microsoft.com/office/drawing/2010/main" w="9525">
+              <a14:hiddenLine xmlns:a14="http://schemas.microsoft.com/office/drawing/2010/main" xmlns="" w="9525">
                 <a:solidFill>
                   <a:srgbClr val="000000"/>
                 </a:solidFill>
@@ -6965,7 +7001,7 @@
           <p:nvPr>
             <p:extLst>
               <p:ext uri="{D42A27DB-BD31-4B8C-83A1-F6EECF244321}">
-                <p14:modId xmlns:p14="http://schemas.microsoft.com/office/powerpoint/2010/main" val="3892469421"/>
+                <p14:modId xmlns:p14="http://schemas.microsoft.com/office/powerpoint/2010/main" val="2151001304"/>
               </p:ext>
             </p:extLst>
           </p:nvPr>
@@ -7576,7 +7612,7 @@
                     <a:p>
                       <a:r>
                         <a:rPr lang="en-US" sz="4800" dirty="0"/>
-                        <a:t>RMSE = 0.11</a:t>
+                        <a:t>RMSE = 0.14</a:t>
                       </a:r>
                     </a:p>
                   </a:txBody>
@@ -7758,8 +7794,21 @@
                             <a:srgbClr val="FFFF00"/>
                           </a:highlight>
                         </a:rPr>
-                        <a:t>RMSE = 0.14</a:t>
+                        <a:t>RMSE </a:t>
                       </a:r>
+                      <a:r>
+                        <a:rPr lang="en-US" sz="4800">
+                          <a:highlight>
+                            <a:srgbClr val="FFFF00"/>
+                          </a:highlight>
+                        </a:rPr>
+                        <a:t>= 0.11</a:t>
+                      </a:r>
+                      <a:endParaRPr lang="en-US" sz="4800" dirty="0">
+                        <a:highlight>
+                          <a:srgbClr val="FFFF00"/>
+                        </a:highlight>
+                      </a:endParaRPr>
                     </a:p>
                   </a:txBody>
                   <a:tcPr>

--- a/poster/H1B_Poster.pptx
+++ b/poster/H1B_Poster.pptx
@@ -241,46 +241,6 @@
     </pc:docChg>
   </pc:docChgLst>
   <pc:docChgLst>
-    <pc:chgData name="Jeremy Joy" userId="662af16f3b4df569" providerId="LiveId" clId="{EC93BA3A-10A7-4C1F-9533-94C2FC5B4D08}"/>
-    <pc:docChg chg="modSld">
-      <pc:chgData name="Jeremy Joy" userId="662af16f3b4df569" providerId="LiveId" clId="{EC93BA3A-10A7-4C1F-9533-94C2FC5B4D08}" dt="2022-12-09T00:54:11.470" v="44" actId="20577"/>
-      <pc:docMkLst>
-        <pc:docMk/>
-      </pc:docMkLst>
-      <pc:sldChg chg="modSp mod">
-        <pc:chgData name="Jeremy Joy" userId="662af16f3b4df569" providerId="LiveId" clId="{EC93BA3A-10A7-4C1F-9533-94C2FC5B4D08}" dt="2022-12-09T00:54:11.470" v="44" actId="20577"/>
-        <pc:sldMkLst>
-          <pc:docMk/>
-          <pc:sldMk cId="0" sldId="256"/>
-        </pc:sldMkLst>
-        <pc:spChg chg="mod">
-          <ac:chgData name="Jeremy Joy" userId="662af16f3b4df569" providerId="LiveId" clId="{EC93BA3A-10A7-4C1F-9533-94C2FC5B4D08}" dt="2022-12-09T00:53:53.902" v="40" actId="20577"/>
-          <ac:spMkLst>
-            <pc:docMk/>
-            <pc:sldMk cId="0" sldId="256"/>
-            <ac:spMk id="14343" creationId="{065E6C83-EB17-4F51-A8BE-1353F0346BEF}"/>
-          </ac:spMkLst>
-        </pc:spChg>
-        <pc:spChg chg="mod">
-          <ac:chgData name="Jeremy Joy" userId="662af16f3b4df569" providerId="LiveId" clId="{EC93BA3A-10A7-4C1F-9533-94C2FC5B4D08}" dt="2022-12-08T22:45:30.418" v="4" actId="20577"/>
-          <ac:spMkLst>
-            <pc:docMk/>
-            <pc:sldMk cId="0" sldId="256"/>
-            <ac:spMk id="14345" creationId="{F890D5BA-89D8-23F0-AF42-640C20C2AE61}"/>
-          </ac:spMkLst>
-        </pc:spChg>
-        <pc:graphicFrameChg chg="modGraphic">
-          <ac:chgData name="Jeremy Joy" userId="662af16f3b4df569" providerId="LiveId" clId="{EC93BA3A-10A7-4C1F-9533-94C2FC5B4D08}" dt="2022-12-09T00:54:11.470" v="44" actId="20577"/>
-          <ac:graphicFrameMkLst>
-            <pc:docMk/>
-            <pc:sldMk cId="0" sldId="256"/>
-            <ac:graphicFrameMk id="2" creationId="{7607344A-B8AE-3810-2409-CA405621E773}"/>
-          </ac:graphicFrameMkLst>
-        </pc:graphicFrameChg>
-      </pc:sldChg>
-    </pc:docChg>
-  </pc:docChgLst>
-  <pc:docChgLst>
     <pc:chgData name="Jeremy Joy" userId="662af16f3b4df569" providerId="LiveId" clId="{71E35349-BCC9-4E6B-9441-61225FE5B7F5}"/>
     <pc:docChg chg="undo custSel modSld">
       <pc:chgData name="Jeremy Joy" userId="662af16f3b4df569" providerId="LiveId" clId="{71E35349-BCC9-4E6B-9441-61225FE5B7F5}" dt="2022-12-08T20:45:31.747" v="768" actId="20577"/>
@@ -335,6 +295,46 @@
         </pc:spChg>
         <pc:graphicFrameChg chg="modGraphic">
           <ac:chgData name="Jeremy Joy" userId="662af16f3b4df569" providerId="LiveId" clId="{71E35349-BCC9-4E6B-9441-61225FE5B7F5}" dt="2022-12-08T20:45:31.747" v="768" actId="20577"/>
+          <ac:graphicFrameMkLst>
+            <pc:docMk/>
+            <pc:sldMk cId="0" sldId="256"/>
+            <ac:graphicFrameMk id="2" creationId="{7607344A-B8AE-3810-2409-CA405621E773}"/>
+          </ac:graphicFrameMkLst>
+        </pc:graphicFrameChg>
+      </pc:sldChg>
+    </pc:docChg>
+  </pc:docChgLst>
+  <pc:docChgLst>
+    <pc:chgData name="Jeremy Joy" userId="662af16f3b4df569" providerId="LiveId" clId="{EC93BA3A-10A7-4C1F-9533-94C2FC5B4D08}"/>
+    <pc:docChg chg="modSld">
+      <pc:chgData name="Jeremy Joy" userId="662af16f3b4df569" providerId="LiveId" clId="{EC93BA3A-10A7-4C1F-9533-94C2FC5B4D08}" dt="2022-12-09T00:54:11.470" v="44" actId="20577"/>
+      <pc:docMkLst>
+        <pc:docMk/>
+      </pc:docMkLst>
+      <pc:sldChg chg="modSp mod">
+        <pc:chgData name="Jeremy Joy" userId="662af16f3b4df569" providerId="LiveId" clId="{EC93BA3A-10A7-4C1F-9533-94C2FC5B4D08}" dt="2022-12-09T00:54:11.470" v="44" actId="20577"/>
+        <pc:sldMkLst>
+          <pc:docMk/>
+          <pc:sldMk cId="0" sldId="256"/>
+        </pc:sldMkLst>
+        <pc:spChg chg="mod">
+          <ac:chgData name="Jeremy Joy" userId="662af16f3b4df569" providerId="LiveId" clId="{EC93BA3A-10A7-4C1F-9533-94C2FC5B4D08}" dt="2022-12-09T00:53:53.902" v="40" actId="20577"/>
+          <ac:spMkLst>
+            <pc:docMk/>
+            <pc:sldMk cId="0" sldId="256"/>
+            <ac:spMk id="14343" creationId="{065E6C83-EB17-4F51-A8BE-1353F0346BEF}"/>
+          </ac:spMkLst>
+        </pc:spChg>
+        <pc:spChg chg="mod">
+          <ac:chgData name="Jeremy Joy" userId="662af16f3b4df569" providerId="LiveId" clId="{EC93BA3A-10A7-4C1F-9533-94C2FC5B4D08}" dt="2022-12-08T22:45:30.418" v="4" actId="20577"/>
+          <ac:spMkLst>
+            <pc:docMk/>
+            <pc:sldMk cId="0" sldId="256"/>
+            <ac:spMk id="14345" creationId="{F890D5BA-89D8-23F0-AF42-640C20C2AE61}"/>
+          </ac:spMkLst>
+        </pc:spChg>
+        <pc:graphicFrameChg chg="modGraphic">
+          <ac:chgData name="Jeremy Joy" userId="662af16f3b4df569" providerId="LiveId" clId="{EC93BA3A-10A7-4C1F-9533-94C2FC5B4D08}" dt="2022-12-09T00:54:11.470" v="44" actId="20577"/>
           <ac:graphicFrameMkLst>
             <pc:docMk/>
             <pc:sldMk cId="0" sldId="256"/>
@@ -5806,14 +5806,14 @@
           </a:ln>
           <a:extLst>
             <a:ext uri="{909E8E84-426E-40dd-AFC4-6F175D3DCCD1}">
-              <a14:hiddenFill xmlns:a14="http://schemas.microsoft.com/office/drawing/2010/main" xmlns="">
+              <a14:hiddenFill xmlns="" xmlns:a14="http://schemas.microsoft.com/office/drawing/2010/main">
                 <a:solidFill>
                   <a:srgbClr val="FFFFFF"/>
                 </a:solidFill>
               </a14:hiddenFill>
             </a:ext>
             <a:ext uri="{91240B29-F687-4f45-9708-019B960494DF}">
-              <a14:hiddenLine xmlns:a14="http://schemas.microsoft.com/office/drawing/2010/main" xmlns="" w="9525">
+              <a14:hiddenLine xmlns="" xmlns:a14="http://schemas.microsoft.com/office/drawing/2010/main" w="9525">
                 <a:solidFill>
                   <a:srgbClr val="000000"/>
                 </a:solidFill>
@@ -7001,7 +7001,7 @@
           <p:nvPr>
             <p:extLst>
               <p:ext uri="{D42A27DB-BD31-4B8C-83A1-F6EECF244321}">
-                <p14:modId xmlns:p14="http://schemas.microsoft.com/office/powerpoint/2010/main" val="2151001304"/>
+                <p14:modId xmlns:p14="http://schemas.microsoft.com/office/powerpoint/2010/main" val="1328575023"/>
               </p:ext>
             </p:extLst>
           </p:nvPr>
@@ -7271,8 +7271,12 @@
                     </a:p>
                     <a:p>
                       <a:r>
+                        <a:rPr lang="en-US" sz="4800"/>
+                        <a:t>MCR </a:t>
+                      </a:r>
+                      <a:r>
                         <a:rPr lang="en-US" sz="4800" dirty="0"/>
-                        <a:t>RMSE = 0.14</a:t>
+                        <a:t>= 0.14</a:t>
                       </a:r>
                     </a:p>
                   </a:txBody>
@@ -7379,11 +7383,7 @@
                     <a:lstStyle/>
                     <a:p>
                       <a:r>
-                        <a:rPr lang="en-US" sz="4800" dirty="0">
-                          <a:highlight>
-                            <a:srgbClr val="FFFF00"/>
-                          </a:highlight>
-                        </a:rPr>
+                        <a:rPr lang="en-US" sz="4800" dirty="0"/>
                         <a:t>Logistic Regression</a:t>
                       </a:r>
                     </a:p>
@@ -7433,26 +7433,14 @@
                     <a:lstStyle/>
                     <a:p>
                       <a:r>
-                        <a:rPr lang="en-US" sz="4800" dirty="0">
-                          <a:highlight>
-                            <a:srgbClr val="FFFF00"/>
-                          </a:highlight>
-                        </a:rPr>
+                        <a:rPr lang="en-US" sz="4800" dirty="0"/>
                         <a:t>RMSE </a:t>
                       </a:r>
                       <a:r>
-                        <a:rPr lang="en-US" sz="4800">
-                          <a:highlight>
-                            <a:srgbClr val="FFFF00"/>
-                          </a:highlight>
-                        </a:rPr>
+                        <a:rPr lang="en-US" sz="4800"/>
                         <a:t>= 0.11</a:t>
                       </a:r>
-                      <a:endParaRPr lang="en-US" sz="4800" dirty="0">
-                        <a:highlight>
-                          <a:srgbClr val="FFFF00"/>
-                        </a:highlight>
-                      </a:endParaRPr>
+                      <a:endParaRPr lang="en-US" sz="4800" dirty="0"/>
                     </a:p>
                   </a:txBody>
                   <a:tcPr>
@@ -7500,11 +7488,7 @@
                     <a:lstStyle/>
                     <a:p>
                       <a:r>
-                        <a:rPr lang="en-US" sz="4800" dirty="0">
-                          <a:highlight>
-                            <a:srgbClr val="FFFF00"/>
-                          </a:highlight>
-                        </a:rPr>
+                        <a:rPr lang="en-US" sz="4800" dirty="0"/>
                         <a:t>18</a:t>
                       </a:r>
                     </a:p>
